--- a/NHibernateCourse.pptx
+++ b/NHibernateCourse.pptx
@@ -377,7 +377,7 @@
     </p:spTree>
     <p:extLst>
       <p:ext uri="{BB962C8B-B14F-4D97-AF65-F5344CB8AC3E}">
-        <p14:creationId xmlns="" xmlns:p14="http://schemas.microsoft.com/office/powerpoint/2010/main" val="3581364128"/>
+        <p14:creationId xmlns:p14="http://schemas.microsoft.com/office/powerpoint/2010/main" xmlns="" val="3581364128"/>
       </p:ext>
     </p:extLst>
   </p:cSld>
@@ -2158,7 +2158,6 @@
               <a:rPr lang="nl-BE" dirty="0" smtClean="0"/>
               <a:t>Dit werk niet!</a:t>
             </a:r>
-            <a:endParaRPr lang="nl-BE" dirty="0" smtClean="0"/>
           </a:p>
           <a:p>
             <a:pPr lvl="1"/>
@@ -2166,7 +2165,6 @@
               <a:rPr lang="nl-BE" dirty="0" smtClean="0"/>
               <a:t>Kost veel tijd</a:t>
             </a:r>
-            <a:endParaRPr lang="nl-BE" dirty="0" smtClean="0"/>
           </a:p>
           <a:p>
             <a:pPr lvl="1"/>
@@ -2542,52 +2540,47 @@
               <a:rPr lang="nl-BE" dirty="0" smtClean="0"/>
               <a:t>Hoe moet het dan wel?</a:t>
             </a:r>
+          </a:p>
+          <a:p>
+            <a:pPr lvl="1"/>
+            <a:r>
+              <a:rPr lang="nl-BE" dirty="0" smtClean="0"/>
+              <a:t>Entiteiten zijn objecten, geen data </a:t>
+            </a:r>
+            <a:r>
+              <a:rPr lang="nl-BE" dirty="0" err="1" smtClean="0"/>
+              <a:t>structures</a:t>
+            </a:r>
             <a:endParaRPr lang="nl-BE" dirty="0" smtClean="0"/>
           </a:p>
           <a:p>
             <a:pPr lvl="1"/>
             <a:r>
-              <a:rPr lang="nl-BE" dirty="0" smtClean="0"/>
-              <a:t>Entiteiten zijn objecten, geen data </a:t>
-            </a:r>
-            <a:r>
-              <a:rPr lang="nl-BE" dirty="0" err="1" smtClean="0"/>
-              <a:t>structures</a:t>
+              <a:rPr lang="nl-BE" dirty="0" err="1" smtClean="0"/>
+              <a:t>Encapsuleer</a:t>
+            </a:r>
+            <a:r>
+              <a:rPr lang="nl-BE" dirty="0" smtClean="0"/>
+              <a:t> </a:t>
+            </a:r>
+            <a:r>
+              <a:rPr lang="nl-BE" dirty="0" err="1" smtClean="0"/>
+              <a:t>queries</a:t>
             </a:r>
             <a:endParaRPr lang="nl-BE" dirty="0" smtClean="0"/>
           </a:p>
           <a:p>
             <a:pPr lvl="1"/>
             <a:r>
-              <a:rPr lang="nl-BE" dirty="0" err="1" smtClean="0"/>
-              <a:t>Encapsuleer</a:t>
-            </a:r>
-            <a:r>
-              <a:rPr lang="nl-BE" dirty="0" smtClean="0"/>
-              <a:t> </a:t>
-            </a:r>
-            <a:r>
-              <a:rPr lang="nl-BE" dirty="0" err="1" smtClean="0"/>
-              <a:t>queries</a:t>
-            </a:r>
-            <a:endParaRPr lang="nl-BE" dirty="0" smtClean="0"/>
+              <a:rPr lang="nl-BE" dirty="0" smtClean="0"/>
+              <a:t>Geef geen entiteiten door aan je UI</a:t>
+            </a:r>
           </a:p>
           <a:p>
             <a:pPr lvl="1"/>
             <a:r>
               <a:rPr lang="nl-BE" dirty="0" smtClean="0"/>
-              <a:t>Geef geen entiteiten door aan je UI</a:t>
-            </a:r>
-          </a:p>
-          <a:p>
-            <a:pPr lvl="1"/>
-            <a:r>
-              <a:rPr lang="nl-BE" dirty="0" smtClean="0"/>
-              <a:t>Centraal beheer van </a:t>
-            </a:r>
-            <a:r>
-              <a:rPr lang="nl-BE" dirty="0" smtClean="0"/>
-              <a:t>transacties</a:t>
+              <a:t>Centraal beheer van transacties</a:t>
             </a:r>
           </a:p>
           <a:p>
@@ -3163,13 +3156,7 @@
               <a:rPr lang="nl-BE" dirty="0" smtClean="0">
                 <a:hlinkClick r:id="rId3"/>
               </a:rPr>
-              <a:t>http://davybrion.com/blog</a:t>
-            </a:r>
-            <a:r>
-              <a:rPr lang="nl-BE" dirty="0" smtClean="0">
-                <a:hlinkClick r:id="rId3"/>
-              </a:rPr>
-              <a:t>/</a:t>
+              <a:t>http://davybrion.com/blog/</a:t>
             </a:r>
             <a:endParaRPr lang="nl-BE" dirty="0" smtClean="0"/>
           </a:p>
@@ -3178,13 +3165,7 @@
               <a:rPr lang="nl-BE" dirty="0" smtClean="0">
                 <a:hlinkClick r:id="rId4"/>
               </a:rPr>
-              <a:t>http://kilfour.wordpress.com</a:t>
-            </a:r>
-            <a:r>
-              <a:rPr lang="nl-BE" dirty="0" smtClean="0">
-                <a:hlinkClick r:id="rId4"/>
-              </a:rPr>
-              <a:t>/</a:t>
+              <a:t>http://kilfour.wordpress.com/</a:t>
             </a:r>
             <a:endParaRPr lang="nl-BE" dirty="0" smtClean="0"/>
           </a:p>
@@ -3848,6 +3829,38 @@
             </a:r>
             <a:endParaRPr lang="nl-BE" dirty="0" smtClean="0"/>
           </a:p>
+          <a:p>
+            <a:pPr lvl="1"/>
+            <a:endParaRPr lang="nl-BE" dirty="0" smtClean="0"/>
+          </a:p>
+          <a:p>
+            <a:r>
+              <a:rPr lang="nl-BE" dirty="0" smtClean="0"/>
+              <a:t>Demo’s: </a:t>
+            </a:r>
+            <a:r>
+              <a:rPr lang="nl-BE" dirty="0" smtClean="0">
+                <a:hlinkClick r:id="rId2"/>
+              </a:rPr>
+              <a:t>https</a:t>
+            </a:r>
+            <a:r>
+              <a:rPr lang="nl-BE" dirty="0" smtClean="0">
+                <a:hlinkClick r:id="rId2"/>
+              </a:rPr>
+              <a:t>://</a:t>
+            </a:r>
+            <a:r>
+              <a:rPr lang="nl-BE" smtClean="0">
+                <a:hlinkClick r:id="rId2"/>
+              </a:rPr>
+              <a:t>github.com/stevenlauwers22/</a:t>
+            </a:r>
+            <a:endParaRPr lang="nl-BE" dirty="0" smtClean="0"/>
+          </a:p>
+          <a:p>
+            <a:endParaRPr lang="nl-BE" dirty="0" smtClean="0"/>
+          </a:p>
         </p:txBody>
       </p:sp>
       <p:sp>
@@ -4367,11 +4380,7 @@
             <a:pPr lvl="1"/>
             <a:r>
               <a:rPr lang="nl-BE" dirty="0" smtClean="0"/>
-              <a:t>Demo 2</a:t>
-            </a:r>
-            <a:r>
-              <a:rPr lang="nl-BE" dirty="0" smtClean="0"/>
-              <a:t>	</a:t>
+              <a:t>Demo 2	</a:t>
             </a:r>
           </a:p>
         </p:txBody>
@@ -4846,11 +4855,7 @@
             </a:r>
             <a:r>
               <a:rPr lang="nl-BE" dirty="0" smtClean="0"/>
-              <a:t> </a:t>
-            </a:r>
-            <a:r>
-              <a:rPr lang="nl-BE" dirty="0" smtClean="0"/>
-              <a:t>/ best </a:t>
+              <a:t> / best </a:t>
             </a:r>
             <a:r>
               <a:rPr lang="nl-BE" dirty="0" err="1" smtClean="0"/>
@@ -5451,11 +5456,7 @@
             </a:r>
             <a:r>
               <a:rPr lang="nl-BE" dirty="0" smtClean="0"/>
-              <a:t> </a:t>
-            </a:r>
-            <a:r>
-              <a:rPr lang="nl-BE" dirty="0" smtClean="0"/>
-              <a:t>/ best </a:t>
+              <a:t> / best </a:t>
             </a:r>
             <a:r>
               <a:rPr lang="nl-BE" dirty="0" err="1" smtClean="0"/>
@@ -5776,11 +5777,7 @@
             </a:r>
             <a:r>
               <a:rPr lang="nl-BE" dirty="0" smtClean="0"/>
-              <a:t> </a:t>
-            </a:r>
-            <a:r>
-              <a:rPr lang="nl-BE" dirty="0" smtClean="0"/>
-              <a:t>/ best </a:t>
+              <a:t> / best </a:t>
             </a:r>
             <a:r>
               <a:rPr lang="nl-BE" dirty="0" err="1" smtClean="0"/>
@@ -6391,11 +6388,7 @@
             </a:r>
             <a:r>
               <a:rPr lang="en-US" i="1" dirty="0" smtClean="0"/>
-              <a:t> and use Entity framework or another framework then my application should not crash</a:t>
-            </a:r>
-            <a:r>
-              <a:rPr lang="en-US" i="1" dirty="0" smtClean="0"/>
-              <a:t>.</a:t>
+              <a:t> and use Entity framework or another framework then my application should not crash.</a:t>
             </a:r>
             <a:endParaRPr lang="nl-BE" i="1" dirty="0" smtClean="0"/>
           </a:p>
@@ -6987,6 +6980,21 @@
 </file>
 
 <file path=customXml/item1.xml><?xml version="1.0" encoding="utf-8"?>
+<p:properties xmlns:p="http://schemas.microsoft.com/office/2006/metadata/properties" xmlns:xsi="http://www.w3.org/2001/XMLSchema-instance" xmlns:pc="http://schemas.microsoft.com/office/infopath/2007/PartnerControls">
+  <documentManagement/>
+</p:properties>
+</file>
+
+<file path=customXml/item2.xml><?xml version="1.0" encoding="utf-8"?>
+<?mso-contentType ?>
+<FormTemplates xmlns="http://schemas.microsoft.com/sharepoint/v3/contenttype/forms">
+  <Display>DocumentLibraryForm</Display>
+  <Edit>DocumentLibraryForm</Edit>
+  <New>DocumentLibraryForm</New>
+</FormTemplates>
+</file>
+
+<file path=customXml/item3.xml><?xml version="1.0" encoding="utf-8"?>
 <ct:contentTypeSchema xmlns:ct="http://schemas.microsoft.com/office/2006/metadata/contentType" xmlns:ma="http://schemas.microsoft.com/office/2006/metadata/properties/metaAttributes" ct:_="" ma:_="" ma:contentTypeName="Document" ma:contentTypeID="0x010100E38A22C3A72A5C41AD5BCCFBCF9BC258" ma:contentTypeVersion="0" ma:contentTypeDescription="Create a new document." ma:contentTypeScope="" ma:versionID="47b5a05ff17c9f87f17ba393f078e50e">
   <xsd:schema xmlns:xsd="http://www.w3.org/2001/XMLSchema" xmlns:xs="http://www.w3.org/2001/XMLSchema" xmlns:p="http://schemas.microsoft.com/office/2006/metadata/properties" targetNamespace="http://schemas.microsoft.com/office/2006/metadata/properties" ma:root="true" ma:fieldsID="c64490b4aec6201516c3a874156f37b2">
     <xsd:element name="properties">
@@ -7100,32 +7108,10 @@
 </ct:contentTypeSchema>
 </file>
 
-<file path=customXml/item2.xml><?xml version="1.0" encoding="utf-8"?>
-<?mso-contentType ?>
-<FormTemplates xmlns="http://schemas.microsoft.com/sharepoint/v3/contenttype/forms">
-  <Display>DocumentLibraryForm</Display>
-  <Edit>DocumentLibraryForm</Edit>
-  <New>DocumentLibraryForm</New>
-</FormTemplates>
-</file>
-
-<file path=customXml/item3.xml><?xml version="1.0" encoding="utf-8"?>
-<p:properties xmlns:p="http://schemas.microsoft.com/office/2006/metadata/properties" xmlns:xsi="http://www.w3.org/2001/XMLSchema-instance" xmlns:pc="http://schemas.microsoft.com/office/infopath/2007/PartnerControls">
-  <documentManagement/>
-</p:properties>
-</file>
-
 <file path=customXml/itemProps1.xml><?xml version="1.0" encoding="utf-8"?>
-<ds:datastoreItem xmlns:ds="http://schemas.openxmlformats.org/officeDocument/2006/customXml" ds:itemID="{DD63C643-5D3F-445B-B1D2-93AE57167F43}">
+<ds:datastoreItem xmlns:ds="http://schemas.openxmlformats.org/officeDocument/2006/customXml" ds:itemID="{99174808-9C2B-4902-8C9D-44348A1FD8BB}">
   <ds:schemaRefs>
-    <ds:schemaRef ds:uri="http://schemas.microsoft.com/office/2006/metadata/contentType"/>
-    <ds:schemaRef ds:uri="http://schemas.microsoft.com/office/2006/metadata/properties/metaAttributes"/>
-    <ds:schemaRef ds:uri="http://www.w3.org/2001/XMLSchema"/>
     <ds:schemaRef ds:uri="http://schemas.microsoft.com/office/2006/metadata/properties"/>
-    <ds:schemaRef ds:uri="http://schemas.openxmlformats.org/package/2006/metadata/core-properties"/>
-    <ds:schemaRef ds:uri="http://purl.org/dc/elements/1.1/"/>
-    <ds:schemaRef ds:uri="http://purl.org/dc/terms/"/>
-    <ds:schemaRef ds:uri="http://schemas.microsoft.com/internal/obd"/>
     <ds:schemaRef ds:uri="http://schemas.microsoft.com/office/infopath/2007/PartnerControls"/>
   </ds:schemaRefs>
 </ds:datastoreItem>
@@ -7140,9 +7126,16 @@
 </file>
 
 <file path=customXml/itemProps3.xml><?xml version="1.0" encoding="utf-8"?>
-<ds:datastoreItem xmlns:ds="http://schemas.openxmlformats.org/officeDocument/2006/customXml" ds:itemID="{99174808-9C2B-4902-8C9D-44348A1FD8BB}">
+<ds:datastoreItem xmlns:ds="http://schemas.openxmlformats.org/officeDocument/2006/customXml" ds:itemID="{DD63C643-5D3F-445B-B1D2-93AE57167F43}">
   <ds:schemaRefs>
+    <ds:schemaRef ds:uri="http://schemas.microsoft.com/office/2006/metadata/contentType"/>
+    <ds:schemaRef ds:uri="http://schemas.microsoft.com/office/2006/metadata/properties/metaAttributes"/>
+    <ds:schemaRef ds:uri="http://www.w3.org/2001/XMLSchema"/>
     <ds:schemaRef ds:uri="http://schemas.microsoft.com/office/2006/metadata/properties"/>
+    <ds:schemaRef ds:uri="http://schemas.openxmlformats.org/package/2006/metadata/core-properties"/>
+    <ds:schemaRef ds:uri="http://purl.org/dc/elements/1.1/"/>
+    <ds:schemaRef ds:uri="http://purl.org/dc/terms/"/>
+    <ds:schemaRef ds:uri="http://schemas.microsoft.com/internal/obd"/>
     <ds:schemaRef ds:uri="http://schemas.microsoft.com/office/infopath/2007/PartnerControls"/>
   </ds:schemaRefs>
 </ds:datastoreItem>

--- a/NHibernateCourse.pptx
+++ b/NHibernateCourse.pptx
@@ -206,7 +206,7 @@
             <a:fld id="{EB0EBD4C-DAF9-4E72-A1A4-1160C8AA0ED9}" type="datetimeFigureOut">
               <a:rPr lang="nl-BE" smtClean="0"/>
               <a:pPr/>
-              <a:t>12/06/2012</a:t>
+              <a:t>13/06/2012</a:t>
             </a:fld>
             <a:endParaRPr lang="nl-BE"/>
           </a:p>
@@ -377,7 +377,7 @@
     </p:spTree>
     <p:extLst>
       <p:ext uri="{BB962C8B-B14F-4D97-AF65-F5344CB8AC3E}">
-        <p14:creationId xmlns:p14="http://schemas.microsoft.com/office/powerpoint/2010/main" xmlns="" val="3581364128"/>
+        <p14:creationId xmlns="" xmlns:p14="http://schemas.microsoft.com/office/powerpoint/2010/main" val="3581364128"/>
       </p:ext>
     </p:extLst>
   </p:cSld>
@@ -975,7 +975,7 @@
             <a:fld id="{DBF0DA3E-2D0E-44FA-B999-D46FE1732693}" type="datetime2">
               <a:rPr lang="nl-BE" smtClean="0"/>
               <a:pPr/>
-              <a:t>dinsdag 12 juni 2012</a:t>
+              <a:t>woensdag 13 juni 2012</a:t>
             </a:fld>
             <a:endParaRPr lang="en-US" dirty="0"/>
           </a:p>
@@ -1652,7 +1652,7 @@
             <a:fld id="{03C47FF0-850A-426D-8B6B-B6C8BFE71E7B}" type="datetime2">
               <a:rPr lang="nl-BE" smtClean="0"/>
               <a:pPr/>
-              <a:t>dinsdag 12 juni 2012</a:t>
+              <a:t>woensdag 13 juni 2012</a:t>
             </a:fld>
             <a:endParaRPr lang="en-US" dirty="0"/>
           </a:p>
@@ -2280,7 +2280,7 @@
             <a:fld id="{DBF0DA3E-2D0E-44FA-B999-D46FE1732693}" type="datetime2">
               <a:rPr lang="nl-BE" smtClean="0"/>
               <a:pPr/>
-              <a:t>dinsdag 12 juni 2012</a:t>
+              <a:t>woensdag 13 juni 2012</a:t>
             </a:fld>
             <a:endParaRPr lang="en-US" dirty="0"/>
           </a:p>
@@ -2613,7 +2613,7 @@
             <a:fld id="{DBF0DA3E-2D0E-44FA-B999-D46FE1732693}" type="datetime2">
               <a:rPr lang="nl-BE" smtClean="0"/>
               <a:pPr/>
-              <a:t>dinsdag 12 juni 2012</a:t>
+              <a:t>woensdag 13 juni 2012</a:t>
             </a:fld>
             <a:endParaRPr lang="en-US" dirty="0"/>
           </a:p>
@@ -2840,7 +2840,7 @@
             <a:fld id="{DBF0DA3E-2D0E-44FA-B999-D46FE1732693}" type="datetime2">
               <a:rPr lang="nl-BE" smtClean="0"/>
               <a:pPr/>
-              <a:t>dinsdag 12 juni 2012</a:t>
+              <a:t>woensdag 13 juni 2012</a:t>
             </a:fld>
             <a:endParaRPr lang="en-US" dirty="0"/>
           </a:p>
@@ -3204,7 +3204,7 @@
             <a:fld id="{DBF0DA3E-2D0E-44FA-B999-D46FE1732693}" type="datetime2">
               <a:rPr lang="nl-BE" smtClean="0"/>
               <a:pPr/>
-              <a:t>dinsdag 12 juni 2012</a:t>
+              <a:t>woensdag 13 juni 2012</a:t>
             </a:fld>
             <a:endParaRPr lang="en-US" dirty="0"/>
           </a:p>
@@ -3456,7 +3456,7 @@
             <a:fld id="{DBF0DA3E-2D0E-44FA-B999-D46FE1732693}" type="datetime2">
               <a:rPr lang="nl-BE" smtClean="0"/>
               <a:pPr/>
-              <a:t>dinsdag 12 juni 2012</a:t>
+              <a:t>woensdag 13 juni 2012</a:t>
             </a:fld>
             <a:endParaRPr lang="en-US" dirty="0"/>
           </a:p>
@@ -3577,8 +3577,8 @@
         </p:nvSpPr>
         <p:spPr>
           <a:xfrm>
-            <a:off x="6287649" y="3183359"/>
-            <a:ext cx="1596719" cy="461665"/>
+            <a:off x="6228184" y="3183359"/>
+            <a:ext cx="2460815" cy="461665"/>
           </a:xfrm>
           <a:prstGeom prst="rect">
             <a:avLst/>
@@ -3586,22 +3586,22 @@
           <a:noFill/>
         </p:spPr>
         <p:txBody>
-          <a:bodyPr wrap="none" rtlCol="0">
+          <a:bodyPr wrap="square" rtlCol="0">
             <a:spAutoFit/>
           </a:bodyPr>
           <a:lstStyle/>
           <a:p>
             <a:r>
               <a:rPr lang="nl-BE" sz="2400" dirty="0" smtClean="0"/>
-              <a:t>I </a:t>
+              <a:t>Does </a:t>
             </a:r>
             <a:r>
               <a:rPr lang="nl-BE" sz="2400" dirty="0" err="1" smtClean="0"/>
-              <a:t>don’t</a:t>
+              <a:t>it</a:t>
             </a:r>
             <a:r>
               <a:rPr lang="nl-BE" sz="2400" dirty="0" smtClean="0"/>
-              <a:t> care</a:t>
+              <a:t> matter?</a:t>
             </a:r>
             <a:endParaRPr lang="nl-BE" sz="2000" dirty="0"/>
           </a:p>
@@ -3842,13 +3842,7 @@
               <a:rPr lang="nl-BE" dirty="0" smtClean="0">
                 <a:hlinkClick r:id="rId2"/>
               </a:rPr>
-              <a:t>https</a:t>
-            </a:r>
-            <a:r>
-              <a:rPr lang="nl-BE" dirty="0" smtClean="0">
-                <a:hlinkClick r:id="rId2"/>
-              </a:rPr>
-              <a:t>://</a:t>
+              <a:t>https://</a:t>
             </a:r>
             <a:r>
               <a:rPr lang="nl-BE" smtClean="0">
@@ -3881,7 +3875,7 @@
             <a:fld id="{DBF0DA3E-2D0E-44FA-B999-D46FE1732693}" type="datetime2">
               <a:rPr lang="nl-BE" smtClean="0"/>
               <a:pPr/>
-              <a:t>dinsdag 12 juni 2012</a:t>
+              <a:t>woensdag 13 juni 2012</a:t>
             </a:fld>
             <a:endParaRPr lang="en-US" dirty="0"/>
           </a:p>
@@ -4062,7 +4056,7 @@
             <a:fld id="{DBF0DA3E-2D0E-44FA-B999-D46FE1732693}" type="datetime2">
               <a:rPr lang="nl-BE" smtClean="0"/>
               <a:pPr/>
-              <a:t>dinsdag 12 juni 2012</a:t>
+              <a:t>woensdag 13 juni 2012</a:t>
             </a:fld>
             <a:endParaRPr lang="en-US" dirty="0"/>
           </a:p>
@@ -4403,7 +4397,7 @@
             <a:fld id="{DBF0DA3E-2D0E-44FA-B999-D46FE1732693}" type="datetime2">
               <a:rPr lang="nl-BE" smtClean="0"/>
               <a:pPr/>
-              <a:t>dinsdag 12 juni 2012</a:t>
+              <a:t>woensdag 13 juni 2012</a:t>
             </a:fld>
             <a:endParaRPr lang="en-US" dirty="0"/>
           </a:p>
@@ -4779,7 +4773,7 @@
             <a:fld id="{DBF0DA3E-2D0E-44FA-B999-D46FE1732693}" type="datetime2">
               <a:rPr lang="nl-BE" smtClean="0"/>
               <a:pPr/>
-              <a:t>dinsdag 12 juni 2012</a:t>
+              <a:t>woensdag 13 juni 2012</a:t>
             </a:fld>
             <a:endParaRPr lang="en-US" dirty="0"/>
           </a:p>
@@ -5380,7 +5374,7 @@
             <a:fld id="{DBF0DA3E-2D0E-44FA-B999-D46FE1732693}" type="datetime2">
               <a:rPr lang="nl-BE" smtClean="0"/>
               <a:pPr/>
-              <a:t>dinsdag 12 juni 2012</a:t>
+              <a:t>woensdag 13 juni 2012</a:t>
             </a:fld>
             <a:endParaRPr lang="en-US" dirty="0"/>
           </a:p>
@@ -5701,7 +5695,7 @@
             <a:fld id="{DBF0DA3E-2D0E-44FA-B999-D46FE1732693}" type="datetime2">
               <a:rPr lang="nl-BE" smtClean="0"/>
               <a:pPr/>
-              <a:t>dinsdag 12 juni 2012</a:t>
+              <a:t>woensdag 13 juni 2012</a:t>
             </a:fld>
             <a:endParaRPr lang="en-US" dirty="0"/>
           </a:p>
@@ -6270,7 +6264,7 @@
             <a:fld id="{DBF0DA3E-2D0E-44FA-B999-D46FE1732693}" type="datetime2">
               <a:rPr lang="nl-BE" smtClean="0"/>
               <a:pPr/>
-              <a:t>dinsdag 12 juni 2012</a:t>
+              <a:t>woensdag 13 juni 2012</a:t>
             </a:fld>
             <a:endParaRPr lang="en-US" dirty="0"/>
           </a:p>
@@ -6980,21 +6974,6 @@
 </file>
 
 <file path=customXml/item1.xml><?xml version="1.0" encoding="utf-8"?>
-<p:properties xmlns:p="http://schemas.microsoft.com/office/2006/metadata/properties" xmlns:xsi="http://www.w3.org/2001/XMLSchema-instance" xmlns:pc="http://schemas.microsoft.com/office/infopath/2007/PartnerControls">
-  <documentManagement/>
-</p:properties>
-</file>
-
-<file path=customXml/item2.xml><?xml version="1.0" encoding="utf-8"?>
-<?mso-contentType ?>
-<FormTemplates xmlns="http://schemas.microsoft.com/sharepoint/v3/contenttype/forms">
-  <Display>DocumentLibraryForm</Display>
-  <Edit>DocumentLibraryForm</Edit>
-  <New>DocumentLibraryForm</New>
-</FormTemplates>
-</file>
-
-<file path=customXml/item3.xml><?xml version="1.0" encoding="utf-8"?>
 <ct:contentTypeSchema xmlns:ct="http://schemas.microsoft.com/office/2006/metadata/contentType" xmlns:ma="http://schemas.microsoft.com/office/2006/metadata/properties/metaAttributes" ct:_="" ma:_="" ma:contentTypeName="Document" ma:contentTypeID="0x010100E38A22C3A72A5C41AD5BCCFBCF9BC258" ma:contentTypeVersion="0" ma:contentTypeDescription="Create a new document." ma:contentTypeScope="" ma:versionID="47b5a05ff17c9f87f17ba393f078e50e">
   <xsd:schema xmlns:xsd="http://www.w3.org/2001/XMLSchema" xmlns:xs="http://www.w3.org/2001/XMLSchema" xmlns:p="http://schemas.microsoft.com/office/2006/metadata/properties" targetNamespace="http://schemas.microsoft.com/office/2006/metadata/properties" ma:root="true" ma:fieldsID="c64490b4aec6201516c3a874156f37b2">
     <xsd:element name="properties">
@@ -7108,10 +7087,32 @@
 </ct:contentTypeSchema>
 </file>
 
+<file path=customXml/item2.xml><?xml version="1.0" encoding="utf-8"?>
+<?mso-contentType ?>
+<FormTemplates xmlns="http://schemas.microsoft.com/sharepoint/v3/contenttype/forms">
+  <Display>DocumentLibraryForm</Display>
+  <Edit>DocumentLibraryForm</Edit>
+  <New>DocumentLibraryForm</New>
+</FormTemplates>
+</file>
+
+<file path=customXml/item3.xml><?xml version="1.0" encoding="utf-8"?>
+<p:properties xmlns:p="http://schemas.microsoft.com/office/2006/metadata/properties" xmlns:xsi="http://www.w3.org/2001/XMLSchema-instance" xmlns:pc="http://schemas.microsoft.com/office/infopath/2007/PartnerControls">
+  <documentManagement/>
+</p:properties>
+</file>
+
 <file path=customXml/itemProps1.xml><?xml version="1.0" encoding="utf-8"?>
-<ds:datastoreItem xmlns:ds="http://schemas.openxmlformats.org/officeDocument/2006/customXml" ds:itemID="{99174808-9C2B-4902-8C9D-44348A1FD8BB}">
+<ds:datastoreItem xmlns:ds="http://schemas.openxmlformats.org/officeDocument/2006/customXml" ds:itemID="{DD63C643-5D3F-445B-B1D2-93AE57167F43}">
   <ds:schemaRefs>
+    <ds:schemaRef ds:uri="http://schemas.microsoft.com/office/2006/metadata/contentType"/>
+    <ds:schemaRef ds:uri="http://schemas.microsoft.com/office/2006/metadata/properties/metaAttributes"/>
+    <ds:schemaRef ds:uri="http://www.w3.org/2001/XMLSchema"/>
     <ds:schemaRef ds:uri="http://schemas.microsoft.com/office/2006/metadata/properties"/>
+    <ds:schemaRef ds:uri="http://schemas.openxmlformats.org/package/2006/metadata/core-properties"/>
+    <ds:schemaRef ds:uri="http://purl.org/dc/elements/1.1/"/>
+    <ds:schemaRef ds:uri="http://purl.org/dc/terms/"/>
+    <ds:schemaRef ds:uri="http://schemas.microsoft.com/internal/obd"/>
     <ds:schemaRef ds:uri="http://schemas.microsoft.com/office/infopath/2007/PartnerControls"/>
   </ds:schemaRefs>
 </ds:datastoreItem>
@@ -7126,16 +7127,9 @@
 </file>
 
 <file path=customXml/itemProps3.xml><?xml version="1.0" encoding="utf-8"?>
-<ds:datastoreItem xmlns:ds="http://schemas.openxmlformats.org/officeDocument/2006/customXml" ds:itemID="{DD63C643-5D3F-445B-B1D2-93AE57167F43}">
+<ds:datastoreItem xmlns:ds="http://schemas.openxmlformats.org/officeDocument/2006/customXml" ds:itemID="{99174808-9C2B-4902-8C9D-44348A1FD8BB}">
   <ds:schemaRefs>
-    <ds:schemaRef ds:uri="http://schemas.microsoft.com/office/2006/metadata/contentType"/>
-    <ds:schemaRef ds:uri="http://schemas.microsoft.com/office/2006/metadata/properties/metaAttributes"/>
-    <ds:schemaRef ds:uri="http://www.w3.org/2001/XMLSchema"/>
     <ds:schemaRef ds:uri="http://schemas.microsoft.com/office/2006/metadata/properties"/>
-    <ds:schemaRef ds:uri="http://schemas.openxmlformats.org/package/2006/metadata/core-properties"/>
-    <ds:schemaRef ds:uri="http://purl.org/dc/elements/1.1/"/>
-    <ds:schemaRef ds:uri="http://purl.org/dc/terms/"/>
-    <ds:schemaRef ds:uri="http://schemas.microsoft.com/internal/obd"/>
     <ds:schemaRef ds:uri="http://schemas.microsoft.com/office/infopath/2007/PartnerControls"/>
   </ds:schemaRefs>
 </ds:datastoreItem>

--- a/NHibernateCourse.pptx
+++ b/NHibernateCourse.pptx
@@ -206,7 +206,7 @@
             <a:fld id="{EB0EBD4C-DAF9-4E72-A1A4-1160C8AA0ED9}" type="datetimeFigureOut">
               <a:rPr lang="nl-BE" smtClean="0"/>
               <a:pPr/>
-              <a:t>13/06/2012</a:t>
+              <a:t>14/06/2012</a:t>
             </a:fld>
             <a:endParaRPr lang="nl-BE"/>
           </a:p>
@@ -377,7 +377,7 @@
     </p:spTree>
     <p:extLst>
       <p:ext uri="{BB962C8B-B14F-4D97-AF65-F5344CB8AC3E}">
-        <p14:creationId xmlns="" xmlns:p14="http://schemas.microsoft.com/office/powerpoint/2010/main" val="3581364128"/>
+        <p14:creationId xmlns:p14="http://schemas.microsoft.com/office/powerpoint/2010/main" xmlns="" val="3581364128"/>
       </p:ext>
     </p:extLst>
   </p:cSld>
@@ -975,7 +975,7 @@
             <a:fld id="{DBF0DA3E-2D0E-44FA-B999-D46FE1732693}" type="datetime2">
               <a:rPr lang="nl-BE" smtClean="0"/>
               <a:pPr/>
-              <a:t>woensdag 13 juni 2012</a:t>
+              <a:t>donderdag 14 juni 2012</a:t>
             </a:fld>
             <a:endParaRPr lang="en-US" dirty="0"/>
           </a:p>
@@ -1652,7 +1652,7 @@
             <a:fld id="{03C47FF0-850A-426D-8B6B-B6C8BFE71E7B}" type="datetime2">
               <a:rPr lang="nl-BE" smtClean="0"/>
               <a:pPr/>
-              <a:t>woensdag 13 juni 2012</a:t>
+              <a:t>donderdag 14 juni 2012</a:t>
             </a:fld>
             <a:endParaRPr lang="en-US" dirty="0"/>
           </a:p>
@@ -2280,7 +2280,7 @@
             <a:fld id="{DBF0DA3E-2D0E-44FA-B999-D46FE1732693}" type="datetime2">
               <a:rPr lang="nl-BE" smtClean="0"/>
               <a:pPr/>
-              <a:t>woensdag 13 juni 2012</a:t>
+              <a:t>donderdag 14 juni 2012</a:t>
             </a:fld>
             <a:endParaRPr lang="en-US" dirty="0"/>
           </a:p>
@@ -2613,7 +2613,7 @@
             <a:fld id="{DBF0DA3E-2D0E-44FA-B999-D46FE1732693}" type="datetime2">
               <a:rPr lang="nl-BE" smtClean="0"/>
               <a:pPr/>
-              <a:t>woensdag 13 juni 2012</a:t>
+              <a:t>donderdag 14 juni 2012</a:t>
             </a:fld>
             <a:endParaRPr lang="en-US" dirty="0"/>
           </a:p>
@@ -2840,7 +2840,7 @@
             <a:fld id="{DBF0DA3E-2D0E-44FA-B999-D46FE1732693}" type="datetime2">
               <a:rPr lang="nl-BE" smtClean="0"/>
               <a:pPr/>
-              <a:t>woensdag 13 juni 2012</a:t>
+              <a:t>donderdag 14 juni 2012</a:t>
             </a:fld>
             <a:endParaRPr lang="en-US" dirty="0"/>
           </a:p>
@@ -3204,7 +3204,7 @@
             <a:fld id="{DBF0DA3E-2D0E-44FA-B999-D46FE1732693}" type="datetime2">
               <a:rPr lang="nl-BE" smtClean="0"/>
               <a:pPr/>
-              <a:t>woensdag 13 juni 2012</a:t>
+              <a:t>donderdag 14 juni 2012</a:t>
             </a:fld>
             <a:endParaRPr lang="en-US" dirty="0"/>
           </a:p>
@@ -3456,7 +3456,7 @@
             <a:fld id="{DBF0DA3E-2D0E-44FA-B999-D46FE1732693}" type="datetime2">
               <a:rPr lang="nl-BE" smtClean="0"/>
               <a:pPr/>
-              <a:t>woensdag 13 juni 2012</a:t>
+              <a:t>donderdag 14 juni 2012</a:t>
             </a:fld>
             <a:endParaRPr lang="en-US" dirty="0"/>
           </a:p>
@@ -3875,7 +3875,7 @@
             <a:fld id="{DBF0DA3E-2D0E-44FA-B999-D46FE1732693}" type="datetime2">
               <a:rPr lang="nl-BE" smtClean="0"/>
               <a:pPr/>
-              <a:t>woensdag 13 juni 2012</a:t>
+              <a:t>donderdag 14 juni 2012</a:t>
             </a:fld>
             <a:endParaRPr lang="en-US" dirty="0"/>
           </a:p>
@@ -4056,7 +4056,7 @@
             <a:fld id="{DBF0DA3E-2D0E-44FA-B999-D46FE1732693}" type="datetime2">
               <a:rPr lang="nl-BE" smtClean="0"/>
               <a:pPr/>
-              <a:t>woensdag 13 juni 2012</a:t>
+              <a:t>donderdag 14 juni 2012</a:t>
             </a:fld>
             <a:endParaRPr lang="en-US" dirty="0"/>
           </a:p>
@@ -4397,7 +4397,7 @@
             <a:fld id="{DBF0DA3E-2D0E-44FA-B999-D46FE1732693}" type="datetime2">
               <a:rPr lang="nl-BE" smtClean="0"/>
               <a:pPr/>
-              <a:t>woensdag 13 juni 2012</a:t>
+              <a:t>donderdag 14 juni 2012</a:t>
             </a:fld>
             <a:endParaRPr lang="en-US" dirty="0"/>
           </a:p>
@@ -4773,7 +4773,7 @@
             <a:fld id="{DBF0DA3E-2D0E-44FA-B999-D46FE1732693}" type="datetime2">
               <a:rPr lang="nl-BE" smtClean="0"/>
               <a:pPr/>
-              <a:t>woensdag 13 juni 2012</a:t>
+              <a:t>donderdag 14 juni 2012</a:t>
             </a:fld>
             <a:endParaRPr lang="en-US" dirty="0"/>
           </a:p>
@@ -5340,11 +5340,12 @@
             <a:pPr lvl="2"/>
             <a:r>
               <a:rPr lang="nl-BE" dirty="0" smtClean="0"/>
-              <a:t>Component = data uit 1 tabel splitsten in meerdere entiteiten</a:t>
-            </a:r>
-          </a:p>
-          <a:p>
-            <a:pPr lvl="2"/>
+              <a:t>Component = data uit 1 tabel splitsten in meerdere </a:t>
+            </a:r>
+            <a:r>
+              <a:rPr lang="nl-BE" dirty="0" smtClean="0"/>
+              <a:t>entiteiten</a:t>
+            </a:r>
             <a:endParaRPr lang="nl-BE" dirty="0" smtClean="0"/>
           </a:p>
           <a:p>
@@ -5374,7 +5375,7 @@
             <a:fld id="{DBF0DA3E-2D0E-44FA-B999-D46FE1732693}" type="datetime2">
               <a:rPr lang="nl-BE" smtClean="0"/>
               <a:pPr/>
-              <a:t>woensdag 13 juni 2012</a:t>
+              <a:t>donderdag 14 juni 2012</a:t>
             </a:fld>
             <a:endParaRPr lang="en-US" dirty="0"/>
           </a:p>
@@ -5695,7 +5696,7 @@
             <a:fld id="{DBF0DA3E-2D0E-44FA-B999-D46FE1732693}" type="datetime2">
               <a:rPr lang="nl-BE" smtClean="0"/>
               <a:pPr/>
-              <a:t>woensdag 13 juni 2012</a:t>
+              <a:t>donderdag 14 juni 2012</a:t>
             </a:fld>
             <a:endParaRPr lang="en-US" dirty="0"/>
           </a:p>
@@ -6264,7 +6265,7 @@
             <a:fld id="{DBF0DA3E-2D0E-44FA-B999-D46FE1732693}" type="datetime2">
               <a:rPr lang="nl-BE" smtClean="0"/>
               <a:pPr/>
-              <a:t>woensdag 13 juni 2012</a:t>
+              <a:t>donderdag 14 juni 2012</a:t>
             </a:fld>
             <a:endParaRPr lang="en-US" dirty="0"/>
           </a:p>
@@ -6974,6 +6975,21 @@
 </file>
 
 <file path=customXml/item1.xml><?xml version="1.0" encoding="utf-8"?>
+<p:properties xmlns:p="http://schemas.microsoft.com/office/2006/metadata/properties" xmlns:xsi="http://www.w3.org/2001/XMLSchema-instance" xmlns:pc="http://schemas.microsoft.com/office/infopath/2007/PartnerControls">
+  <documentManagement/>
+</p:properties>
+</file>
+
+<file path=customXml/item2.xml><?xml version="1.0" encoding="utf-8"?>
+<?mso-contentType ?>
+<FormTemplates xmlns="http://schemas.microsoft.com/sharepoint/v3/contenttype/forms">
+  <Display>DocumentLibraryForm</Display>
+  <Edit>DocumentLibraryForm</Edit>
+  <New>DocumentLibraryForm</New>
+</FormTemplates>
+</file>
+
+<file path=customXml/item3.xml><?xml version="1.0" encoding="utf-8"?>
 <ct:contentTypeSchema xmlns:ct="http://schemas.microsoft.com/office/2006/metadata/contentType" xmlns:ma="http://schemas.microsoft.com/office/2006/metadata/properties/metaAttributes" ct:_="" ma:_="" ma:contentTypeName="Document" ma:contentTypeID="0x010100E38A22C3A72A5C41AD5BCCFBCF9BC258" ma:contentTypeVersion="0" ma:contentTypeDescription="Create a new document." ma:contentTypeScope="" ma:versionID="47b5a05ff17c9f87f17ba393f078e50e">
   <xsd:schema xmlns:xsd="http://www.w3.org/2001/XMLSchema" xmlns:xs="http://www.w3.org/2001/XMLSchema" xmlns:p="http://schemas.microsoft.com/office/2006/metadata/properties" targetNamespace="http://schemas.microsoft.com/office/2006/metadata/properties" ma:root="true" ma:fieldsID="c64490b4aec6201516c3a874156f37b2">
     <xsd:element name="properties">
@@ -7087,32 +7103,10 @@
 </ct:contentTypeSchema>
 </file>
 
-<file path=customXml/item2.xml><?xml version="1.0" encoding="utf-8"?>
-<?mso-contentType ?>
-<FormTemplates xmlns="http://schemas.microsoft.com/sharepoint/v3/contenttype/forms">
-  <Display>DocumentLibraryForm</Display>
-  <Edit>DocumentLibraryForm</Edit>
-  <New>DocumentLibraryForm</New>
-</FormTemplates>
-</file>
-
-<file path=customXml/item3.xml><?xml version="1.0" encoding="utf-8"?>
-<p:properties xmlns:p="http://schemas.microsoft.com/office/2006/metadata/properties" xmlns:xsi="http://www.w3.org/2001/XMLSchema-instance" xmlns:pc="http://schemas.microsoft.com/office/infopath/2007/PartnerControls">
-  <documentManagement/>
-</p:properties>
-</file>
-
 <file path=customXml/itemProps1.xml><?xml version="1.0" encoding="utf-8"?>
-<ds:datastoreItem xmlns:ds="http://schemas.openxmlformats.org/officeDocument/2006/customXml" ds:itemID="{DD63C643-5D3F-445B-B1D2-93AE57167F43}">
+<ds:datastoreItem xmlns:ds="http://schemas.openxmlformats.org/officeDocument/2006/customXml" ds:itemID="{99174808-9C2B-4902-8C9D-44348A1FD8BB}">
   <ds:schemaRefs>
-    <ds:schemaRef ds:uri="http://schemas.microsoft.com/office/2006/metadata/contentType"/>
-    <ds:schemaRef ds:uri="http://schemas.microsoft.com/office/2006/metadata/properties/metaAttributes"/>
-    <ds:schemaRef ds:uri="http://www.w3.org/2001/XMLSchema"/>
     <ds:schemaRef ds:uri="http://schemas.microsoft.com/office/2006/metadata/properties"/>
-    <ds:schemaRef ds:uri="http://schemas.openxmlformats.org/package/2006/metadata/core-properties"/>
-    <ds:schemaRef ds:uri="http://purl.org/dc/elements/1.1/"/>
-    <ds:schemaRef ds:uri="http://purl.org/dc/terms/"/>
-    <ds:schemaRef ds:uri="http://schemas.microsoft.com/internal/obd"/>
     <ds:schemaRef ds:uri="http://schemas.microsoft.com/office/infopath/2007/PartnerControls"/>
   </ds:schemaRefs>
 </ds:datastoreItem>
@@ -7127,9 +7121,16 @@
 </file>
 
 <file path=customXml/itemProps3.xml><?xml version="1.0" encoding="utf-8"?>
-<ds:datastoreItem xmlns:ds="http://schemas.openxmlformats.org/officeDocument/2006/customXml" ds:itemID="{99174808-9C2B-4902-8C9D-44348A1FD8BB}">
+<ds:datastoreItem xmlns:ds="http://schemas.openxmlformats.org/officeDocument/2006/customXml" ds:itemID="{DD63C643-5D3F-445B-B1D2-93AE57167F43}">
   <ds:schemaRefs>
+    <ds:schemaRef ds:uri="http://schemas.microsoft.com/office/2006/metadata/contentType"/>
+    <ds:schemaRef ds:uri="http://schemas.microsoft.com/office/2006/metadata/properties/metaAttributes"/>
+    <ds:schemaRef ds:uri="http://www.w3.org/2001/XMLSchema"/>
     <ds:schemaRef ds:uri="http://schemas.microsoft.com/office/2006/metadata/properties"/>
+    <ds:schemaRef ds:uri="http://schemas.openxmlformats.org/package/2006/metadata/core-properties"/>
+    <ds:schemaRef ds:uri="http://purl.org/dc/elements/1.1/"/>
+    <ds:schemaRef ds:uri="http://purl.org/dc/terms/"/>
+    <ds:schemaRef ds:uri="http://schemas.microsoft.com/internal/obd"/>
     <ds:schemaRef ds:uri="http://schemas.microsoft.com/office/infopath/2007/PartnerControls"/>
   </ds:schemaRefs>
 </ds:datastoreItem>

--- a/NHibernateCourse.pptx
+++ b/NHibernateCourse.pptx
@@ -5,7 +5,7 @@
     <p:sldMasterId id="2147483648" r:id="rId4"/>
   </p:sldMasterIdLst>
   <p:notesMasterIdLst>
-    <p:notesMasterId r:id="rId19"/>
+    <p:notesMasterId r:id="rId22"/>
   </p:notesMasterIdLst>
   <p:sldIdLst>
     <p:sldId id="256" r:id="rId5"/>
@@ -14,14 +14,17 @@
     <p:sldId id="261" r:id="rId8"/>
     <p:sldId id="262" r:id="rId9"/>
     <p:sldId id="263" r:id="rId10"/>
-    <p:sldId id="264" r:id="rId11"/>
-    <p:sldId id="265" r:id="rId12"/>
-    <p:sldId id="266" r:id="rId13"/>
-    <p:sldId id="267" r:id="rId14"/>
-    <p:sldId id="268" r:id="rId15"/>
-    <p:sldId id="269" r:id="rId16"/>
-    <p:sldId id="270" r:id="rId17"/>
-    <p:sldId id="258" r:id="rId18"/>
+    <p:sldId id="271" r:id="rId11"/>
+    <p:sldId id="264" r:id="rId12"/>
+    <p:sldId id="265" r:id="rId13"/>
+    <p:sldId id="266" r:id="rId14"/>
+    <p:sldId id="267" r:id="rId15"/>
+    <p:sldId id="268" r:id="rId16"/>
+    <p:sldId id="272" r:id="rId17"/>
+    <p:sldId id="273" r:id="rId18"/>
+    <p:sldId id="269" r:id="rId19"/>
+    <p:sldId id="270" r:id="rId20"/>
+    <p:sldId id="258" r:id="rId21"/>
   </p:sldIdLst>
   <p:sldSz cx="9144000" cy="6858000" type="screen4x3"/>
   <p:notesSz cx="6858000" cy="9144000"/>
@@ -206,7 +209,7 @@
             <a:fld id="{EB0EBD4C-DAF9-4E72-A1A4-1160C8AA0ED9}" type="datetimeFigureOut">
               <a:rPr lang="nl-BE" smtClean="0"/>
               <a:pPr/>
-              <a:t>14/06/2012</a:t>
+              <a:t>21/06/2012</a:t>
             </a:fld>
             <a:endParaRPr lang="nl-BE"/>
           </a:p>
@@ -377,7 +380,7 @@
     </p:spTree>
     <p:extLst>
       <p:ext uri="{BB962C8B-B14F-4D97-AF65-F5344CB8AC3E}">
-        <p14:creationId xmlns:p14="http://schemas.microsoft.com/office/powerpoint/2010/main" xmlns="" val="3581364128"/>
+        <p14:creationId xmlns="" xmlns:p14="http://schemas.microsoft.com/office/powerpoint/2010/main" val="3581364128"/>
       </p:ext>
     </p:extLst>
   </p:cSld>
@@ -975,7 +978,7 @@
             <a:fld id="{DBF0DA3E-2D0E-44FA-B999-D46FE1732693}" type="datetime2">
               <a:rPr lang="nl-BE" smtClean="0"/>
               <a:pPr/>
-              <a:t>donderdag 14 juni 2012</a:t>
+              <a:t>donderdag 21 juni 2012</a:t>
             </a:fld>
             <a:endParaRPr lang="en-US" dirty="0"/>
           </a:p>
@@ -1652,7 +1655,7 @@
             <a:fld id="{03C47FF0-850A-426D-8B6B-B6C8BFE71E7B}" type="datetime2">
               <a:rPr lang="nl-BE" smtClean="0"/>
               <a:pPr/>
-              <a:t>donderdag 14 juni 2012</a:t>
+              <a:t>donderdag 21 juni 2012</a:t>
             </a:fld>
             <a:endParaRPr lang="en-US" dirty="0"/>
           </a:p>
@@ -2156,108 +2159,58 @@
           <a:p>
             <a:r>
               <a:rPr lang="nl-BE" dirty="0" smtClean="0"/>
-              <a:t>Dit werk niet!</a:t>
-            </a:r>
-          </a:p>
-          <a:p>
-            <a:pPr lvl="1"/>
-            <a:r>
-              <a:rPr lang="nl-BE" dirty="0" smtClean="0"/>
-              <a:t>Kost veel tijd</a:t>
-            </a:r>
-          </a:p>
-          <a:p>
-            <a:pPr lvl="1"/>
-            <a:r>
-              <a:rPr lang="nl-BE" dirty="0" smtClean="0"/>
-              <a:t>Verschillen in gedrag tussen </a:t>
-            </a:r>
-            <a:r>
-              <a:rPr lang="nl-BE" dirty="0" err="1" smtClean="0"/>
-              <a:t>ORMs</a:t>
-            </a:r>
-            <a:r>
-              <a:rPr lang="nl-BE" dirty="0" smtClean="0"/>
-              <a:t> die je niet kan abstraheren</a:t>
-            </a:r>
-          </a:p>
-          <a:p>
-            <a:pPr lvl="1"/>
-            <a:r>
-              <a:rPr lang="nl-BE" dirty="0" smtClean="0"/>
-              <a:t>Enkele mogelijk voor features die </a:t>
-            </a:r>
-            <a:r>
-              <a:rPr lang="nl-BE" dirty="0" err="1" smtClean="0"/>
-              <a:t>ORMs</a:t>
-            </a:r>
-            <a:r>
-              <a:rPr lang="nl-BE" dirty="0" smtClean="0"/>
-              <a:t> gemeenschappelijk hebben =&gt; je kan geen gebruik maken van </a:t>
-            </a:r>
-            <a:r>
-              <a:rPr lang="nl-BE" dirty="0" err="1" smtClean="0"/>
-              <a:t>advanced</a:t>
-            </a:r>
-            <a:r>
-              <a:rPr lang="nl-BE" dirty="0" smtClean="0"/>
-              <a:t> features</a:t>
-            </a:r>
-          </a:p>
-          <a:p>
-            <a:pPr lvl="1"/>
-            <a:r>
-              <a:rPr lang="nl-BE" dirty="0" smtClean="0"/>
-              <a:t>ORM heeft invloed op meer dan alleen de data </a:t>
-            </a:r>
-            <a:r>
-              <a:rPr lang="nl-BE" dirty="0" err="1" smtClean="0"/>
-              <a:t>access</a:t>
-            </a:r>
-            <a:r>
-              <a:rPr lang="nl-BE" dirty="0" smtClean="0"/>
-              <a:t> laag</a:t>
-            </a:r>
+              <a:t>Wat is een goede applicatie architectuur met NH?</a:t>
+            </a:r>
+          </a:p>
+          <a:p>
+            <a:r>
+              <a:rPr lang="nl-BE" dirty="0" smtClean="0"/>
+              <a:t>De ORM abstraheren met het </a:t>
+            </a:r>
+            <a:r>
+              <a:rPr lang="nl-BE" dirty="0" err="1" smtClean="0"/>
+              <a:t>repository</a:t>
+            </a:r>
+            <a:r>
+              <a:rPr lang="nl-BE" dirty="0" smtClean="0"/>
+              <a:t> </a:t>
+            </a:r>
+            <a:r>
+              <a:rPr lang="nl-BE" dirty="0" err="1" smtClean="0"/>
+              <a:t>pattern</a:t>
+            </a:r>
+            <a:r>
+              <a:rPr lang="nl-BE" dirty="0" smtClean="0"/>
+              <a:t>?</a:t>
+            </a:r>
+            <a:endParaRPr lang="nl-BE" dirty="0" smtClean="0"/>
           </a:p>
           <a:p>
             <a:pPr lvl="1"/>
             <a:endParaRPr lang="nl-BE" dirty="0" smtClean="0"/>
           </a:p>
           <a:p>
-            <a:r>
-              <a:rPr lang="nl-BE" dirty="0" smtClean="0"/>
-              <a:t>Dus we moeten ons niets aantrekken van </a:t>
-            </a:r>
-            <a:r>
-              <a:rPr lang="nl-BE" dirty="0" err="1" smtClean="0"/>
-              <a:t>encapsulation</a:t>
-            </a:r>
-            <a:r>
-              <a:rPr lang="nl-BE" dirty="0" smtClean="0"/>
-              <a:t>?</a:t>
-            </a:r>
-          </a:p>
-          <a:p>
             <a:pPr lvl="1"/>
-            <a:r>
-              <a:rPr lang="nl-BE" dirty="0" smtClean="0"/>
-              <a:t>Fout, </a:t>
-            </a:r>
-            <a:r>
-              <a:rPr lang="nl-BE" dirty="0" err="1" smtClean="0"/>
-              <a:t>encapsuleer</a:t>
-            </a:r>
-            <a:r>
-              <a:rPr lang="nl-BE" dirty="0" smtClean="0"/>
-              <a:t> uw data </a:t>
-            </a:r>
-            <a:r>
-              <a:rPr lang="nl-BE" dirty="0" err="1" smtClean="0"/>
-              <a:t>access</a:t>
-            </a:r>
-            <a:r>
-              <a:rPr lang="nl-BE" dirty="0" smtClean="0"/>
-              <a:t> code maar niet de API van uw ORM</a:t>
+            <a:endParaRPr lang="nl-BE" dirty="0" smtClean="0"/>
+          </a:p>
+          <a:p>
+            <a:pPr lvl="1"/>
+            <a:endParaRPr lang="nl-BE" dirty="0" smtClean="0"/>
+          </a:p>
+          <a:p>
+            <a:pPr lvl="1"/>
+            <a:endParaRPr lang="nl-BE" dirty="0" smtClean="0"/>
+          </a:p>
+          <a:p>
+            <a:endParaRPr lang="nl-BE" dirty="0" smtClean="0"/>
+          </a:p>
+          <a:p>
+            <a:endParaRPr lang="nl-BE" dirty="0" smtClean="0"/>
+          </a:p>
+          <a:p>
+            <a:r>
+              <a:rPr lang="nl-BE" dirty="0" smtClean="0"/>
+              <a:t>Demo 6</a:t>
             </a:r>
           </a:p>
         </p:txBody>
@@ -2280,7 +2233,7 @@
             <a:fld id="{DBF0DA3E-2D0E-44FA-B999-D46FE1732693}" type="datetime2">
               <a:rPr lang="nl-BE" smtClean="0"/>
               <a:pPr/>
-              <a:t>donderdag 14 juni 2012</a:t>
+              <a:t>donderdag 21 juni 2012</a:t>
             </a:fld>
             <a:endParaRPr lang="en-US" dirty="0"/>
           </a:p>
@@ -2324,6 +2277,307 @@
               <a:rPr lang="en-US" smtClean="0"/>
               <a:pPr/>
               <a:t>10</a:t>
+            </a:fld>
+            <a:endParaRPr lang="en-US" dirty="0"/>
+          </a:p>
+        </p:txBody>
+      </p:sp>
+      <p:sp>
+        <p:nvSpPr>
+          <p:cNvPr id="6" name="Title 5"/>
+          <p:cNvSpPr>
+            <a:spLocks noGrp="1"/>
+          </p:cNvSpPr>
+          <p:nvPr>
+            <p:ph type="title"/>
+          </p:nvPr>
+        </p:nvSpPr>
+        <p:spPr/>
+        <p:txBody>
+          <a:bodyPr>
+            <a:normAutofit fontScale="90000"/>
+          </a:bodyPr>
+          <a:lstStyle/>
+          <a:p>
+            <a:r>
+              <a:rPr lang="nl-BE" dirty="0" smtClean="0"/>
+              <a:t>NH applicaties </a:t>
+            </a:r>
+            <a:r>
+              <a:rPr lang="nl-BE" dirty="0" err="1" smtClean="0"/>
+              <a:t>designen</a:t>
+            </a:r>
+            <a:endParaRPr lang="nl-BE" dirty="0"/>
+          </a:p>
+        </p:txBody>
+      </p:sp>
+      <p:sp>
+        <p:nvSpPr>
+          <p:cNvPr id="7" name="TextBox 6"/>
+          <p:cNvSpPr txBox="1"/>
+          <p:nvPr/>
+        </p:nvSpPr>
+        <p:spPr>
+          <a:xfrm>
+            <a:off x="2267744" y="2780928"/>
+            <a:ext cx="4176464" cy="2031325"/>
+          </a:xfrm>
+          <a:prstGeom prst="rect">
+            <a:avLst/>
+          </a:prstGeom>
+          <a:noFill/>
+        </p:spPr>
+        <p:txBody>
+          <a:bodyPr wrap="square" rtlCol="0">
+            <a:spAutoFit/>
+          </a:bodyPr>
+          <a:lstStyle/>
+          <a:p>
+            <a:r>
+              <a:rPr lang="en-US" i="1" dirty="0" smtClean="0"/>
+              <a:t>I would like to design an application using </a:t>
+            </a:r>
+            <a:r>
+              <a:rPr lang="en-US" i="1" dirty="0" err="1" smtClean="0"/>
+              <a:t>NHibernate</a:t>
+            </a:r>
+            <a:r>
+              <a:rPr lang="en-US" i="1" dirty="0" smtClean="0"/>
+              <a:t>. But I also want to so flexible that in future ,if I unplug </a:t>
+            </a:r>
+            <a:r>
+              <a:rPr lang="en-US" i="1" dirty="0" err="1" smtClean="0"/>
+              <a:t>NHibernate</a:t>
+            </a:r>
+            <a:r>
+              <a:rPr lang="en-US" i="1" dirty="0" smtClean="0"/>
+              <a:t> and use Entity framework or another framework then my application should not crash.</a:t>
+            </a:r>
+            <a:endParaRPr lang="nl-BE" i="1" dirty="0" smtClean="0"/>
+          </a:p>
+          <a:p>
+            <a:endParaRPr lang="nl-BE" dirty="0"/>
+          </a:p>
+        </p:txBody>
+      </p:sp>
+    </p:spTree>
+  </p:cSld>
+  <p:clrMapOvr>
+    <a:masterClrMapping/>
+  </p:clrMapOvr>
+  <p:transition/>
+  <p:timing>
+    <p:tnLst>
+      <p:par>
+        <p:cTn id="1" dur="indefinite" restart="never" nodeType="tmRoot"/>
+      </p:par>
+    </p:tnLst>
+  </p:timing>
+</p:sld>
+</file>
+
+<file path=ppt/slides/slide11.xml><?xml version="1.0" encoding="utf-8"?>
+<p:sld xmlns:a="http://schemas.openxmlformats.org/drawingml/2006/main" xmlns:r="http://schemas.openxmlformats.org/officeDocument/2006/relationships" xmlns:p="http://schemas.openxmlformats.org/presentationml/2006/main">
+  <p:cSld>
+    <p:spTree>
+      <p:nvGrpSpPr>
+        <p:cNvPr id="1" name=""/>
+        <p:cNvGrpSpPr/>
+        <p:nvPr/>
+      </p:nvGrpSpPr>
+      <p:grpSpPr>
+        <a:xfrm>
+          <a:off x="0" y="0"/>
+          <a:ext cx="0" cy="0"/>
+          <a:chOff x="0" y="0"/>
+          <a:chExt cx="0" cy="0"/>
+        </a:xfrm>
+      </p:grpSpPr>
+      <p:sp>
+        <p:nvSpPr>
+          <p:cNvPr id="2" name="Content Placeholder 1"/>
+          <p:cNvSpPr>
+            <a:spLocks noGrp="1"/>
+          </p:cNvSpPr>
+          <p:nvPr>
+            <p:ph idx="1"/>
+          </p:nvPr>
+        </p:nvSpPr>
+        <p:spPr/>
+        <p:txBody>
+          <a:bodyPr/>
+          <a:lstStyle/>
+          <a:p>
+            <a:r>
+              <a:rPr lang="nl-BE" dirty="0" smtClean="0"/>
+              <a:t>Dit werk niet!</a:t>
+            </a:r>
+          </a:p>
+          <a:p>
+            <a:pPr lvl="1"/>
+            <a:r>
+              <a:rPr lang="nl-BE" dirty="0" smtClean="0"/>
+              <a:t>Kost veel tijd</a:t>
+            </a:r>
+          </a:p>
+          <a:p>
+            <a:pPr lvl="1"/>
+            <a:r>
+              <a:rPr lang="nl-BE" dirty="0" smtClean="0"/>
+              <a:t>Verschillen in gedrag tussen </a:t>
+            </a:r>
+            <a:r>
+              <a:rPr lang="nl-BE" dirty="0" err="1" smtClean="0"/>
+              <a:t>ORMs</a:t>
+            </a:r>
+            <a:r>
+              <a:rPr lang="nl-BE" dirty="0" smtClean="0"/>
+              <a:t> die je niet kan abstraheren</a:t>
+            </a:r>
+          </a:p>
+          <a:p>
+            <a:pPr lvl="1"/>
+            <a:r>
+              <a:rPr lang="nl-BE" dirty="0" smtClean="0"/>
+              <a:t>Enkele mogelijk voor features die </a:t>
+            </a:r>
+            <a:r>
+              <a:rPr lang="nl-BE" dirty="0" err="1" smtClean="0"/>
+              <a:t>ORMs</a:t>
+            </a:r>
+            <a:r>
+              <a:rPr lang="nl-BE" dirty="0" smtClean="0"/>
+              <a:t> gemeenschappelijk hebben =&gt; je kan geen gebruik maken van </a:t>
+            </a:r>
+            <a:r>
+              <a:rPr lang="nl-BE" dirty="0" err="1" smtClean="0"/>
+              <a:t>advanced</a:t>
+            </a:r>
+            <a:r>
+              <a:rPr lang="nl-BE" dirty="0" smtClean="0"/>
+              <a:t> features</a:t>
+            </a:r>
+          </a:p>
+          <a:p>
+            <a:pPr lvl="1"/>
+            <a:r>
+              <a:rPr lang="nl-BE" dirty="0" smtClean="0"/>
+              <a:t>ORM heeft invloed op meer dan alleen de data </a:t>
+            </a:r>
+            <a:r>
+              <a:rPr lang="nl-BE" dirty="0" err="1" smtClean="0"/>
+              <a:t>access</a:t>
+            </a:r>
+            <a:r>
+              <a:rPr lang="nl-BE" dirty="0" smtClean="0"/>
+              <a:t> laag</a:t>
+            </a:r>
+          </a:p>
+          <a:p>
+            <a:pPr lvl="1"/>
+            <a:endParaRPr lang="nl-BE" dirty="0" smtClean="0"/>
+          </a:p>
+          <a:p>
+            <a:r>
+              <a:rPr lang="nl-BE" dirty="0" smtClean="0"/>
+              <a:t>Dus we moeten ons niets aantrekken van </a:t>
+            </a:r>
+            <a:r>
+              <a:rPr lang="nl-BE" dirty="0" err="1" smtClean="0"/>
+              <a:t>encapsulation</a:t>
+            </a:r>
+            <a:r>
+              <a:rPr lang="nl-BE" dirty="0" smtClean="0"/>
+              <a:t>?</a:t>
+            </a:r>
+          </a:p>
+          <a:p>
+            <a:pPr lvl="1"/>
+            <a:r>
+              <a:rPr lang="nl-BE" dirty="0" smtClean="0"/>
+              <a:t>Fout, </a:t>
+            </a:r>
+            <a:r>
+              <a:rPr lang="nl-BE" dirty="0" err="1" smtClean="0"/>
+              <a:t>encapsuleer</a:t>
+            </a:r>
+            <a:r>
+              <a:rPr lang="nl-BE" dirty="0" smtClean="0"/>
+              <a:t> uw data </a:t>
+            </a:r>
+            <a:r>
+              <a:rPr lang="nl-BE" dirty="0" err="1" smtClean="0"/>
+              <a:t>access</a:t>
+            </a:r>
+            <a:r>
+              <a:rPr lang="nl-BE" dirty="0" smtClean="0"/>
+              <a:t> code maar niet de API van uw ORM</a:t>
+            </a:r>
+          </a:p>
+        </p:txBody>
+      </p:sp>
+      <p:sp>
+        <p:nvSpPr>
+          <p:cNvPr id="3" name="Date Placeholder 2"/>
+          <p:cNvSpPr>
+            <a:spLocks noGrp="1"/>
+          </p:cNvSpPr>
+          <p:nvPr>
+            <p:ph type="dt" sz="half" idx="10"/>
+          </p:nvPr>
+        </p:nvSpPr>
+        <p:spPr/>
+        <p:txBody>
+          <a:bodyPr/>
+          <a:lstStyle/>
+          <a:p>
+            <a:fld id="{DBF0DA3E-2D0E-44FA-B999-D46FE1732693}" type="datetime2">
+              <a:rPr lang="nl-BE" smtClean="0"/>
+              <a:pPr/>
+              <a:t>donderdag 21 juni 2012</a:t>
+            </a:fld>
+            <a:endParaRPr lang="en-US" dirty="0"/>
+          </a:p>
+        </p:txBody>
+      </p:sp>
+      <p:sp>
+        <p:nvSpPr>
+          <p:cNvPr id="4" name="Footer Placeholder 3"/>
+          <p:cNvSpPr>
+            <a:spLocks noGrp="1"/>
+          </p:cNvSpPr>
+          <p:nvPr>
+            <p:ph type="ftr" sz="quarter" idx="11"/>
+          </p:nvPr>
+        </p:nvSpPr>
+        <p:spPr/>
+        <p:txBody>
+          <a:bodyPr/>
+          <a:lstStyle/>
+          <a:p>
+            <a:endParaRPr lang="en-US" dirty="0"/>
+          </a:p>
+        </p:txBody>
+      </p:sp>
+      <p:sp>
+        <p:nvSpPr>
+          <p:cNvPr id="5" name="Slide Number Placeholder 4"/>
+          <p:cNvSpPr>
+            <a:spLocks noGrp="1"/>
+          </p:cNvSpPr>
+          <p:nvPr>
+            <p:ph type="sldNum" sz="quarter" idx="12"/>
+          </p:nvPr>
+        </p:nvSpPr>
+        <p:spPr/>
+        <p:txBody>
+          <a:bodyPr/>
+          <a:lstStyle/>
+          <a:p>
+            <a:fld id="{B6F15528-21DE-4FAA-801E-634DDDAF4B2B}" type="slidenum">
+              <a:rPr lang="en-US" smtClean="0"/>
+              <a:pPr/>
+              <a:t>11</a:t>
             </a:fld>
             <a:endParaRPr lang="en-US" dirty="0"/>
           </a:p>
@@ -2504,209 +2758,6 @@
 </p:sld>
 </file>
 
-<file path=ppt/slides/slide11.xml><?xml version="1.0" encoding="utf-8"?>
-<p:sld xmlns:a="http://schemas.openxmlformats.org/drawingml/2006/main" xmlns:r="http://schemas.openxmlformats.org/officeDocument/2006/relationships" xmlns:p="http://schemas.openxmlformats.org/presentationml/2006/main">
-  <p:cSld>
-    <p:spTree>
-      <p:nvGrpSpPr>
-        <p:cNvPr id="1" name=""/>
-        <p:cNvGrpSpPr/>
-        <p:nvPr/>
-      </p:nvGrpSpPr>
-      <p:grpSpPr>
-        <a:xfrm>
-          <a:off x="0" y="0"/>
-          <a:ext cx="0" cy="0"/>
-          <a:chOff x="0" y="0"/>
-          <a:chExt cx="0" cy="0"/>
-        </a:xfrm>
-      </p:grpSpPr>
-      <p:sp>
-        <p:nvSpPr>
-          <p:cNvPr id="2" name="Content Placeholder 1"/>
-          <p:cNvSpPr>
-            <a:spLocks noGrp="1"/>
-          </p:cNvSpPr>
-          <p:nvPr>
-            <p:ph idx="1"/>
-          </p:nvPr>
-        </p:nvSpPr>
-        <p:spPr/>
-        <p:txBody>
-          <a:bodyPr/>
-          <a:lstStyle/>
-          <a:p>
-            <a:r>
-              <a:rPr lang="nl-BE" dirty="0" smtClean="0"/>
-              <a:t>Hoe moet het dan wel?</a:t>
-            </a:r>
-          </a:p>
-          <a:p>
-            <a:pPr lvl="1"/>
-            <a:r>
-              <a:rPr lang="nl-BE" dirty="0" smtClean="0"/>
-              <a:t>Entiteiten zijn objecten, geen data </a:t>
-            </a:r>
-            <a:r>
-              <a:rPr lang="nl-BE" dirty="0" err="1" smtClean="0"/>
-              <a:t>structures</a:t>
-            </a:r>
-            <a:endParaRPr lang="nl-BE" dirty="0" smtClean="0"/>
-          </a:p>
-          <a:p>
-            <a:pPr lvl="1"/>
-            <a:r>
-              <a:rPr lang="nl-BE" dirty="0" err="1" smtClean="0"/>
-              <a:t>Encapsuleer</a:t>
-            </a:r>
-            <a:r>
-              <a:rPr lang="nl-BE" dirty="0" smtClean="0"/>
-              <a:t> </a:t>
-            </a:r>
-            <a:r>
-              <a:rPr lang="nl-BE" dirty="0" err="1" smtClean="0"/>
-              <a:t>queries</a:t>
-            </a:r>
-            <a:endParaRPr lang="nl-BE" dirty="0" smtClean="0"/>
-          </a:p>
-          <a:p>
-            <a:pPr lvl="1"/>
-            <a:r>
-              <a:rPr lang="nl-BE" dirty="0" smtClean="0"/>
-              <a:t>Geef geen entiteiten door aan je UI</a:t>
-            </a:r>
-          </a:p>
-          <a:p>
-            <a:pPr lvl="1"/>
-            <a:r>
-              <a:rPr lang="nl-BE" dirty="0" smtClean="0"/>
-              <a:t>Centraal beheer van transacties</a:t>
-            </a:r>
-          </a:p>
-          <a:p>
-            <a:pPr lvl="1"/>
-            <a:endParaRPr lang="nl-BE" dirty="0" smtClean="0"/>
-          </a:p>
-          <a:p>
-            <a:r>
-              <a:rPr lang="nl-BE" dirty="0" smtClean="0"/>
-              <a:t>Demo 7</a:t>
-            </a:r>
-          </a:p>
-        </p:txBody>
-      </p:sp>
-      <p:sp>
-        <p:nvSpPr>
-          <p:cNvPr id="3" name="Date Placeholder 2"/>
-          <p:cNvSpPr>
-            <a:spLocks noGrp="1"/>
-          </p:cNvSpPr>
-          <p:nvPr>
-            <p:ph type="dt" sz="half" idx="10"/>
-          </p:nvPr>
-        </p:nvSpPr>
-        <p:spPr/>
-        <p:txBody>
-          <a:bodyPr/>
-          <a:lstStyle/>
-          <a:p>
-            <a:fld id="{DBF0DA3E-2D0E-44FA-B999-D46FE1732693}" type="datetime2">
-              <a:rPr lang="nl-BE" smtClean="0"/>
-              <a:pPr/>
-              <a:t>donderdag 14 juni 2012</a:t>
-            </a:fld>
-            <a:endParaRPr lang="en-US" dirty="0"/>
-          </a:p>
-        </p:txBody>
-      </p:sp>
-      <p:sp>
-        <p:nvSpPr>
-          <p:cNvPr id="4" name="Footer Placeholder 3"/>
-          <p:cNvSpPr>
-            <a:spLocks noGrp="1"/>
-          </p:cNvSpPr>
-          <p:nvPr>
-            <p:ph type="ftr" sz="quarter" idx="11"/>
-          </p:nvPr>
-        </p:nvSpPr>
-        <p:spPr/>
-        <p:txBody>
-          <a:bodyPr/>
-          <a:lstStyle/>
-          <a:p>
-            <a:endParaRPr lang="en-US" dirty="0"/>
-          </a:p>
-        </p:txBody>
-      </p:sp>
-      <p:sp>
-        <p:nvSpPr>
-          <p:cNvPr id="5" name="Slide Number Placeholder 4"/>
-          <p:cNvSpPr>
-            <a:spLocks noGrp="1"/>
-          </p:cNvSpPr>
-          <p:nvPr>
-            <p:ph type="sldNum" sz="quarter" idx="12"/>
-          </p:nvPr>
-        </p:nvSpPr>
-        <p:spPr/>
-        <p:txBody>
-          <a:bodyPr/>
-          <a:lstStyle/>
-          <a:p>
-            <a:fld id="{B6F15528-21DE-4FAA-801E-634DDDAF4B2B}" type="slidenum">
-              <a:rPr lang="en-US" smtClean="0"/>
-              <a:pPr/>
-              <a:t>11</a:t>
-            </a:fld>
-            <a:endParaRPr lang="en-US" dirty="0"/>
-          </a:p>
-        </p:txBody>
-      </p:sp>
-      <p:sp>
-        <p:nvSpPr>
-          <p:cNvPr id="6" name="Title 5"/>
-          <p:cNvSpPr>
-            <a:spLocks noGrp="1"/>
-          </p:cNvSpPr>
-          <p:nvPr>
-            <p:ph type="title"/>
-          </p:nvPr>
-        </p:nvSpPr>
-        <p:spPr/>
-        <p:txBody>
-          <a:bodyPr>
-            <a:normAutofit fontScale="90000"/>
-          </a:bodyPr>
-          <a:lstStyle/>
-          <a:p>
-            <a:r>
-              <a:rPr lang="nl-BE" dirty="0" smtClean="0"/>
-              <a:t>NH applicaties </a:t>
-            </a:r>
-            <a:r>
-              <a:rPr lang="nl-BE" dirty="0" err="1" smtClean="0"/>
-              <a:t>designen</a:t>
-            </a:r>
-            <a:endParaRPr lang="nl-BE" dirty="0"/>
-          </a:p>
-        </p:txBody>
-      </p:sp>
-    </p:spTree>
-  </p:cSld>
-  <p:clrMapOvr>
-    <a:masterClrMapping/>
-  </p:clrMapOvr>
-  <p:transition/>
-  <p:timing>
-    <p:tnLst>
-      <p:par>
-        <p:cTn id="1" dur="indefinite" restart="never" nodeType="tmRoot"/>
-      </p:par>
-    </p:tnLst>
-  </p:timing>
-</p:sld>
-</file>
-
 <file path=ppt/slides/slide12.xml><?xml version="1.0" encoding="utf-8"?>
 <p:sld xmlns:a="http://schemas.openxmlformats.org/drawingml/2006/main" xmlns:r="http://schemas.openxmlformats.org/officeDocument/2006/relationships" xmlns:p="http://schemas.openxmlformats.org/presentationml/2006/main">
   <p:cSld>
@@ -2740,8 +2791,27 @@
           <a:lstStyle/>
           <a:p>
             <a:r>
-              <a:rPr lang="nl-BE" dirty="0" err="1" smtClean="0"/>
-              <a:t>Event</a:t>
+              <a:rPr lang="nl-BE" dirty="0" smtClean="0"/>
+              <a:t>Hoe moet het dan wel?</a:t>
+            </a:r>
+          </a:p>
+          <a:p>
+            <a:pPr lvl="1"/>
+            <a:r>
+              <a:rPr lang="nl-BE" dirty="0" smtClean="0"/>
+              <a:t>Entiteiten zijn objecten, geen data </a:t>
+            </a:r>
+            <a:r>
+              <a:rPr lang="nl-BE" dirty="0" err="1" smtClean="0"/>
+              <a:t>structures</a:t>
+            </a:r>
+            <a:endParaRPr lang="nl-BE" dirty="0" smtClean="0"/>
+          </a:p>
+          <a:p>
+            <a:pPr lvl="1"/>
+            <a:r>
+              <a:rPr lang="nl-BE" dirty="0" err="1" smtClean="0"/>
+              <a:t>Encapsuleer</a:t>
             </a:r>
             <a:r>
               <a:rPr lang="nl-BE" dirty="0" smtClean="0"/>
@@ -2749,39 +2819,22 @@
             </a:r>
             <a:r>
               <a:rPr lang="nl-BE" dirty="0" err="1" smtClean="0"/>
-              <a:t>listeners</a:t>
+              <a:t>queries</a:t>
             </a:r>
             <a:endParaRPr lang="nl-BE" dirty="0" smtClean="0"/>
           </a:p>
           <a:p>
             <a:pPr lvl="1"/>
             <a:r>
-              <a:rPr lang="nl-BE" dirty="0" err="1" smtClean="0"/>
-              <a:t>Auditing</a:t>
-            </a:r>
-            <a:r>
-              <a:rPr lang="nl-BE" dirty="0" smtClean="0"/>
-              <a:t> </a:t>
-            </a:r>
-            <a:r>
-              <a:rPr lang="nl-BE" dirty="0" err="1" smtClean="0"/>
-              <a:t>event</a:t>
-            </a:r>
-            <a:r>
-              <a:rPr lang="nl-BE" dirty="0" smtClean="0"/>
-              <a:t> </a:t>
-            </a:r>
-            <a:r>
-              <a:rPr lang="nl-BE" dirty="0" err="1" smtClean="0"/>
-              <a:t>listener</a:t>
-            </a:r>
-            <a:endParaRPr lang="nl-BE" dirty="0" smtClean="0"/>
+              <a:rPr lang="nl-BE" dirty="0" smtClean="0"/>
+              <a:t>Geef geen entiteiten door aan je UI</a:t>
+            </a:r>
           </a:p>
           <a:p>
             <a:pPr lvl="1"/>
             <a:r>
               <a:rPr lang="nl-BE" dirty="0" smtClean="0"/>
-              <a:t>Demo 7</a:t>
+              <a:t>Centraal beheer van transacties</a:t>
             </a:r>
           </a:p>
           <a:p>
@@ -2789,32 +2842,6 @@
             <a:endParaRPr lang="nl-BE" dirty="0" smtClean="0"/>
           </a:p>
           <a:p>
-            <a:r>
-              <a:rPr lang="nl-BE" dirty="0" smtClean="0"/>
-              <a:t>Interceptors</a:t>
-            </a:r>
-          </a:p>
-          <a:p>
-            <a:pPr lvl="1"/>
-            <a:r>
-              <a:rPr lang="nl-BE" dirty="0" err="1" smtClean="0"/>
-              <a:t>Don’t</a:t>
-            </a:r>
-            <a:r>
-              <a:rPr lang="nl-BE" dirty="0" smtClean="0"/>
-              <a:t> </a:t>
-            </a:r>
-            <a:r>
-              <a:rPr lang="nl-BE" dirty="0" err="1" smtClean="0"/>
-              <a:t>hurt</a:t>
-            </a:r>
-            <a:r>
-              <a:rPr lang="nl-BE" dirty="0" smtClean="0"/>
-              <a:t> me!</a:t>
-            </a:r>
-          </a:p>
-          <a:p>
-            <a:pPr lvl="1"/>
             <a:r>
               <a:rPr lang="nl-BE" dirty="0" smtClean="0"/>
               <a:t>Demo 7</a:t>
@@ -2840,7 +2867,7 @@
             <a:fld id="{DBF0DA3E-2D0E-44FA-B999-D46FE1732693}" type="datetime2">
               <a:rPr lang="nl-BE" smtClean="0"/>
               <a:pPr/>
-              <a:t>donderdag 14 juni 2012</a:t>
+              <a:t>donderdag 21 juni 2012</a:t>
             </a:fld>
             <a:endParaRPr lang="en-US" dirty="0"/>
           </a:p>
@@ -2884,6 +2911,1938 @@
               <a:rPr lang="en-US" smtClean="0"/>
               <a:pPr/>
               <a:t>12</a:t>
+            </a:fld>
+            <a:endParaRPr lang="en-US" dirty="0"/>
+          </a:p>
+        </p:txBody>
+      </p:sp>
+      <p:sp>
+        <p:nvSpPr>
+          <p:cNvPr id="6" name="Title 5"/>
+          <p:cNvSpPr>
+            <a:spLocks noGrp="1"/>
+          </p:cNvSpPr>
+          <p:nvPr>
+            <p:ph type="title"/>
+          </p:nvPr>
+        </p:nvSpPr>
+        <p:spPr/>
+        <p:txBody>
+          <a:bodyPr>
+            <a:normAutofit fontScale="90000"/>
+          </a:bodyPr>
+          <a:lstStyle/>
+          <a:p>
+            <a:r>
+              <a:rPr lang="nl-BE" dirty="0" smtClean="0"/>
+              <a:t>NH applicaties </a:t>
+            </a:r>
+            <a:r>
+              <a:rPr lang="nl-BE" dirty="0" err="1" smtClean="0"/>
+              <a:t>designen</a:t>
+            </a:r>
+            <a:endParaRPr lang="nl-BE" dirty="0"/>
+          </a:p>
+        </p:txBody>
+      </p:sp>
+    </p:spTree>
+  </p:cSld>
+  <p:clrMapOvr>
+    <a:masterClrMapping/>
+  </p:clrMapOvr>
+  <p:transition/>
+  <p:timing>
+    <p:tnLst>
+      <p:par>
+        <p:cTn id="1" dur="indefinite" restart="never" nodeType="tmRoot"/>
+      </p:par>
+    </p:tnLst>
+  </p:timing>
+</p:sld>
+</file>
+
+<file path=ppt/slides/slide13.xml><?xml version="1.0" encoding="utf-8"?>
+<p:sld xmlns:a="http://schemas.openxmlformats.org/drawingml/2006/main" xmlns:r="http://schemas.openxmlformats.org/officeDocument/2006/relationships" xmlns:p="http://schemas.openxmlformats.org/presentationml/2006/main">
+  <p:cSld>
+    <p:spTree>
+      <p:nvGrpSpPr>
+        <p:cNvPr id="1" name=""/>
+        <p:cNvGrpSpPr/>
+        <p:nvPr/>
+      </p:nvGrpSpPr>
+      <p:grpSpPr>
+        <a:xfrm>
+          <a:off x="0" y="0"/>
+          <a:ext cx="0" cy="0"/>
+          <a:chOff x="0" y="0"/>
+          <a:chExt cx="0" cy="0"/>
+        </a:xfrm>
+      </p:grpSpPr>
+      <p:sp>
+        <p:nvSpPr>
+          <p:cNvPr id="2" name="Content Placeholder 1"/>
+          <p:cNvSpPr>
+            <a:spLocks noGrp="1"/>
+          </p:cNvSpPr>
+          <p:nvPr>
+            <p:ph idx="1"/>
+          </p:nvPr>
+        </p:nvSpPr>
+        <p:spPr/>
+        <p:txBody>
+          <a:bodyPr/>
+          <a:lstStyle/>
+          <a:p>
+            <a:r>
+              <a:rPr lang="nl-BE" dirty="0" err="1" smtClean="0"/>
+              <a:t>Transactions</a:t>
+            </a:r>
+            <a:r>
+              <a:rPr lang="nl-BE" dirty="0" smtClean="0"/>
+              <a:t> best </a:t>
+            </a:r>
+            <a:r>
+              <a:rPr lang="nl-BE" dirty="0" err="1" smtClean="0"/>
+              <a:t>practices</a:t>
+            </a:r>
+            <a:endParaRPr lang="nl-BE" dirty="0" smtClean="0"/>
+          </a:p>
+          <a:p>
+            <a:pPr lvl="1"/>
+            <a:r>
+              <a:rPr lang="nl-BE" dirty="0" smtClean="0"/>
+              <a:t>TX per web </a:t>
+            </a:r>
+            <a:r>
+              <a:rPr lang="nl-BE" dirty="0" err="1" smtClean="0"/>
+              <a:t>request</a:t>
+            </a:r>
+            <a:endParaRPr lang="nl-BE" dirty="0" smtClean="0"/>
+          </a:p>
+          <a:p>
+            <a:pPr lvl="1"/>
+            <a:r>
+              <a:rPr lang="nl-BE" dirty="0" smtClean="0"/>
+              <a:t>ASP.NET</a:t>
+            </a:r>
+          </a:p>
+          <a:p>
+            <a:pPr lvl="2"/>
+            <a:r>
+              <a:rPr lang="nl-BE" dirty="0" smtClean="0"/>
+              <a:t>HTTP Module</a:t>
+            </a:r>
+          </a:p>
+          <a:p>
+            <a:pPr lvl="2"/>
+            <a:r>
+              <a:rPr lang="nl-BE" dirty="0" err="1" smtClean="0"/>
+              <a:t>Application</a:t>
+            </a:r>
+            <a:r>
+              <a:rPr lang="nl-BE" dirty="0" smtClean="0"/>
+              <a:t>_</a:t>
+            </a:r>
+            <a:r>
+              <a:rPr lang="nl-BE" dirty="0" err="1" smtClean="0"/>
+              <a:t>BeginRequest</a:t>
+            </a:r>
+            <a:r>
+              <a:rPr lang="nl-BE" dirty="0" smtClean="0"/>
+              <a:t>: start TX</a:t>
+            </a:r>
+          </a:p>
+          <a:p>
+            <a:pPr lvl="2"/>
+            <a:r>
+              <a:rPr lang="nl-BE" dirty="0" err="1" smtClean="0"/>
+              <a:t>Application</a:t>
+            </a:r>
+            <a:r>
+              <a:rPr lang="nl-BE" dirty="0" smtClean="0"/>
+              <a:t>_</a:t>
+            </a:r>
+            <a:r>
+              <a:rPr lang="nl-BE" dirty="0" err="1" smtClean="0"/>
+              <a:t>EndRequest</a:t>
+            </a:r>
+            <a:r>
+              <a:rPr lang="nl-BE" dirty="0" smtClean="0"/>
+              <a:t>: </a:t>
+            </a:r>
+            <a:r>
+              <a:rPr lang="nl-BE" dirty="0" err="1" smtClean="0"/>
+              <a:t>commit</a:t>
+            </a:r>
+            <a:r>
+              <a:rPr lang="nl-BE" dirty="0" smtClean="0"/>
+              <a:t> TX</a:t>
+            </a:r>
+          </a:p>
+          <a:p>
+            <a:pPr lvl="1"/>
+            <a:r>
+              <a:rPr lang="nl-BE" dirty="0" smtClean="0"/>
+              <a:t>ASP.NET MVC</a:t>
+            </a:r>
+          </a:p>
+          <a:p>
+            <a:pPr lvl="2"/>
+            <a:r>
+              <a:rPr lang="nl-BE" dirty="0" err="1" smtClean="0"/>
+              <a:t>BaseController</a:t>
+            </a:r>
+            <a:r>
+              <a:rPr lang="nl-BE" dirty="0" smtClean="0"/>
+              <a:t> / </a:t>
+            </a:r>
+            <a:r>
+              <a:rPr lang="nl-BE" dirty="0" err="1" smtClean="0"/>
+              <a:t>ActionFilter</a:t>
+            </a:r>
+            <a:endParaRPr lang="nl-BE" dirty="0" smtClean="0"/>
+          </a:p>
+          <a:p>
+            <a:pPr lvl="2"/>
+            <a:r>
+              <a:rPr lang="nl-BE" dirty="0" err="1" smtClean="0"/>
+              <a:t>OnActionExecuting</a:t>
+            </a:r>
+            <a:r>
+              <a:rPr lang="nl-BE" dirty="0" smtClean="0"/>
+              <a:t>: start TX</a:t>
+            </a:r>
+          </a:p>
+          <a:p>
+            <a:pPr lvl="2"/>
+            <a:r>
+              <a:rPr lang="nl-BE" dirty="0" err="1" smtClean="0"/>
+              <a:t>OnActionExecuted</a:t>
+            </a:r>
+            <a:r>
+              <a:rPr lang="nl-BE" dirty="0" smtClean="0"/>
+              <a:t>: </a:t>
+            </a:r>
+            <a:r>
+              <a:rPr lang="nl-BE" dirty="0" err="1" smtClean="0"/>
+              <a:t>commit</a:t>
+            </a:r>
+            <a:r>
+              <a:rPr lang="nl-BE" dirty="0" smtClean="0"/>
+              <a:t> TX</a:t>
+            </a:r>
+          </a:p>
+          <a:p>
+            <a:pPr lvl="2"/>
+            <a:r>
+              <a:rPr lang="nl-BE" dirty="0" smtClean="0"/>
+              <a:t>Voordeel: </a:t>
+            </a:r>
+            <a:r>
+              <a:rPr lang="nl-BE" dirty="0" err="1" smtClean="0"/>
+              <a:t>lazy</a:t>
+            </a:r>
+            <a:r>
+              <a:rPr lang="nl-BE" dirty="0" smtClean="0"/>
+              <a:t> </a:t>
+            </a:r>
+            <a:r>
+              <a:rPr lang="nl-BE" dirty="0" err="1" smtClean="0"/>
+              <a:t>loading</a:t>
+            </a:r>
+            <a:r>
+              <a:rPr lang="nl-BE" dirty="0" smtClean="0"/>
+              <a:t> </a:t>
+            </a:r>
+            <a:r>
+              <a:rPr lang="nl-BE" dirty="0" err="1" smtClean="0"/>
+              <a:t>queries</a:t>
+            </a:r>
+            <a:r>
+              <a:rPr lang="nl-BE" dirty="0" smtClean="0"/>
+              <a:t> vanuit view niet mogelijk</a:t>
+            </a:r>
+            <a:endParaRPr lang="nl-BE" dirty="0" smtClean="0"/>
+          </a:p>
+        </p:txBody>
+      </p:sp>
+      <p:sp>
+        <p:nvSpPr>
+          <p:cNvPr id="3" name="Date Placeholder 2"/>
+          <p:cNvSpPr>
+            <a:spLocks noGrp="1"/>
+          </p:cNvSpPr>
+          <p:nvPr>
+            <p:ph type="dt" sz="half" idx="10"/>
+          </p:nvPr>
+        </p:nvSpPr>
+        <p:spPr/>
+        <p:txBody>
+          <a:bodyPr/>
+          <a:lstStyle/>
+          <a:p>
+            <a:fld id="{DBF0DA3E-2D0E-44FA-B999-D46FE1732693}" type="datetime2">
+              <a:rPr lang="nl-BE" smtClean="0"/>
+              <a:pPr/>
+              <a:t>donderdag 21 juni 2012</a:t>
+            </a:fld>
+            <a:endParaRPr lang="en-US" dirty="0"/>
+          </a:p>
+        </p:txBody>
+      </p:sp>
+      <p:sp>
+        <p:nvSpPr>
+          <p:cNvPr id="4" name="Footer Placeholder 3"/>
+          <p:cNvSpPr>
+            <a:spLocks noGrp="1"/>
+          </p:cNvSpPr>
+          <p:nvPr>
+            <p:ph type="ftr" sz="quarter" idx="11"/>
+          </p:nvPr>
+        </p:nvSpPr>
+        <p:spPr/>
+        <p:txBody>
+          <a:bodyPr/>
+          <a:lstStyle/>
+          <a:p>
+            <a:endParaRPr lang="en-US" dirty="0"/>
+          </a:p>
+        </p:txBody>
+      </p:sp>
+      <p:sp>
+        <p:nvSpPr>
+          <p:cNvPr id="5" name="Slide Number Placeholder 4"/>
+          <p:cNvSpPr>
+            <a:spLocks noGrp="1"/>
+          </p:cNvSpPr>
+          <p:nvPr>
+            <p:ph type="sldNum" sz="quarter" idx="12"/>
+          </p:nvPr>
+        </p:nvSpPr>
+        <p:spPr/>
+        <p:txBody>
+          <a:bodyPr/>
+          <a:lstStyle/>
+          <a:p>
+            <a:fld id="{B6F15528-21DE-4FAA-801E-634DDDAF4B2B}" type="slidenum">
+              <a:rPr lang="en-US" smtClean="0"/>
+              <a:pPr/>
+              <a:t>13</a:t>
+            </a:fld>
+            <a:endParaRPr lang="en-US" dirty="0"/>
+          </a:p>
+        </p:txBody>
+      </p:sp>
+      <p:sp>
+        <p:nvSpPr>
+          <p:cNvPr id="6" name="Title 5"/>
+          <p:cNvSpPr>
+            <a:spLocks noGrp="1"/>
+          </p:cNvSpPr>
+          <p:nvPr>
+            <p:ph type="title"/>
+          </p:nvPr>
+        </p:nvSpPr>
+        <p:spPr/>
+        <p:txBody>
+          <a:bodyPr>
+            <a:normAutofit fontScale="90000"/>
+          </a:bodyPr>
+          <a:lstStyle/>
+          <a:p>
+            <a:r>
+              <a:rPr lang="nl-BE" dirty="0" smtClean="0"/>
+              <a:t>NH applicaties </a:t>
+            </a:r>
+            <a:r>
+              <a:rPr lang="nl-BE" dirty="0" err="1" smtClean="0"/>
+              <a:t>designen</a:t>
+            </a:r>
+            <a:endParaRPr lang="nl-BE" dirty="0"/>
+          </a:p>
+        </p:txBody>
+      </p:sp>
+    </p:spTree>
+  </p:cSld>
+  <p:clrMapOvr>
+    <a:masterClrMapping/>
+  </p:clrMapOvr>
+  <p:transition/>
+  <p:timing>
+    <p:tnLst>
+      <p:par>
+        <p:cTn id="1" dur="indefinite" restart="never" nodeType="tmRoot"/>
+      </p:par>
+    </p:tnLst>
+  </p:timing>
+</p:sld>
+</file>
+
+<file path=ppt/slides/slide14.xml><?xml version="1.0" encoding="utf-8"?>
+<p:sld xmlns:a="http://schemas.openxmlformats.org/drawingml/2006/main" xmlns:r="http://schemas.openxmlformats.org/officeDocument/2006/relationships" xmlns:p="http://schemas.openxmlformats.org/presentationml/2006/main">
+  <p:cSld>
+    <p:spTree>
+      <p:nvGrpSpPr>
+        <p:cNvPr id="1" name=""/>
+        <p:cNvGrpSpPr/>
+        <p:nvPr/>
+      </p:nvGrpSpPr>
+      <p:grpSpPr>
+        <a:xfrm>
+          <a:off x="0" y="0"/>
+          <a:ext cx="0" cy="0"/>
+          <a:chOff x="0" y="0"/>
+          <a:chExt cx="0" cy="0"/>
+        </a:xfrm>
+      </p:grpSpPr>
+      <p:sp>
+        <p:nvSpPr>
+          <p:cNvPr id="3" name="Date Placeholder 2"/>
+          <p:cNvSpPr>
+            <a:spLocks noGrp="1"/>
+          </p:cNvSpPr>
+          <p:nvPr>
+            <p:ph type="dt" sz="half" idx="10"/>
+          </p:nvPr>
+        </p:nvSpPr>
+        <p:spPr/>
+        <p:txBody>
+          <a:bodyPr/>
+          <a:lstStyle/>
+          <a:p>
+            <a:fld id="{DBF0DA3E-2D0E-44FA-B999-D46FE1732693}" type="datetime2">
+              <a:rPr lang="nl-BE" smtClean="0"/>
+              <a:pPr/>
+              <a:t>donderdag 21 juni 2012</a:t>
+            </a:fld>
+            <a:endParaRPr lang="en-US" dirty="0"/>
+          </a:p>
+        </p:txBody>
+      </p:sp>
+      <p:sp>
+        <p:nvSpPr>
+          <p:cNvPr id="4" name="Footer Placeholder 3"/>
+          <p:cNvSpPr>
+            <a:spLocks noGrp="1"/>
+          </p:cNvSpPr>
+          <p:nvPr>
+            <p:ph type="ftr" sz="quarter" idx="11"/>
+          </p:nvPr>
+        </p:nvSpPr>
+        <p:spPr/>
+        <p:txBody>
+          <a:bodyPr/>
+          <a:lstStyle/>
+          <a:p>
+            <a:endParaRPr lang="en-US" dirty="0"/>
+          </a:p>
+        </p:txBody>
+      </p:sp>
+      <p:sp>
+        <p:nvSpPr>
+          <p:cNvPr id="5" name="Slide Number Placeholder 4"/>
+          <p:cNvSpPr>
+            <a:spLocks noGrp="1"/>
+          </p:cNvSpPr>
+          <p:nvPr>
+            <p:ph type="sldNum" sz="quarter" idx="12"/>
+          </p:nvPr>
+        </p:nvSpPr>
+        <p:spPr/>
+        <p:txBody>
+          <a:bodyPr/>
+          <a:lstStyle/>
+          <a:p>
+            <a:fld id="{B6F15528-21DE-4FAA-801E-634DDDAF4B2B}" type="slidenum">
+              <a:rPr lang="en-US" smtClean="0"/>
+              <a:pPr/>
+              <a:t>14</a:t>
+            </a:fld>
+            <a:endParaRPr lang="en-US" dirty="0"/>
+          </a:p>
+        </p:txBody>
+      </p:sp>
+      <p:sp>
+        <p:nvSpPr>
+          <p:cNvPr id="6" name="Title 5"/>
+          <p:cNvSpPr>
+            <a:spLocks noGrp="1"/>
+          </p:cNvSpPr>
+          <p:nvPr>
+            <p:ph type="title"/>
+          </p:nvPr>
+        </p:nvSpPr>
+        <p:spPr/>
+        <p:txBody>
+          <a:bodyPr>
+            <a:normAutofit fontScale="90000"/>
+          </a:bodyPr>
+          <a:lstStyle/>
+          <a:p>
+            <a:r>
+              <a:rPr lang="nl-BE" dirty="0" smtClean="0"/>
+              <a:t>NH applicaties </a:t>
+            </a:r>
+            <a:r>
+              <a:rPr lang="nl-BE" dirty="0" err="1" smtClean="0"/>
+              <a:t>designen</a:t>
+            </a:r>
+            <a:endParaRPr lang="nl-BE" dirty="0"/>
+          </a:p>
+        </p:txBody>
+      </p:sp>
+      <p:cxnSp>
+        <p:nvCxnSpPr>
+          <p:cNvPr id="9" name="Straight Arrow Connector 8"/>
+          <p:cNvCxnSpPr/>
+          <p:nvPr/>
+        </p:nvCxnSpPr>
+        <p:spPr>
+          <a:xfrm>
+            <a:off x="1043608" y="1700808"/>
+            <a:ext cx="0" cy="4248472"/>
+          </a:xfrm>
+          <a:prstGeom prst="straightConnector1">
+            <a:avLst/>
+          </a:prstGeom>
+          <a:ln>
+            <a:tailEnd type="arrow"/>
+          </a:ln>
+        </p:spPr>
+        <p:style>
+          <a:lnRef idx="1">
+            <a:schemeClr val="accent1"/>
+          </a:lnRef>
+          <a:fillRef idx="0">
+            <a:schemeClr val="accent1"/>
+          </a:fillRef>
+          <a:effectRef idx="0">
+            <a:schemeClr val="accent1"/>
+          </a:effectRef>
+          <a:fontRef idx="minor">
+            <a:schemeClr val="tx1"/>
+          </a:fontRef>
+        </p:style>
+      </p:cxnSp>
+      <p:sp>
+        <p:nvSpPr>
+          <p:cNvPr id="10" name="TextBox 9"/>
+          <p:cNvSpPr txBox="1"/>
+          <p:nvPr/>
+        </p:nvSpPr>
+        <p:spPr>
+          <a:xfrm>
+            <a:off x="467544" y="1340768"/>
+            <a:ext cx="1080120" cy="369332"/>
+          </a:xfrm>
+          <a:prstGeom prst="rect">
+            <a:avLst/>
+          </a:prstGeom>
+          <a:solidFill>
+            <a:schemeClr val="accent1"/>
+          </a:solidFill>
+        </p:spPr>
+        <p:txBody>
+          <a:bodyPr wrap="square" rtlCol="0">
+            <a:spAutoFit/>
+          </a:bodyPr>
+          <a:lstStyle/>
+          <a:p>
+            <a:pPr algn="ctr"/>
+            <a:r>
+              <a:rPr lang="nl-BE" dirty="0" err="1" smtClean="0">
+                <a:solidFill>
+                  <a:schemeClr val="bg1"/>
+                </a:solidFill>
+              </a:rPr>
+              <a:t>Client</a:t>
+            </a:r>
+            <a:endParaRPr lang="nl-BE" dirty="0">
+              <a:solidFill>
+                <a:schemeClr val="bg1"/>
+              </a:solidFill>
+            </a:endParaRPr>
+          </a:p>
+        </p:txBody>
+      </p:sp>
+      <p:sp>
+        <p:nvSpPr>
+          <p:cNvPr id="11" name="TextBox 10"/>
+          <p:cNvSpPr txBox="1"/>
+          <p:nvPr/>
+        </p:nvSpPr>
+        <p:spPr>
+          <a:xfrm>
+            <a:off x="2843808" y="1340768"/>
+            <a:ext cx="2088232" cy="369332"/>
+          </a:xfrm>
+          <a:prstGeom prst="rect">
+            <a:avLst/>
+          </a:prstGeom>
+          <a:solidFill>
+            <a:schemeClr val="accent1"/>
+          </a:solidFill>
+        </p:spPr>
+        <p:txBody>
+          <a:bodyPr wrap="square" rtlCol="0">
+            <a:spAutoFit/>
+          </a:bodyPr>
+          <a:lstStyle/>
+          <a:p>
+            <a:pPr algn="ctr"/>
+            <a:r>
+              <a:rPr lang="nl-BE" dirty="0" smtClean="0">
+                <a:solidFill>
+                  <a:schemeClr val="bg1"/>
+                </a:solidFill>
+              </a:rPr>
+              <a:t>MVC Controller</a:t>
+            </a:r>
+            <a:endParaRPr lang="nl-BE" dirty="0">
+              <a:solidFill>
+                <a:schemeClr val="bg1"/>
+              </a:solidFill>
+            </a:endParaRPr>
+          </a:p>
+        </p:txBody>
+      </p:sp>
+      <p:cxnSp>
+        <p:nvCxnSpPr>
+          <p:cNvPr id="12" name="Straight Arrow Connector 11"/>
+          <p:cNvCxnSpPr/>
+          <p:nvPr/>
+        </p:nvCxnSpPr>
+        <p:spPr>
+          <a:xfrm>
+            <a:off x="3923928" y="1700808"/>
+            <a:ext cx="0" cy="4248472"/>
+          </a:xfrm>
+          <a:prstGeom prst="straightConnector1">
+            <a:avLst/>
+          </a:prstGeom>
+          <a:ln>
+            <a:tailEnd type="arrow"/>
+          </a:ln>
+        </p:spPr>
+        <p:style>
+          <a:lnRef idx="1">
+            <a:schemeClr val="accent1"/>
+          </a:lnRef>
+          <a:fillRef idx="0">
+            <a:schemeClr val="accent1"/>
+          </a:fillRef>
+          <a:effectRef idx="0">
+            <a:schemeClr val="accent1"/>
+          </a:effectRef>
+          <a:fontRef idx="minor">
+            <a:schemeClr val="tx1"/>
+          </a:fontRef>
+        </p:style>
+      </p:cxnSp>
+      <p:cxnSp>
+        <p:nvCxnSpPr>
+          <p:cNvPr id="13" name="Straight Arrow Connector 12"/>
+          <p:cNvCxnSpPr/>
+          <p:nvPr/>
+        </p:nvCxnSpPr>
+        <p:spPr>
+          <a:xfrm>
+            <a:off x="6804248" y="1700808"/>
+            <a:ext cx="0" cy="4248472"/>
+          </a:xfrm>
+          <a:prstGeom prst="straightConnector1">
+            <a:avLst/>
+          </a:prstGeom>
+          <a:ln>
+            <a:tailEnd type="arrow"/>
+          </a:ln>
+        </p:spPr>
+        <p:style>
+          <a:lnRef idx="1">
+            <a:schemeClr val="accent1"/>
+          </a:lnRef>
+          <a:fillRef idx="0">
+            <a:schemeClr val="accent1"/>
+          </a:fillRef>
+          <a:effectRef idx="0">
+            <a:schemeClr val="accent1"/>
+          </a:effectRef>
+          <a:fontRef idx="minor">
+            <a:schemeClr val="tx1"/>
+          </a:fontRef>
+        </p:style>
+      </p:cxnSp>
+      <p:sp>
+        <p:nvSpPr>
+          <p:cNvPr id="14" name="TextBox 13"/>
+          <p:cNvSpPr txBox="1"/>
+          <p:nvPr/>
+        </p:nvSpPr>
+        <p:spPr>
+          <a:xfrm>
+            <a:off x="6228184" y="1340768"/>
+            <a:ext cx="1080120" cy="369332"/>
+          </a:xfrm>
+          <a:prstGeom prst="rect">
+            <a:avLst/>
+          </a:prstGeom>
+          <a:solidFill>
+            <a:schemeClr val="accent1"/>
+          </a:solidFill>
+        </p:spPr>
+        <p:txBody>
+          <a:bodyPr wrap="square" rtlCol="0">
+            <a:spAutoFit/>
+          </a:bodyPr>
+          <a:lstStyle/>
+          <a:p>
+            <a:pPr algn="ctr"/>
+            <a:r>
+              <a:rPr lang="nl-BE" dirty="0" smtClean="0">
+                <a:solidFill>
+                  <a:schemeClr val="bg1"/>
+                </a:solidFill>
+              </a:rPr>
+              <a:t>Back end</a:t>
+            </a:r>
+            <a:endParaRPr lang="nl-BE" dirty="0">
+              <a:solidFill>
+                <a:schemeClr val="bg1"/>
+              </a:solidFill>
+            </a:endParaRPr>
+          </a:p>
+        </p:txBody>
+      </p:sp>
+      <p:cxnSp>
+        <p:nvCxnSpPr>
+          <p:cNvPr id="16" name="Straight Arrow Connector 15"/>
+          <p:cNvCxnSpPr/>
+          <p:nvPr/>
+        </p:nvCxnSpPr>
+        <p:spPr>
+          <a:xfrm>
+            <a:off x="1115616" y="2708920"/>
+            <a:ext cx="2736304" cy="0"/>
+          </a:xfrm>
+          <a:prstGeom prst="straightConnector1">
+            <a:avLst/>
+          </a:prstGeom>
+          <a:ln>
+            <a:tailEnd type="arrow"/>
+          </a:ln>
+        </p:spPr>
+        <p:style>
+          <a:lnRef idx="1">
+            <a:schemeClr val="accent1"/>
+          </a:lnRef>
+          <a:fillRef idx="0">
+            <a:schemeClr val="accent1"/>
+          </a:fillRef>
+          <a:effectRef idx="0">
+            <a:schemeClr val="accent1"/>
+          </a:effectRef>
+          <a:fontRef idx="minor">
+            <a:schemeClr val="tx1"/>
+          </a:fontRef>
+        </p:style>
+      </p:cxnSp>
+      <p:sp>
+        <p:nvSpPr>
+          <p:cNvPr id="17" name="TextBox 16"/>
+          <p:cNvSpPr txBox="1"/>
+          <p:nvPr/>
+        </p:nvSpPr>
+        <p:spPr>
+          <a:xfrm>
+            <a:off x="3995936" y="2564904"/>
+            <a:ext cx="1982915" cy="276999"/>
+          </a:xfrm>
+          <a:prstGeom prst="rect">
+            <a:avLst/>
+          </a:prstGeom>
+          <a:noFill/>
+        </p:spPr>
+        <p:txBody>
+          <a:bodyPr wrap="none" rtlCol="0">
+            <a:spAutoFit/>
+          </a:bodyPr>
+          <a:lstStyle/>
+          <a:p>
+            <a:r>
+              <a:rPr lang="nl-BE" sz="1200" b="1" dirty="0" err="1" smtClean="0"/>
+              <a:t>OnActionExecuting</a:t>
+            </a:r>
+            <a:r>
+              <a:rPr lang="nl-BE" sz="1200" b="1" dirty="0" smtClean="0"/>
+              <a:t>: Start TX</a:t>
+            </a:r>
+            <a:endParaRPr lang="nl-BE" sz="1200" b="1" dirty="0"/>
+          </a:p>
+        </p:txBody>
+      </p:sp>
+      <p:sp>
+        <p:nvSpPr>
+          <p:cNvPr id="18" name="TextBox 17"/>
+          <p:cNvSpPr txBox="1"/>
+          <p:nvPr/>
+        </p:nvSpPr>
+        <p:spPr>
+          <a:xfrm>
+            <a:off x="3971647" y="4952201"/>
+            <a:ext cx="2104359" cy="276999"/>
+          </a:xfrm>
+          <a:prstGeom prst="rect">
+            <a:avLst/>
+          </a:prstGeom>
+          <a:noFill/>
+        </p:spPr>
+        <p:txBody>
+          <a:bodyPr wrap="none" rtlCol="0">
+            <a:spAutoFit/>
+          </a:bodyPr>
+          <a:lstStyle/>
+          <a:p>
+            <a:r>
+              <a:rPr lang="nl-BE" sz="1200" b="1" dirty="0" err="1" smtClean="0"/>
+              <a:t>OnActionExecuted</a:t>
+            </a:r>
+            <a:r>
+              <a:rPr lang="nl-BE" sz="1200" b="1" dirty="0" smtClean="0"/>
+              <a:t> </a:t>
+            </a:r>
+            <a:r>
+              <a:rPr lang="nl-BE" sz="1200" b="1" dirty="0" err="1" smtClean="0"/>
+              <a:t>Commit</a:t>
+            </a:r>
+            <a:r>
+              <a:rPr lang="nl-BE" sz="1200" b="1" dirty="0" smtClean="0"/>
+              <a:t> TX</a:t>
+            </a:r>
+            <a:endParaRPr lang="nl-BE" sz="1200" b="1" dirty="0"/>
+          </a:p>
+        </p:txBody>
+      </p:sp>
+      <p:cxnSp>
+        <p:nvCxnSpPr>
+          <p:cNvPr id="19" name="Straight Arrow Connector 18"/>
+          <p:cNvCxnSpPr/>
+          <p:nvPr/>
+        </p:nvCxnSpPr>
+        <p:spPr>
+          <a:xfrm flipH="1">
+            <a:off x="1115616" y="5085184"/>
+            <a:ext cx="2736304" cy="0"/>
+          </a:xfrm>
+          <a:prstGeom prst="straightConnector1">
+            <a:avLst/>
+          </a:prstGeom>
+          <a:ln>
+            <a:tailEnd type="arrow"/>
+          </a:ln>
+        </p:spPr>
+        <p:style>
+          <a:lnRef idx="1">
+            <a:schemeClr val="accent1"/>
+          </a:lnRef>
+          <a:fillRef idx="0">
+            <a:schemeClr val="accent1"/>
+          </a:fillRef>
+          <a:effectRef idx="0">
+            <a:schemeClr val="accent1"/>
+          </a:effectRef>
+          <a:fontRef idx="minor">
+            <a:schemeClr val="tx1"/>
+          </a:fontRef>
+        </p:style>
+      </p:cxnSp>
+      <p:cxnSp>
+        <p:nvCxnSpPr>
+          <p:cNvPr id="22" name="Straight Arrow Connector 21"/>
+          <p:cNvCxnSpPr/>
+          <p:nvPr/>
+        </p:nvCxnSpPr>
+        <p:spPr>
+          <a:xfrm>
+            <a:off x="3995936" y="3212976"/>
+            <a:ext cx="2736304" cy="0"/>
+          </a:xfrm>
+          <a:prstGeom prst="straightConnector1">
+            <a:avLst/>
+          </a:prstGeom>
+          <a:ln>
+            <a:tailEnd type="arrow"/>
+          </a:ln>
+        </p:spPr>
+        <p:style>
+          <a:lnRef idx="1">
+            <a:schemeClr val="accent1"/>
+          </a:lnRef>
+          <a:fillRef idx="0">
+            <a:schemeClr val="accent1"/>
+          </a:fillRef>
+          <a:effectRef idx="0">
+            <a:schemeClr val="accent1"/>
+          </a:effectRef>
+          <a:fontRef idx="minor">
+            <a:schemeClr val="tx1"/>
+          </a:fontRef>
+        </p:style>
+      </p:cxnSp>
+      <p:sp>
+        <p:nvSpPr>
+          <p:cNvPr id="23" name="TextBox 22"/>
+          <p:cNvSpPr txBox="1"/>
+          <p:nvPr/>
+        </p:nvSpPr>
+        <p:spPr>
+          <a:xfrm>
+            <a:off x="6876256" y="3068960"/>
+            <a:ext cx="1485600" cy="276999"/>
+          </a:xfrm>
+          <a:prstGeom prst="rect">
+            <a:avLst/>
+          </a:prstGeom>
+          <a:noFill/>
+        </p:spPr>
+        <p:txBody>
+          <a:bodyPr wrap="none" rtlCol="0">
+            <a:spAutoFit/>
+          </a:bodyPr>
+          <a:lstStyle/>
+          <a:p>
+            <a:r>
+              <a:rPr lang="nl-BE" sz="1200" b="1" dirty="0" err="1" smtClean="0"/>
+              <a:t>Execute</a:t>
+            </a:r>
+            <a:r>
+              <a:rPr lang="nl-BE" sz="1200" b="1" dirty="0" smtClean="0"/>
+              <a:t> </a:t>
+            </a:r>
+            <a:r>
+              <a:rPr lang="nl-BE" sz="1200" b="1" dirty="0" err="1" smtClean="0"/>
+              <a:t>Command</a:t>
+            </a:r>
+            <a:r>
+              <a:rPr lang="nl-BE" sz="1200" b="1" dirty="0" smtClean="0"/>
+              <a:t> 1</a:t>
+            </a:r>
+            <a:endParaRPr lang="nl-BE" sz="1200" b="1" dirty="0"/>
+          </a:p>
+        </p:txBody>
+      </p:sp>
+      <p:sp>
+        <p:nvSpPr>
+          <p:cNvPr id="24" name="TextBox 23"/>
+          <p:cNvSpPr txBox="1"/>
+          <p:nvPr/>
+        </p:nvSpPr>
+        <p:spPr>
+          <a:xfrm>
+            <a:off x="6876256" y="3656057"/>
+            <a:ext cx="1485600" cy="276999"/>
+          </a:xfrm>
+          <a:prstGeom prst="rect">
+            <a:avLst/>
+          </a:prstGeom>
+          <a:noFill/>
+        </p:spPr>
+        <p:txBody>
+          <a:bodyPr wrap="none" rtlCol="0">
+            <a:spAutoFit/>
+          </a:bodyPr>
+          <a:lstStyle/>
+          <a:p>
+            <a:r>
+              <a:rPr lang="nl-BE" sz="1200" b="1" dirty="0" err="1" smtClean="0"/>
+              <a:t>Execute</a:t>
+            </a:r>
+            <a:r>
+              <a:rPr lang="nl-BE" sz="1200" b="1" dirty="0" smtClean="0"/>
+              <a:t> </a:t>
+            </a:r>
+            <a:r>
+              <a:rPr lang="nl-BE" sz="1200" b="1" dirty="0" err="1" smtClean="0"/>
+              <a:t>Command</a:t>
+            </a:r>
+            <a:r>
+              <a:rPr lang="nl-BE" sz="1200" b="1" dirty="0" smtClean="0"/>
+              <a:t> 2</a:t>
+            </a:r>
+            <a:endParaRPr lang="nl-BE" sz="1200" b="1" dirty="0"/>
+          </a:p>
+        </p:txBody>
+      </p:sp>
+      <p:cxnSp>
+        <p:nvCxnSpPr>
+          <p:cNvPr id="25" name="Straight Arrow Connector 24"/>
+          <p:cNvCxnSpPr/>
+          <p:nvPr/>
+        </p:nvCxnSpPr>
+        <p:spPr>
+          <a:xfrm>
+            <a:off x="3995936" y="3789040"/>
+            <a:ext cx="2736304" cy="0"/>
+          </a:xfrm>
+          <a:prstGeom prst="straightConnector1">
+            <a:avLst/>
+          </a:prstGeom>
+          <a:ln>
+            <a:tailEnd type="arrow"/>
+          </a:ln>
+        </p:spPr>
+        <p:style>
+          <a:lnRef idx="1">
+            <a:schemeClr val="accent1"/>
+          </a:lnRef>
+          <a:fillRef idx="0">
+            <a:schemeClr val="accent1"/>
+          </a:fillRef>
+          <a:effectRef idx="0">
+            <a:schemeClr val="accent1"/>
+          </a:effectRef>
+          <a:fontRef idx="minor">
+            <a:schemeClr val="tx1"/>
+          </a:fontRef>
+        </p:style>
+      </p:cxnSp>
+      <p:cxnSp>
+        <p:nvCxnSpPr>
+          <p:cNvPr id="26" name="Straight Arrow Connector 25"/>
+          <p:cNvCxnSpPr/>
+          <p:nvPr/>
+        </p:nvCxnSpPr>
+        <p:spPr>
+          <a:xfrm>
+            <a:off x="3995936" y="4437112"/>
+            <a:ext cx="2736304" cy="0"/>
+          </a:xfrm>
+          <a:prstGeom prst="straightConnector1">
+            <a:avLst/>
+          </a:prstGeom>
+          <a:ln>
+            <a:tailEnd type="arrow"/>
+          </a:ln>
+        </p:spPr>
+        <p:style>
+          <a:lnRef idx="1">
+            <a:schemeClr val="accent1"/>
+          </a:lnRef>
+          <a:fillRef idx="0">
+            <a:schemeClr val="accent1"/>
+          </a:fillRef>
+          <a:effectRef idx="0">
+            <a:schemeClr val="accent1"/>
+          </a:effectRef>
+          <a:fontRef idx="minor">
+            <a:schemeClr val="tx1"/>
+          </a:fontRef>
+        </p:style>
+      </p:cxnSp>
+      <p:sp>
+        <p:nvSpPr>
+          <p:cNvPr id="27" name="TextBox 26"/>
+          <p:cNvSpPr txBox="1"/>
+          <p:nvPr/>
+        </p:nvSpPr>
+        <p:spPr>
+          <a:xfrm>
+            <a:off x="6876256" y="4304129"/>
+            <a:ext cx="1107996" cy="276999"/>
+          </a:xfrm>
+          <a:prstGeom prst="rect">
+            <a:avLst/>
+          </a:prstGeom>
+          <a:noFill/>
+        </p:spPr>
+        <p:txBody>
+          <a:bodyPr wrap="none" rtlCol="0">
+            <a:spAutoFit/>
+          </a:bodyPr>
+          <a:lstStyle/>
+          <a:p>
+            <a:r>
+              <a:rPr lang="nl-BE" sz="1200" b="1" dirty="0" err="1" smtClean="0"/>
+              <a:t>Execute</a:t>
+            </a:r>
+            <a:r>
+              <a:rPr lang="nl-BE" sz="1200" b="1" dirty="0" smtClean="0"/>
+              <a:t> Query</a:t>
+            </a:r>
+            <a:endParaRPr lang="nl-BE" sz="1200" b="1" dirty="0"/>
+          </a:p>
+        </p:txBody>
+      </p:sp>
+      <p:sp>
+        <p:nvSpPr>
+          <p:cNvPr id="28" name="TextBox 27"/>
+          <p:cNvSpPr txBox="1"/>
+          <p:nvPr/>
+        </p:nvSpPr>
+        <p:spPr>
+          <a:xfrm>
+            <a:off x="1115616" y="2348880"/>
+            <a:ext cx="1061829" cy="276999"/>
+          </a:xfrm>
+          <a:prstGeom prst="rect">
+            <a:avLst/>
+          </a:prstGeom>
+          <a:noFill/>
+        </p:spPr>
+        <p:txBody>
+          <a:bodyPr wrap="none" rtlCol="0">
+            <a:spAutoFit/>
+          </a:bodyPr>
+          <a:lstStyle/>
+          <a:p>
+            <a:r>
+              <a:rPr lang="nl-BE" sz="1200" b="1" dirty="0" err="1" smtClean="0"/>
+              <a:t>Make</a:t>
+            </a:r>
+            <a:r>
+              <a:rPr lang="nl-BE" sz="1200" b="1" dirty="0" smtClean="0"/>
+              <a:t> </a:t>
+            </a:r>
+            <a:r>
+              <a:rPr lang="nl-BE" sz="1200" b="1" dirty="0" err="1" smtClean="0"/>
+              <a:t>request</a:t>
+            </a:r>
+            <a:endParaRPr lang="nl-BE" sz="1200" b="1" dirty="0"/>
+          </a:p>
+        </p:txBody>
+      </p:sp>
+      <p:sp>
+        <p:nvSpPr>
+          <p:cNvPr id="29" name="TextBox 28"/>
+          <p:cNvSpPr txBox="1"/>
+          <p:nvPr/>
+        </p:nvSpPr>
+        <p:spPr>
+          <a:xfrm>
+            <a:off x="1115616" y="5229200"/>
+            <a:ext cx="1044710" cy="276999"/>
+          </a:xfrm>
+          <a:prstGeom prst="rect">
+            <a:avLst/>
+          </a:prstGeom>
+          <a:noFill/>
+        </p:spPr>
+        <p:txBody>
+          <a:bodyPr wrap="none" rtlCol="0">
+            <a:spAutoFit/>
+          </a:bodyPr>
+          <a:lstStyle/>
+          <a:p>
+            <a:r>
+              <a:rPr lang="nl-BE" sz="1200" b="1" dirty="0" err="1" smtClean="0"/>
+              <a:t>Render</a:t>
+            </a:r>
+            <a:r>
+              <a:rPr lang="nl-BE" sz="1200" b="1" dirty="0" smtClean="0"/>
+              <a:t> </a:t>
+            </a:r>
+            <a:r>
+              <a:rPr lang="nl-BE" sz="1200" b="1" dirty="0" err="1" smtClean="0"/>
+              <a:t>result</a:t>
+            </a:r>
+            <a:endParaRPr lang="nl-BE" sz="1200" b="1" dirty="0"/>
+          </a:p>
+        </p:txBody>
+      </p:sp>
+    </p:spTree>
+  </p:cSld>
+  <p:clrMapOvr>
+    <a:masterClrMapping/>
+  </p:clrMapOvr>
+  <p:transition/>
+  <p:timing>
+    <p:tnLst>
+      <p:par>
+        <p:cTn id="1" dur="indefinite" restart="never" nodeType="tmRoot">
+          <p:childTnLst>
+            <p:seq concurrent="1" nextAc="seek">
+              <p:cTn id="2" dur="indefinite" nodeType="mainSeq">
+                <p:childTnLst>
+                  <p:par>
+                    <p:cTn id="3" fill="hold">
+                      <p:stCondLst>
+                        <p:cond delay="indefinite"/>
+                      </p:stCondLst>
+                      <p:childTnLst>
+                        <p:par>
+                          <p:cTn id="4" fill="hold">
+                            <p:stCondLst>
+                              <p:cond delay="0"/>
+                            </p:stCondLst>
+                            <p:childTnLst>
+                              <p:par>
+                                <p:cTn id="5" presetID="22" presetClass="entr" presetSubtype="4" fill="hold" grpId="0" nodeType="clickEffect">
+                                  <p:stCondLst>
+                                    <p:cond delay="0"/>
+                                  </p:stCondLst>
+                                  <p:childTnLst>
+                                    <p:set>
+                                      <p:cBhvr>
+                                        <p:cTn id="6" dur="1" fill="hold">
+                                          <p:stCondLst>
+                                            <p:cond delay="0"/>
+                                          </p:stCondLst>
+                                        </p:cTn>
+                                        <p:tgtEl>
+                                          <p:spTgt spid="28"/>
+                                        </p:tgtEl>
+                                        <p:attrNameLst>
+                                          <p:attrName>style.visibility</p:attrName>
+                                        </p:attrNameLst>
+                                      </p:cBhvr>
+                                      <p:to>
+                                        <p:strVal val="visible"/>
+                                      </p:to>
+                                    </p:set>
+                                    <p:animEffect transition="in" filter="wipe(down)">
+                                      <p:cBhvr>
+                                        <p:cTn id="7" dur="500"/>
+                                        <p:tgtEl>
+                                          <p:spTgt spid="28"/>
+                                        </p:tgtEl>
+                                      </p:cBhvr>
+                                    </p:animEffect>
+                                  </p:childTnLst>
+                                </p:cTn>
+                              </p:par>
+                              <p:par>
+                                <p:cTn id="8" presetID="22" presetClass="entr" presetSubtype="4" fill="hold" nodeType="withEffect">
+                                  <p:stCondLst>
+                                    <p:cond delay="0"/>
+                                  </p:stCondLst>
+                                  <p:childTnLst>
+                                    <p:set>
+                                      <p:cBhvr>
+                                        <p:cTn id="9" dur="1" fill="hold">
+                                          <p:stCondLst>
+                                            <p:cond delay="0"/>
+                                          </p:stCondLst>
+                                        </p:cTn>
+                                        <p:tgtEl>
+                                          <p:spTgt spid="16"/>
+                                        </p:tgtEl>
+                                        <p:attrNameLst>
+                                          <p:attrName>style.visibility</p:attrName>
+                                        </p:attrNameLst>
+                                      </p:cBhvr>
+                                      <p:to>
+                                        <p:strVal val="visible"/>
+                                      </p:to>
+                                    </p:set>
+                                    <p:animEffect transition="in" filter="wipe(down)">
+                                      <p:cBhvr>
+                                        <p:cTn id="10" dur="500"/>
+                                        <p:tgtEl>
+                                          <p:spTgt spid="16"/>
+                                        </p:tgtEl>
+                                      </p:cBhvr>
+                                    </p:animEffect>
+                                  </p:childTnLst>
+                                </p:cTn>
+                              </p:par>
+                            </p:childTnLst>
+                          </p:cTn>
+                        </p:par>
+                      </p:childTnLst>
+                    </p:cTn>
+                  </p:par>
+                  <p:par>
+                    <p:cTn id="11" fill="hold">
+                      <p:stCondLst>
+                        <p:cond delay="indefinite"/>
+                      </p:stCondLst>
+                      <p:childTnLst>
+                        <p:par>
+                          <p:cTn id="12" fill="hold">
+                            <p:stCondLst>
+                              <p:cond delay="0"/>
+                            </p:stCondLst>
+                            <p:childTnLst>
+                              <p:par>
+                                <p:cTn id="13" presetID="22" presetClass="entr" presetSubtype="4" fill="hold" grpId="0" nodeType="clickEffect">
+                                  <p:stCondLst>
+                                    <p:cond delay="0"/>
+                                  </p:stCondLst>
+                                  <p:childTnLst>
+                                    <p:set>
+                                      <p:cBhvr>
+                                        <p:cTn id="14" dur="1" fill="hold">
+                                          <p:stCondLst>
+                                            <p:cond delay="0"/>
+                                          </p:stCondLst>
+                                        </p:cTn>
+                                        <p:tgtEl>
+                                          <p:spTgt spid="17">
+                                            <p:txEl>
+                                              <p:pRg st="0" end="0"/>
+                                            </p:txEl>
+                                          </p:spTgt>
+                                        </p:tgtEl>
+                                        <p:attrNameLst>
+                                          <p:attrName>style.visibility</p:attrName>
+                                        </p:attrNameLst>
+                                      </p:cBhvr>
+                                      <p:to>
+                                        <p:strVal val="visible"/>
+                                      </p:to>
+                                    </p:set>
+                                    <p:animEffect transition="in" filter="wipe(down)">
+                                      <p:cBhvr>
+                                        <p:cTn id="15" dur="500"/>
+                                        <p:tgtEl>
+                                          <p:spTgt spid="17">
+                                            <p:txEl>
+                                              <p:pRg st="0" end="0"/>
+                                            </p:txEl>
+                                          </p:spTgt>
+                                        </p:tgtEl>
+                                      </p:cBhvr>
+                                    </p:animEffect>
+                                  </p:childTnLst>
+                                </p:cTn>
+                              </p:par>
+                            </p:childTnLst>
+                          </p:cTn>
+                        </p:par>
+                      </p:childTnLst>
+                    </p:cTn>
+                  </p:par>
+                  <p:par>
+                    <p:cTn id="16" fill="hold">
+                      <p:stCondLst>
+                        <p:cond delay="indefinite"/>
+                      </p:stCondLst>
+                      <p:childTnLst>
+                        <p:par>
+                          <p:cTn id="17" fill="hold">
+                            <p:stCondLst>
+                              <p:cond delay="0"/>
+                            </p:stCondLst>
+                            <p:childTnLst>
+                              <p:par>
+                                <p:cTn id="18" presetID="22" presetClass="entr" presetSubtype="4" fill="hold" nodeType="clickEffect">
+                                  <p:stCondLst>
+                                    <p:cond delay="0"/>
+                                  </p:stCondLst>
+                                  <p:childTnLst>
+                                    <p:set>
+                                      <p:cBhvr>
+                                        <p:cTn id="19" dur="1" fill="hold">
+                                          <p:stCondLst>
+                                            <p:cond delay="0"/>
+                                          </p:stCondLst>
+                                        </p:cTn>
+                                        <p:tgtEl>
+                                          <p:spTgt spid="22"/>
+                                        </p:tgtEl>
+                                        <p:attrNameLst>
+                                          <p:attrName>style.visibility</p:attrName>
+                                        </p:attrNameLst>
+                                      </p:cBhvr>
+                                      <p:to>
+                                        <p:strVal val="visible"/>
+                                      </p:to>
+                                    </p:set>
+                                    <p:animEffect transition="in" filter="wipe(down)">
+                                      <p:cBhvr>
+                                        <p:cTn id="20" dur="500"/>
+                                        <p:tgtEl>
+                                          <p:spTgt spid="22"/>
+                                        </p:tgtEl>
+                                      </p:cBhvr>
+                                    </p:animEffect>
+                                  </p:childTnLst>
+                                </p:cTn>
+                              </p:par>
+                              <p:par>
+                                <p:cTn id="21" presetID="22" presetClass="entr" presetSubtype="4" fill="hold" grpId="0" nodeType="withEffect">
+                                  <p:stCondLst>
+                                    <p:cond delay="0"/>
+                                  </p:stCondLst>
+                                  <p:childTnLst>
+                                    <p:set>
+                                      <p:cBhvr>
+                                        <p:cTn id="22" dur="1" fill="hold">
+                                          <p:stCondLst>
+                                            <p:cond delay="0"/>
+                                          </p:stCondLst>
+                                        </p:cTn>
+                                        <p:tgtEl>
+                                          <p:spTgt spid="23">
+                                            <p:txEl>
+                                              <p:pRg st="0" end="0"/>
+                                            </p:txEl>
+                                          </p:spTgt>
+                                        </p:tgtEl>
+                                        <p:attrNameLst>
+                                          <p:attrName>style.visibility</p:attrName>
+                                        </p:attrNameLst>
+                                      </p:cBhvr>
+                                      <p:to>
+                                        <p:strVal val="visible"/>
+                                      </p:to>
+                                    </p:set>
+                                    <p:animEffect transition="in" filter="wipe(down)">
+                                      <p:cBhvr>
+                                        <p:cTn id="23" dur="500"/>
+                                        <p:tgtEl>
+                                          <p:spTgt spid="23">
+                                            <p:txEl>
+                                              <p:pRg st="0" end="0"/>
+                                            </p:txEl>
+                                          </p:spTgt>
+                                        </p:tgtEl>
+                                      </p:cBhvr>
+                                    </p:animEffect>
+                                  </p:childTnLst>
+                                </p:cTn>
+                              </p:par>
+                            </p:childTnLst>
+                          </p:cTn>
+                        </p:par>
+                      </p:childTnLst>
+                    </p:cTn>
+                  </p:par>
+                  <p:par>
+                    <p:cTn id="24" fill="hold">
+                      <p:stCondLst>
+                        <p:cond delay="indefinite"/>
+                      </p:stCondLst>
+                      <p:childTnLst>
+                        <p:par>
+                          <p:cTn id="25" fill="hold">
+                            <p:stCondLst>
+                              <p:cond delay="0"/>
+                            </p:stCondLst>
+                            <p:childTnLst>
+                              <p:par>
+                                <p:cTn id="26" presetID="22" presetClass="entr" presetSubtype="4" fill="hold" nodeType="clickEffect">
+                                  <p:stCondLst>
+                                    <p:cond delay="0"/>
+                                  </p:stCondLst>
+                                  <p:childTnLst>
+                                    <p:set>
+                                      <p:cBhvr>
+                                        <p:cTn id="27" dur="1" fill="hold">
+                                          <p:stCondLst>
+                                            <p:cond delay="0"/>
+                                          </p:stCondLst>
+                                        </p:cTn>
+                                        <p:tgtEl>
+                                          <p:spTgt spid="25"/>
+                                        </p:tgtEl>
+                                        <p:attrNameLst>
+                                          <p:attrName>style.visibility</p:attrName>
+                                        </p:attrNameLst>
+                                      </p:cBhvr>
+                                      <p:to>
+                                        <p:strVal val="visible"/>
+                                      </p:to>
+                                    </p:set>
+                                    <p:animEffect transition="in" filter="wipe(down)">
+                                      <p:cBhvr>
+                                        <p:cTn id="28" dur="500"/>
+                                        <p:tgtEl>
+                                          <p:spTgt spid="25"/>
+                                        </p:tgtEl>
+                                      </p:cBhvr>
+                                    </p:animEffect>
+                                  </p:childTnLst>
+                                </p:cTn>
+                              </p:par>
+                              <p:par>
+                                <p:cTn id="29" presetID="22" presetClass="entr" presetSubtype="4" fill="hold" grpId="0" nodeType="withEffect">
+                                  <p:stCondLst>
+                                    <p:cond delay="0"/>
+                                  </p:stCondLst>
+                                  <p:childTnLst>
+                                    <p:set>
+                                      <p:cBhvr>
+                                        <p:cTn id="30" dur="1" fill="hold">
+                                          <p:stCondLst>
+                                            <p:cond delay="0"/>
+                                          </p:stCondLst>
+                                        </p:cTn>
+                                        <p:tgtEl>
+                                          <p:spTgt spid="24"/>
+                                        </p:tgtEl>
+                                        <p:attrNameLst>
+                                          <p:attrName>style.visibility</p:attrName>
+                                        </p:attrNameLst>
+                                      </p:cBhvr>
+                                      <p:to>
+                                        <p:strVal val="visible"/>
+                                      </p:to>
+                                    </p:set>
+                                    <p:animEffect transition="in" filter="wipe(down)">
+                                      <p:cBhvr>
+                                        <p:cTn id="31" dur="500"/>
+                                        <p:tgtEl>
+                                          <p:spTgt spid="24"/>
+                                        </p:tgtEl>
+                                      </p:cBhvr>
+                                    </p:animEffect>
+                                  </p:childTnLst>
+                                </p:cTn>
+                              </p:par>
+                            </p:childTnLst>
+                          </p:cTn>
+                        </p:par>
+                      </p:childTnLst>
+                    </p:cTn>
+                  </p:par>
+                  <p:par>
+                    <p:cTn id="32" fill="hold">
+                      <p:stCondLst>
+                        <p:cond delay="indefinite"/>
+                      </p:stCondLst>
+                      <p:childTnLst>
+                        <p:par>
+                          <p:cTn id="33" fill="hold">
+                            <p:stCondLst>
+                              <p:cond delay="0"/>
+                            </p:stCondLst>
+                            <p:childTnLst>
+                              <p:par>
+                                <p:cTn id="34" presetID="22" presetClass="entr" presetSubtype="4" fill="hold" nodeType="clickEffect">
+                                  <p:stCondLst>
+                                    <p:cond delay="0"/>
+                                  </p:stCondLst>
+                                  <p:childTnLst>
+                                    <p:set>
+                                      <p:cBhvr>
+                                        <p:cTn id="35" dur="1" fill="hold">
+                                          <p:stCondLst>
+                                            <p:cond delay="0"/>
+                                          </p:stCondLst>
+                                        </p:cTn>
+                                        <p:tgtEl>
+                                          <p:spTgt spid="26"/>
+                                        </p:tgtEl>
+                                        <p:attrNameLst>
+                                          <p:attrName>style.visibility</p:attrName>
+                                        </p:attrNameLst>
+                                      </p:cBhvr>
+                                      <p:to>
+                                        <p:strVal val="visible"/>
+                                      </p:to>
+                                    </p:set>
+                                    <p:animEffect transition="in" filter="wipe(down)">
+                                      <p:cBhvr>
+                                        <p:cTn id="36" dur="500"/>
+                                        <p:tgtEl>
+                                          <p:spTgt spid="26"/>
+                                        </p:tgtEl>
+                                      </p:cBhvr>
+                                    </p:animEffect>
+                                  </p:childTnLst>
+                                </p:cTn>
+                              </p:par>
+                              <p:par>
+                                <p:cTn id="37" presetID="22" presetClass="entr" presetSubtype="4" fill="hold" grpId="0" nodeType="withEffect">
+                                  <p:stCondLst>
+                                    <p:cond delay="0"/>
+                                  </p:stCondLst>
+                                  <p:childTnLst>
+                                    <p:set>
+                                      <p:cBhvr>
+                                        <p:cTn id="38" dur="1" fill="hold">
+                                          <p:stCondLst>
+                                            <p:cond delay="0"/>
+                                          </p:stCondLst>
+                                        </p:cTn>
+                                        <p:tgtEl>
+                                          <p:spTgt spid="27"/>
+                                        </p:tgtEl>
+                                        <p:attrNameLst>
+                                          <p:attrName>style.visibility</p:attrName>
+                                        </p:attrNameLst>
+                                      </p:cBhvr>
+                                      <p:to>
+                                        <p:strVal val="visible"/>
+                                      </p:to>
+                                    </p:set>
+                                    <p:animEffect transition="in" filter="wipe(down)">
+                                      <p:cBhvr>
+                                        <p:cTn id="39" dur="500"/>
+                                        <p:tgtEl>
+                                          <p:spTgt spid="27"/>
+                                        </p:tgtEl>
+                                      </p:cBhvr>
+                                    </p:animEffect>
+                                  </p:childTnLst>
+                                </p:cTn>
+                              </p:par>
+                            </p:childTnLst>
+                          </p:cTn>
+                        </p:par>
+                      </p:childTnLst>
+                    </p:cTn>
+                  </p:par>
+                  <p:par>
+                    <p:cTn id="40" fill="hold">
+                      <p:stCondLst>
+                        <p:cond delay="indefinite"/>
+                      </p:stCondLst>
+                      <p:childTnLst>
+                        <p:par>
+                          <p:cTn id="41" fill="hold">
+                            <p:stCondLst>
+                              <p:cond delay="0"/>
+                            </p:stCondLst>
+                            <p:childTnLst>
+                              <p:par>
+                                <p:cTn id="42" presetID="22" presetClass="entr" presetSubtype="4" fill="hold" grpId="0" nodeType="clickEffect">
+                                  <p:stCondLst>
+                                    <p:cond delay="0"/>
+                                  </p:stCondLst>
+                                  <p:childTnLst>
+                                    <p:set>
+                                      <p:cBhvr>
+                                        <p:cTn id="43" dur="1" fill="hold">
+                                          <p:stCondLst>
+                                            <p:cond delay="0"/>
+                                          </p:stCondLst>
+                                        </p:cTn>
+                                        <p:tgtEl>
+                                          <p:spTgt spid="18">
+                                            <p:txEl>
+                                              <p:pRg st="0" end="0"/>
+                                            </p:txEl>
+                                          </p:spTgt>
+                                        </p:tgtEl>
+                                        <p:attrNameLst>
+                                          <p:attrName>style.visibility</p:attrName>
+                                        </p:attrNameLst>
+                                      </p:cBhvr>
+                                      <p:to>
+                                        <p:strVal val="visible"/>
+                                      </p:to>
+                                    </p:set>
+                                    <p:animEffect transition="in" filter="wipe(down)">
+                                      <p:cBhvr>
+                                        <p:cTn id="44" dur="500"/>
+                                        <p:tgtEl>
+                                          <p:spTgt spid="18">
+                                            <p:txEl>
+                                              <p:pRg st="0" end="0"/>
+                                            </p:txEl>
+                                          </p:spTgt>
+                                        </p:tgtEl>
+                                      </p:cBhvr>
+                                    </p:animEffect>
+                                  </p:childTnLst>
+                                </p:cTn>
+                              </p:par>
+                            </p:childTnLst>
+                          </p:cTn>
+                        </p:par>
+                      </p:childTnLst>
+                    </p:cTn>
+                  </p:par>
+                  <p:par>
+                    <p:cTn id="45" fill="hold">
+                      <p:stCondLst>
+                        <p:cond delay="indefinite"/>
+                      </p:stCondLst>
+                      <p:childTnLst>
+                        <p:par>
+                          <p:cTn id="46" fill="hold">
+                            <p:stCondLst>
+                              <p:cond delay="0"/>
+                            </p:stCondLst>
+                            <p:childTnLst>
+                              <p:par>
+                                <p:cTn id="47" presetID="22" presetClass="entr" presetSubtype="4" fill="hold" nodeType="clickEffect">
+                                  <p:stCondLst>
+                                    <p:cond delay="0"/>
+                                  </p:stCondLst>
+                                  <p:childTnLst>
+                                    <p:set>
+                                      <p:cBhvr>
+                                        <p:cTn id="48" dur="1" fill="hold">
+                                          <p:stCondLst>
+                                            <p:cond delay="0"/>
+                                          </p:stCondLst>
+                                        </p:cTn>
+                                        <p:tgtEl>
+                                          <p:spTgt spid="19"/>
+                                        </p:tgtEl>
+                                        <p:attrNameLst>
+                                          <p:attrName>style.visibility</p:attrName>
+                                        </p:attrNameLst>
+                                      </p:cBhvr>
+                                      <p:to>
+                                        <p:strVal val="visible"/>
+                                      </p:to>
+                                    </p:set>
+                                    <p:animEffect transition="in" filter="wipe(down)">
+                                      <p:cBhvr>
+                                        <p:cTn id="49" dur="500"/>
+                                        <p:tgtEl>
+                                          <p:spTgt spid="19"/>
+                                        </p:tgtEl>
+                                      </p:cBhvr>
+                                    </p:animEffect>
+                                  </p:childTnLst>
+                                </p:cTn>
+                              </p:par>
+                              <p:par>
+                                <p:cTn id="50" presetID="22" presetClass="entr" presetSubtype="4" fill="hold" grpId="0" nodeType="withEffect">
+                                  <p:stCondLst>
+                                    <p:cond delay="0"/>
+                                  </p:stCondLst>
+                                  <p:childTnLst>
+                                    <p:set>
+                                      <p:cBhvr>
+                                        <p:cTn id="51" dur="1" fill="hold">
+                                          <p:stCondLst>
+                                            <p:cond delay="0"/>
+                                          </p:stCondLst>
+                                        </p:cTn>
+                                        <p:tgtEl>
+                                          <p:spTgt spid="29"/>
+                                        </p:tgtEl>
+                                        <p:attrNameLst>
+                                          <p:attrName>style.visibility</p:attrName>
+                                        </p:attrNameLst>
+                                      </p:cBhvr>
+                                      <p:to>
+                                        <p:strVal val="visible"/>
+                                      </p:to>
+                                    </p:set>
+                                    <p:animEffect transition="in" filter="wipe(down)">
+                                      <p:cBhvr>
+                                        <p:cTn id="52" dur="500"/>
+                                        <p:tgtEl>
+                                          <p:spTgt spid="29"/>
+                                        </p:tgtEl>
+                                      </p:cBhvr>
+                                    </p:animEffect>
+                                  </p:childTnLst>
+                                </p:cTn>
+                              </p:par>
+                            </p:childTnLst>
+                          </p:cTn>
+                        </p:par>
+                      </p:childTnLst>
+                    </p:cTn>
+                  </p:par>
+                </p:childTnLst>
+              </p:cTn>
+              <p:prevCondLst>
+                <p:cond evt="onPrev" delay="0">
+                  <p:tgtEl>
+                    <p:sldTgt/>
+                  </p:tgtEl>
+                </p:cond>
+              </p:prevCondLst>
+              <p:nextCondLst>
+                <p:cond evt="onNext" delay="0">
+                  <p:tgtEl>
+                    <p:sldTgt/>
+                  </p:tgtEl>
+                </p:cond>
+              </p:nextCondLst>
+            </p:seq>
+          </p:childTnLst>
+        </p:cTn>
+      </p:par>
+    </p:tnLst>
+    <p:bldLst>
+      <p:bldP spid="17" grpId="0" build="allAtOnce"/>
+      <p:bldP spid="18" grpId="0" build="allAtOnce"/>
+      <p:bldP spid="23" grpId="0" build="allAtOnce"/>
+      <p:bldP spid="24" grpId="0"/>
+      <p:bldP spid="27" grpId="0"/>
+      <p:bldP spid="28" grpId="0"/>
+      <p:bldP spid="29" grpId="0"/>
+    </p:bldLst>
+  </p:timing>
+</p:sld>
+</file>
+
+<file path=ppt/slides/slide15.xml><?xml version="1.0" encoding="utf-8"?>
+<p:sld xmlns:a="http://schemas.openxmlformats.org/drawingml/2006/main" xmlns:r="http://schemas.openxmlformats.org/officeDocument/2006/relationships" xmlns:p="http://schemas.openxmlformats.org/presentationml/2006/main">
+  <p:cSld>
+    <p:spTree>
+      <p:nvGrpSpPr>
+        <p:cNvPr id="1" name=""/>
+        <p:cNvGrpSpPr/>
+        <p:nvPr/>
+      </p:nvGrpSpPr>
+      <p:grpSpPr>
+        <a:xfrm>
+          <a:off x="0" y="0"/>
+          <a:ext cx="0" cy="0"/>
+          <a:chOff x="0" y="0"/>
+          <a:chExt cx="0" cy="0"/>
+        </a:xfrm>
+      </p:grpSpPr>
+      <p:sp>
+        <p:nvSpPr>
+          <p:cNvPr id="2" name="Content Placeholder 1"/>
+          <p:cNvSpPr>
+            <a:spLocks noGrp="1"/>
+          </p:cNvSpPr>
+          <p:nvPr>
+            <p:ph idx="1"/>
+          </p:nvPr>
+        </p:nvSpPr>
+        <p:spPr/>
+        <p:txBody>
+          <a:bodyPr/>
+          <a:lstStyle/>
+          <a:p>
+            <a:r>
+              <a:rPr lang="nl-BE" dirty="0" err="1" smtClean="0"/>
+              <a:t>Event</a:t>
+            </a:r>
+            <a:r>
+              <a:rPr lang="nl-BE" dirty="0" smtClean="0"/>
+              <a:t> </a:t>
+            </a:r>
+            <a:r>
+              <a:rPr lang="nl-BE" dirty="0" err="1" smtClean="0"/>
+              <a:t>listeners</a:t>
+            </a:r>
+            <a:endParaRPr lang="nl-BE" dirty="0" smtClean="0"/>
+          </a:p>
+          <a:p>
+            <a:pPr lvl="1"/>
+            <a:r>
+              <a:rPr lang="nl-BE" dirty="0" err="1" smtClean="0"/>
+              <a:t>Auditing</a:t>
+            </a:r>
+            <a:r>
+              <a:rPr lang="nl-BE" dirty="0" smtClean="0"/>
+              <a:t> </a:t>
+            </a:r>
+            <a:r>
+              <a:rPr lang="nl-BE" dirty="0" err="1" smtClean="0"/>
+              <a:t>event</a:t>
+            </a:r>
+            <a:r>
+              <a:rPr lang="nl-BE" dirty="0" smtClean="0"/>
+              <a:t> </a:t>
+            </a:r>
+            <a:r>
+              <a:rPr lang="nl-BE" dirty="0" err="1" smtClean="0"/>
+              <a:t>listener</a:t>
+            </a:r>
+            <a:endParaRPr lang="nl-BE" dirty="0" smtClean="0"/>
+          </a:p>
+          <a:p>
+            <a:pPr lvl="1"/>
+            <a:r>
+              <a:rPr lang="nl-BE" dirty="0" smtClean="0"/>
+              <a:t>Demo 7</a:t>
+            </a:r>
+          </a:p>
+          <a:p>
+            <a:pPr lvl="1"/>
+            <a:endParaRPr lang="nl-BE" dirty="0" smtClean="0"/>
+          </a:p>
+          <a:p>
+            <a:r>
+              <a:rPr lang="nl-BE" dirty="0" smtClean="0"/>
+              <a:t>Interceptors</a:t>
+            </a:r>
+          </a:p>
+          <a:p>
+            <a:pPr lvl="1"/>
+            <a:r>
+              <a:rPr lang="nl-BE" dirty="0" err="1" smtClean="0"/>
+              <a:t>Don’t</a:t>
+            </a:r>
+            <a:r>
+              <a:rPr lang="nl-BE" dirty="0" smtClean="0"/>
+              <a:t> </a:t>
+            </a:r>
+            <a:r>
+              <a:rPr lang="nl-BE" dirty="0" err="1" smtClean="0"/>
+              <a:t>hurt</a:t>
+            </a:r>
+            <a:r>
+              <a:rPr lang="nl-BE" dirty="0" smtClean="0"/>
+              <a:t> me!</a:t>
+            </a:r>
+          </a:p>
+          <a:p>
+            <a:pPr lvl="1"/>
+            <a:r>
+              <a:rPr lang="nl-BE" dirty="0" smtClean="0"/>
+              <a:t>Demo 7</a:t>
+            </a:r>
+          </a:p>
+        </p:txBody>
+      </p:sp>
+      <p:sp>
+        <p:nvSpPr>
+          <p:cNvPr id="3" name="Date Placeholder 2"/>
+          <p:cNvSpPr>
+            <a:spLocks noGrp="1"/>
+          </p:cNvSpPr>
+          <p:nvPr>
+            <p:ph type="dt" sz="half" idx="10"/>
+          </p:nvPr>
+        </p:nvSpPr>
+        <p:spPr/>
+        <p:txBody>
+          <a:bodyPr/>
+          <a:lstStyle/>
+          <a:p>
+            <a:fld id="{DBF0DA3E-2D0E-44FA-B999-D46FE1732693}" type="datetime2">
+              <a:rPr lang="nl-BE" smtClean="0"/>
+              <a:pPr/>
+              <a:t>donderdag 21 juni 2012</a:t>
+            </a:fld>
+            <a:endParaRPr lang="en-US" dirty="0"/>
+          </a:p>
+        </p:txBody>
+      </p:sp>
+      <p:sp>
+        <p:nvSpPr>
+          <p:cNvPr id="4" name="Footer Placeholder 3"/>
+          <p:cNvSpPr>
+            <a:spLocks noGrp="1"/>
+          </p:cNvSpPr>
+          <p:nvPr>
+            <p:ph type="ftr" sz="quarter" idx="11"/>
+          </p:nvPr>
+        </p:nvSpPr>
+        <p:spPr/>
+        <p:txBody>
+          <a:bodyPr/>
+          <a:lstStyle/>
+          <a:p>
+            <a:endParaRPr lang="en-US" dirty="0"/>
+          </a:p>
+        </p:txBody>
+      </p:sp>
+      <p:sp>
+        <p:nvSpPr>
+          <p:cNvPr id="5" name="Slide Number Placeholder 4"/>
+          <p:cNvSpPr>
+            <a:spLocks noGrp="1"/>
+          </p:cNvSpPr>
+          <p:nvPr>
+            <p:ph type="sldNum" sz="quarter" idx="12"/>
+          </p:nvPr>
+        </p:nvSpPr>
+        <p:spPr/>
+        <p:txBody>
+          <a:bodyPr/>
+          <a:lstStyle/>
+          <a:p>
+            <a:fld id="{B6F15528-21DE-4FAA-801E-634DDDAF4B2B}" type="slidenum">
+              <a:rPr lang="en-US" smtClean="0"/>
+              <a:pPr/>
+              <a:t>15</a:t>
             </a:fld>
             <a:endParaRPr lang="en-US" dirty="0"/>
           </a:p>
@@ -3111,7 +5070,7 @@
 </p:sld>
 </file>
 
-<file path=ppt/slides/slide13.xml><?xml version="1.0" encoding="utf-8"?>
+<file path=ppt/slides/slide16.xml><?xml version="1.0" encoding="utf-8"?>
 <p:sld xmlns:a="http://schemas.openxmlformats.org/drawingml/2006/main" xmlns:r="http://schemas.openxmlformats.org/officeDocument/2006/relationships" xmlns:p="http://schemas.openxmlformats.org/presentationml/2006/main">
   <p:cSld>
     <p:spTree>
@@ -3204,7 +5163,7 @@
             <a:fld id="{DBF0DA3E-2D0E-44FA-B999-D46FE1732693}" type="datetime2">
               <a:rPr lang="nl-BE" smtClean="0"/>
               <a:pPr/>
-              <a:t>donderdag 14 juni 2012</a:t>
+              <a:t>donderdag 21 juni 2012</a:t>
             </a:fld>
             <a:endParaRPr lang="en-US" dirty="0"/>
           </a:p>
@@ -3247,7 +5206,7 @@
             <a:fld id="{B6F15528-21DE-4FAA-801E-634DDDAF4B2B}" type="slidenum">
               <a:rPr lang="en-US" smtClean="0"/>
               <a:pPr/>
-              <a:t>13</a:t>
+              <a:t>16</a:t>
             </a:fld>
             <a:endParaRPr lang="en-US" dirty="0"/>
           </a:p>
@@ -3294,7 +5253,7 @@
 </p:sld>
 </file>
 
-<file path=ppt/slides/slide14.xml><?xml version="1.0" encoding="utf-8"?>
+<file path=ppt/slides/slide17.xml><?xml version="1.0" encoding="utf-8"?>
 <p:sld xmlns:a="http://schemas.openxmlformats.org/drawingml/2006/main" xmlns:r="http://schemas.openxmlformats.org/officeDocument/2006/relationships" xmlns:p="http://schemas.openxmlformats.org/presentationml/2006/main">
   <p:cSld>
     <p:spTree>
@@ -3456,7 +5415,7 @@
             <a:fld id="{DBF0DA3E-2D0E-44FA-B999-D46FE1732693}" type="datetime2">
               <a:rPr lang="nl-BE" smtClean="0"/>
               <a:pPr/>
-              <a:t>donderdag 14 juni 2012</a:t>
+              <a:t>donderdag 21 juni 2012</a:t>
             </a:fld>
             <a:endParaRPr lang="en-US" dirty="0"/>
           </a:p>
@@ -3875,7 +5834,7 @@
             <a:fld id="{DBF0DA3E-2D0E-44FA-B999-D46FE1732693}" type="datetime2">
               <a:rPr lang="nl-BE" smtClean="0"/>
               <a:pPr/>
-              <a:t>donderdag 14 juni 2012</a:t>
+              <a:t>donderdag 21 juni 2012</a:t>
             </a:fld>
             <a:endParaRPr lang="en-US" dirty="0"/>
           </a:p>
@@ -3998,14 +5957,55 @@
           <a:p>
             <a:r>
               <a:rPr lang="nl-BE" dirty="0" smtClean="0"/>
-              <a:t>SELECT N+1</a:t>
+              <a:t>Mijn </a:t>
+            </a:r>
+            <a:r>
+              <a:rPr lang="nl-BE" dirty="0" err="1" smtClean="0"/>
+              <a:t>app</a:t>
+            </a:r>
+            <a:r>
+              <a:rPr lang="nl-BE" dirty="0" smtClean="0"/>
+              <a:t> heeft een slechte performance </a:t>
+            </a:r>
+            <a:r>
+              <a:rPr lang="nl-BE" dirty="0" err="1" smtClean="0"/>
+              <a:t>o.w.v</a:t>
+            </a:r>
+            <a:r>
+              <a:rPr lang="nl-BE" dirty="0" smtClean="0"/>
+              <a:t>. NH</a:t>
+            </a:r>
+            <a:r>
+              <a:rPr lang="nl-BE" dirty="0" smtClean="0"/>
+              <a:t>?</a:t>
+            </a:r>
+          </a:p>
+          <a:p>
+            <a:endParaRPr lang="nl-BE" dirty="0" smtClean="0"/>
+          </a:p>
+          <a:p>
+            <a:r>
+              <a:rPr lang="nl-BE" dirty="0" smtClean="0"/>
+              <a:t>Meestal gevolg van SELECT </a:t>
+            </a:r>
+            <a:r>
+              <a:rPr lang="nl-BE" dirty="0" smtClean="0"/>
+              <a:t>N+1</a:t>
             </a:r>
           </a:p>
           <a:p>
             <a:pPr lvl="1"/>
             <a:r>
               <a:rPr lang="nl-BE" dirty="0" smtClean="0"/>
-              <a:t>Veruit het meest voorkomende probleem</a:t>
+              <a:t>Veruit het meest </a:t>
+            </a:r>
+            <a:r>
+              <a:rPr lang="nl-BE" dirty="0" smtClean="0"/>
+              <a:t>voorkomende </a:t>
+            </a:r>
+            <a:r>
+              <a:rPr lang="nl-BE" dirty="0" smtClean="0"/>
+              <a:t>probleem</a:t>
             </a:r>
           </a:p>
           <a:p>
@@ -4056,7 +6056,7 @@
             <a:fld id="{DBF0DA3E-2D0E-44FA-B999-D46FE1732693}" type="datetime2">
               <a:rPr lang="nl-BE" smtClean="0"/>
               <a:pPr/>
-              <a:t>donderdag 14 juni 2012</a:t>
+              <a:t>donderdag 21 juni 2012</a:t>
             </a:fld>
             <a:endParaRPr lang="en-US" dirty="0"/>
           </a:p>
@@ -4138,7 +6138,7 @@
         </p:nvSpPr>
         <p:spPr>
           <a:xfrm>
-            <a:off x="1835696" y="4149080"/>
+            <a:off x="1835696" y="5158933"/>
             <a:ext cx="5605765" cy="646331"/>
           </a:xfrm>
           <a:prstGeom prst="rect">
@@ -4397,7 +6397,7 @@
             <a:fld id="{DBF0DA3E-2D0E-44FA-B999-D46FE1732693}" type="datetime2">
               <a:rPr lang="nl-BE" smtClean="0"/>
               <a:pPr/>
-              <a:t>donderdag 14 juni 2012</a:t>
+              <a:t>donderdag 21 juni 2012</a:t>
             </a:fld>
             <a:endParaRPr lang="en-US" dirty="0"/>
           </a:p>
@@ -4516,7 +6516,9 @@
         </p:nvSpPr>
         <p:spPr/>
         <p:txBody>
-          <a:bodyPr/>
+          <a:bodyPr>
+            <a:normAutofit/>
+          </a:bodyPr>
           <a:lstStyle/>
           <a:p>
             <a:r>
@@ -4618,57 +6620,79 @@
             <a:endParaRPr lang="nl-BE" dirty="0" smtClean="0"/>
           </a:p>
           <a:p>
+            <a:pPr>
+              <a:buNone/>
+            </a:pPr>
+            <a:endParaRPr lang="nl-BE" dirty="0" smtClean="0"/>
+          </a:p>
+          <a:p>
+            <a:r>
+              <a:rPr lang="nl-BE" dirty="0" smtClean="0"/>
+              <a:t>Wat is een </a:t>
+            </a:r>
+            <a:r>
+              <a:rPr lang="nl-BE" dirty="0" err="1" smtClean="0"/>
+              <a:t>primary</a:t>
+            </a:r>
+            <a:r>
+              <a:rPr lang="nl-BE" dirty="0" smtClean="0"/>
+              <a:t> </a:t>
+            </a:r>
+            <a:r>
+              <a:rPr lang="nl-BE" dirty="0" err="1" smtClean="0"/>
+              <a:t>key</a:t>
+            </a:r>
+            <a:endParaRPr lang="nl-BE" dirty="0" smtClean="0"/>
+          </a:p>
+          <a:p>
             <a:pPr lvl="1"/>
+            <a:r>
+              <a:rPr lang="nl-BE" dirty="0" smtClean="0"/>
+              <a:t>Meestal </a:t>
+            </a:r>
+            <a:r>
+              <a:rPr lang="nl-BE" dirty="0" err="1" smtClean="0"/>
+              <a:t>clustered</a:t>
+            </a:r>
+            <a:r>
+              <a:rPr lang="nl-BE" dirty="0" smtClean="0"/>
+              <a:t> </a:t>
+            </a:r>
+            <a:r>
+              <a:rPr lang="nl-BE" dirty="0" smtClean="0"/>
+              <a:t>index</a:t>
+            </a:r>
+          </a:p>
+          <a:p>
+            <a:pPr lvl="1"/>
+            <a:r>
+              <a:rPr lang="nl-BE" dirty="0" smtClean="0"/>
+              <a:t>Records worden bewaard volgens volgorde van deze index</a:t>
+            </a:r>
             <a:endParaRPr lang="nl-BE" dirty="0" smtClean="0"/>
           </a:p>
           <a:p>
-            <a:r>
-              <a:rPr lang="nl-BE" dirty="0" smtClean="0"/>
-              <a:t>Beste keuze: </a:t>
-            </a:r>
-            <a:r>
-              <a:rPr lang="nl-BE" dirty="0" err="1" smtClean="0"/>
-              <a:t>guid.comb</a:t>
-            </a:r>
-            <a:r>
-              <a:rPr lang="nl-BE" dirty="0" smtClean="0"/>
-              <a:t>, </a:t>
-            </a:r>
-            <a:r>
-              <a:rPr lang="nl-BE" dirty="0" err="1" smtClean="0"/>
-              <a:t>hilo</a:t>
-            </a:r>
-            <a:endParaRPr lang="nl-BE" dirty="0" smtClean="0"/>
-          </a:p>
-          <a:p>
             <a:pPr lvl="1"/>
             <a:r>
-              <a:rPr lang="nl-BE" dirty="0" smtClean="0"/>
-              <a:t>PK = meestal </a:t>
-            </a:r>
-            <a:r>
-              <a:rPr lang="nl-BE" dirty="0" err="1" smtClean="0"/>
-              <a:t>clustered</a:t>
-            </a:r>
-            <a:r>
-              <a:rPr lang="nl-BE" dirty="0" smtClean="0"/>
-              <a:t> index</a:t>
+              <a:rPr lang="nl-BE" dirty="0" err="1" smtClean="0"/>
+              <a:t>F</a:t>
+            </a:r>
+            <a:r>
+              <a:rPr lang="nl-BE" dirty="0" err="1" smtClean="0"/>
+              <a:t>ragmentation</a:t>
+            </a:r>
+            <a:r>
+              <a:rPr lang="nl-BE" dirty="0" smtClean="0"/>
+              <a:t> </a:t>
+            </a:r>
+            <a:r>
+              <a:rPr lang="nl-BE" dirty="0" smtClean="0"/>
+              <a:t>beperken</a:t>
             </a:r>
           </a:p>
           <a:p>
             <a:pPr lvl="1"/>
             <a:r>
-              <a:rPr lang="nl-BE" dirty="0" err="1" smtClean="0"/>
-              <a:t>Fragmentation</a:t>
-            </a:r>
-            <a:r>
-              <a:rPr lang="nl-BE" dirty="0" smtClean="0"/>
-              <a:t> beperken</a:t>
-            </a:r>
-          </a:p>
-          <a:p>
-            <a:pPr lvl="1"/>
-            <a:r>
               <a:rPr lang="nl-BE" dirty="0" smtClean="0"/>
               <a:t>Gebruik </a:t>
             </a:r>
@@ -4684,73 +6708,6 @@
               <a:rPr lang="nl-BE" dirty="0" err="1" smtClean="0"/>
               <a:t>keys</a:t>
             </a:r>
-            <a:r>
-              <a:rPr lang="nl-BE" dirty="0" smtClean="0"/>
-              <a:t>: demo 3</a:t>
-            </a:r>
-          </a:p>
-          <a:p>
-            <a:pPr lvl="2"/>
-            <a:r>
-              <a:rPr lang="nl-BE" dirty="0" err="1" smtClean="0"/>
-              <a:t>Guid.comb</a:t>
-            </a:r>
-            <a:r>
-              <a:rPr lang="nl-BE" dirty="0" smtClean="0"/>
-              <a:t>: </a:t>
-            </a:r>
-            <a:r>
-              <a:rPr lang="nl-BE" dirty="0" err="1" smtClean="0"/>
-              <a:t>sequenciële</a:t>
-            </a:r>
-            <a:r>
-              <a:rPr lang="nl-BE" dirty="0" smtClean="0"/>
-              <a:t> </a:t>
-            </a:r>
-            <a:r>
-              <a:rPr lang="nl-BE" dirty="0" err="1" smtClean="0"/>
-              <a:t>guid</a:t>
-            </a:r>
-            <a:endParaRPr lang="nl-BE" dirty="0" smtClean="0"/>
-          </a:p>
-          <a:p>
-            <a:pPr lvl="2"/>
-            <a:r>
-              <a:rPr lang="nl-BE" dirty="0" err="1" smtClean="0"/>
-              <a:t>Hilo</a:t>
-            </a:r>
-            <a:r>
-              <a:rPr lang="nl-BE" dirty="0" smtClean="0"/>
-              <a:t>: ranges van </a:t>
-            </a:r>
-            <a:r>
-              <a:rPr lang="nl-BE" dirty="0" err="1" smtClean="0"/>
-              <a:t>sequenciële</a:t>
-            </a:r>
-            <a:r>
-              <a:rPr lang="nl-BE" dirty="0" smtClean="0"/>
-              <a:t> integer per </a:t>
-            </a:r>
-            <a:r>
-              <a:rPr lang="nl-BE" dirty="0" err="1" smtClean="0"/>
-              <a:t>session</a:t>
-            </a:r>
-            <a:r>
-              <a:rPr lang="nl-BE" dirty="0" smtClean="0"/>
-              <a:t> </a:t>
-            </a:r>
-            <a:r>
-              <a:rPr lang="nl-BE" dirty="0" err="1" smtClean="0"/>
-              <a:t>factory</a:t>
-            </a:r>
-            <a:endParaRPr lang="nl-BE" dirty="0" smtClean="0"/>
-          </a:p>
-          <a:p>
-            <a:pPr lvl="1"/>
-            <a:endParaRPr lang="nl-BE" dirty="0" smtClean="0"/>
-          </a:p>
-          <a:p>
-            <a:pPr lvl="1"/>
             <a:endParaRPr lang="nl-BE" dirty="0" smtClean="0"/>
           </a:p>
         </p:txBody>
@@ -4773,7 +6730,7 @@
             <a:fld id="{DBF0DA3E-2D0E-44FA-B999-D46FE1732693}" type="datetime2">
               <a:rPr lang="nl-BE" smtClean="0"/>
               <a:pPr/>
-              <a:t>donderdag 14 juni 2012</a:t>
+              <a:t>donderdag 21 juni 2012</a:t>
             </a:fld>
             <a:endParaRPr lang="en-US" dirty="0"/>
           </a:p>
@@ -4896,6 +6853,89 @@
           <a:p>
             <a:pPr algn="ctr"/>
             <a:endParaRPr lang="nl-BE"/>
+          </a:p>
+        </p:txBody>
+      </p:sp>
+      <p:cxnSp>
+        <p:nvCxnSpPr>
+          <p:cNvPr id="9" name="Elbow Connector 8"/>
+          <p:cNvCxnSpPr/>
+          <p:nvPr/>
+        </p:nvCxnSpPr>
+        <p:spPr>
+          <a:xfrm rot="16200000" flipH="1">
+            <a:off x="2195736" y="2348880"/>
+            <a:ext cx="864096" cy="864096"/>
+          </a:xfrm>
+          <a:prstGeom prst="bentConnector3">
+            <a:avLst>
+              <a:gd name="adj1" fmla="val 99798"/>
+            </a:avLst>
+          </a:prstGeom>
+          <a:ln>
+            <a:tailEnd type="arrow"/>
+          </a:ln>
+        </p:spPr>
+        <p:style>
+          <a:lnRef idx="1">
+            <a:schemeClr val="accent1"/>
+          </a:lnRef>
+          <a:fillRef idx="0">
+            <a:schemeClr val="accent1"/>
+          </a:fillRef>
+          <a:effectRef idx="0">
+            <a:schemeClr val="accent1"/>
+          </a:effectRef>
+          <a:fontRef idx="minor">
+            <a:schemeClr val="tx1"/>
+          </a:fontRef>
+        </p:style>
+      </p:cxnSp>
+      <p:sp>
+        <p:nvSpPr>
+          <p:cNvPr id="11" name="TextBox 10"/>
+          <p:cNvSpPr txBox="1"/>
+          <p:nvPr/>
+        </p:nvSpPr>
+        <p:spPr>
+          <a:xfrm>
+            <a:off x="3131840" y="3059668"/>
+            <a:ext cx="4536504" cy="369332"/>
+          </a:xfrm>
+          <a:prstGeom prst="rect">
+            <a:avLst/>
+          </a:prstGeom>
+          <a:solidFill>
+            <a:schemeClr val="accent1"/>
+          </a:solidFill>
+        </p:spPr>
+        <p:txBody>
+          <a:bodyPr wrap="square" rtlCol="0">
+            <a:spAutoFit/>
+          </a:bodyPr>
+          <a:lstStyle/>
+          <a:p>
+            <a:r>
+              <a:rPr lang="nl-BE" dirty="0" smtClean="0">
+                <a:solidFill>
+                  <a:schemeClr val="bg1"/>
+                </a:solidFill>
+              </a:rPr>
+              <a:t>Extra selects, performance loss, geen </a:t>
+            </a:r>
+            <a:r>
+              <a:rPr lang="nl-BE" dirty="0" err="1" smtClean="0">
+                <a:solidFill>
+                  <a:schemeClr val="bg1"/>
+                </a:solidFill>
+              </a:rPr>
+              <a:t>batching</a:t>
+            </a:r>
+            <a:endParaRPr lang="nl-BE" dirty="0">
+              <a:solidFill>
+                <a:schemeClr val="bg1"/>
+              </a:solidFill>
+            </a:endParaRPr>
           </a:p>
         </p:txBody>
       </p:sp>
@@ -4960,41 +7000,97 @@
                                   </p:childTnLst>
                                 </p:cTn>
                               </p:par>
-                            </p:childTnLst>
-                          </p:cTn>
-                        </p:par>
-                      </p:childTnLst>
-                    </p:cTn>
-                  </p:par>
-                  <p:par>
-                    <p:cTn id="8" fill="hold">
-                      <p:stCondLst>
-                        <p:cond delay="indefinite"/>
-                      </p:stCondLst>
-                      <p:childTnLst>
-                        <p:par>
-                          <p:cTn id="9" fill="hold">
-                            <p:stCondLst>
-                              <p:cond delay="0"/>
-                            </p:stCondLst>
-                            <p:childTnLst>
                               <p:par>
-                                <p:cTn id="10" presetID="22" presetClass="entr" presetSubtype="4" fill="hold" grpId="0" nodeType="clickEffect">
+                                <p:cTn id="8" presetID="22" presetClass="entr" presetSubtype="4" fill="hold" nodeType="withEffect">
                                   <p:stCondLst>
                                     <p:cond delay="0"/>
                                   </p:stCondLst>
                                   <p:childTnLst>
                                     <p:set>
                                       <p:cBhvr>
-                                        <p:cTn id="11" dur="1" fill="hold">
+                                        <p:cTn id="9" dur="1" fill="hold">
                                           <p:stCondLst>
                                             <p:cond delay="0"/>
                                           </p:stCondLst>
                                         </p:cTn>
                                         <p:tgtEl>
-                                          <p:spTgt spid="2">
+                                          <p:spTgt spid="9"/>
+                                        </p:tgtEl>
+                                        <p:attrNameLst>
+                                          <p:attrName>style.visibility</p:attrName>
+                                        </p:attrNameLst>
+                                      </p:cBhvr>
+                                      <p:to>
+                                        <p:strVal val="visible"/>
+                                      </p:to>
+                                    </p:set>
+                                    <p:animEffect transition="in" filter="wipe(down)">
+                                      <p:cBhvr>
+                                        <p:cTn id="10" dur="500"/>
+                                        <p:tgtEl>
+                                          <p:spTgt spid="9"/>
+                                        </p:tgtEl>
+                                      </p:cBhvr>
+                                    </p:animEffect>
+                                  </p:childTnLst>
+                                </p:cTn>
+                              </p:par>
+                              <p:par>
+                                <p:cTn id="11" presetID="22" presetClass="entr" presetSubtype="4" fill="hold" grpId="0" nodeType="withEffect">
+                                  <p:stCondLst>
+                                    <p:cond delay="0"/>
+                                  </p:stCondLst>
+                                  <p:childTnLst>
+                                    <p:set>
+                                      <p:cBhvr>
+                                        <p:cTn id="12" dur="1" fill="hold">
+                                          <p:stCondLst>
+                                            <p:cond delay="0"/>
+                                          </p:stCondLst>
+                                        </p:cTn>
+                                        <p:tgtEl>
+                                          <p:spTgt spid="11">
+                                            <p:bg/>
+                                          </p:spTgt>
+                                        </p:tgtEl>
+                                        <p:attrNameLst>
+                                          <p:attrName>style.visibility</p:attrName>
+                                        </p:attrNameLst>
+                                      </p:cBhvr>
+                                      <p:to>
+                                        <p:strVal val="visible"/>
+                                      </p:to>
+                                    </p:set>
+                                    <p:animEffect transition="in" filter="wipe(down)">
+                                      <p:cBhvr>
+                                        <p:cTn id="13" dur="500"/>
+                                        <p:tgtEl>
+                                          <p:spTgt spid="11">
+                                            <p:bg/>
+                                          </p:spTgt>
+                                        </p:tgtEl>
+                                      </p:cBhvr>
+                                    </p:animEffect>
+                                  </p:childTnLst>
+                                </p:cTn>
+                              </p:par>
+                              <p:par>
+                                <p:cTn id="14" presetID="22" presetClass="entr" presetSubtype="4" fill="hold" grpId="0" nodeType="withEffect">
+                                  <p:stCondLst>
+                                    <p:cond delay="0"/>
+                                  </p:stCondLst>
+                                  <p:childTnLst>
+                                    <p:set>
+                                      <p:cBhvr>
+                                        <p:cTn id="15" dur="1" fill="hold">
+                                          <p:stCondLst>
+                                            <p:cond delay="0"/>
+                                          </p:stCondLst>
+                                        </p:cTn>
+                                        <p:tgtEl>
+                                          <p:spTgt spid="11">
                                             <p:txEl>
-                                              <p:pRg st="5" end="5"/>
+                                              <p:pRg st="0" end="0"/>
                                             </p:txEl>
                                           </p:spTgt>
                                         </p:tgtEl>
@@ -5008,11 +7104,11 @@
                                     </p:set>
                                     <p:animEffect transition="in" filter="wipe(down)">
                                       <p:cBhvr>
-                                        <p:cTn id="12" dur="500"/>
+                                        <p:cTn id="16" dur="500"/>
                                         <p:tgtEl>
-                                          <p:spTgt spid="2">
+                                          <p:spTgt spid="11">
                                             <p:txEl>
-                                              <p:pRg st="5" end="5"/>
+                                              <p:pRg st="0" end="0"/>
                                             </p:txEl>
                                           </p:spTgt>
                                         </p:tgtEl>
@@ -5021,15 +7117,33 @@
                                   </p:childTnLst>
                                 </p:cTn>
                               </p:par>
+                            </p:childTnLst>
+                          </p:cTn>
+                        </p:par>
+                      </p:childTnLst>
+                    </p:cTn>
+                  </p:par>
+                  <p:par>
+                    <p:cTn id="17" fill="hold">
+                      <p:stCondLst>
+                        <p:cond delay="indefinite"/>
+                      </p:stCondLst>
+                      <p:childTnLst>
+                        <p:par>
+                          <p:cTn id="18" fill="hold">
+                            <p:stCondLst>
+                              <p:cond delay="0"/>
+                            </p:stCondLst>
+                            <p:childTnLst>
                               <p:par>
-                                <p:cTn id="13" presetID="22" presetClass="entr" presetSubtype="4" fill="hold" grpId="0" nodeType="withEffect">
+                                <p:cTn id="19" presetID="22" presetClass="entr" presetSubtype="4" fill="hold" grpId="0" nodeType="clickEffect">
                                   <p:stCondLst>
                                     <p:cond delay="0"/>
                                   </p:stCondLst>
                                   <p:childTnLst>
                                     <p:set>
                                       <p:cBhvr>
-                                        <p:cTn id="14" dur="1" fill="hold">
+                                        <p:cTn id="20" dur="1" fill="hold">
                                           <p:stCondLst>
                                             <p:cond delay="0"/>
                                           </p:stCondLst>
@@ -5051,97 +7165,11 @@
                                     </p:set>
                                     <p:animEffect transition="in" filter="wipe(down)">
                                       <p:cBhvr>
-                                        <p:cTn id="15" dur="500"/>
+                                        <p:cTn id="21" dur="500"/>
                                         <p:tgtEl>
                                           <p:spTgt spid="2">
                                             <p:txEl>
                                               <p:pRg st="6" end="6"/>
-                                            </p:txEl>
-                                          </p:spTgt>
-                                        </p:tgtEl>
-                                      </p:cBhvr>
-                                    </p:animEffect>
-                                  </p:childTnLst>
-                                </p:cTn>
-                              </p:par>
-                              <p:par>
-                                <p:cTn id="16" presetID="22" presetClass="entr" presetSubtype="4" fill="hold" grpId="0" nodeType="withEffect">
-                                  <p:stCondLst>
-                                    <p:cond delay="0"/>
-                                  </p:stCondLst>
-                                  <p:childTnLst>
-                                    <p:set>
-                                      <p:cBhvr>
-                                        <p:cTn id="17" dur="1" fill="hold">
-                                          <p:stCondLst>
-                                            <p:cond delay="0"/>
-                                          </p:stCondLst>
-                                        </p:cTn>
-                                        <p:tgtEl>
-                                          <p:spTgt spid="2">
-                                            <p:txEl>
-                                              <p:pRg st="7" end="7"/>
-                                            </p:txEl>
-                                          </p:spTgt>
-                                        </p:tgtEl>
-                                        <p:attrNameLst>
-                                          <p:attrName>style.visibility</p:attrName>
-                                        </p:attrNameLst>
-                                      </p:cBhvr>
-                                      <p:to>
-                                        <p:strVal val="visible"/>
-                                      </p:to>
-                                    </p:set>
-                                    <p:animEffect transition="in" filter="wipe(down)">
-                                      <p:cBhvr>
-                                        <p:cTn id="18" dur="500"/>
-                                        <p:tgtEl>
-                                          <p:spTgt spid="2">
-                                            <p:txEl>
-                                              <p:pRg st="7" end="7"/>
-                                            </p:txEl>
-                                          </p:spTgt>
-                                        </p:tgtEl>
-                                      </p:cBhvr>
-                                    </p:animEffect>
-                                  </p:childTnLst>
-                                </p:cTn>
-                              </p:par>
-                              <p:par>
-                                <p:cTn id="19" presetID="22" presetClass="entr" presetSubtype="4" fill="hold" grpId="0" nodeType="withEffect">
-                                  <p:stCondLst>
-                                    <p:cond delay="0"/>
-                                  </p:stCondLst>
-                                  <p:childTnLst>
-                                    <p:set>
-                                      <p:cBhvr>
-                                        <p:cTn id="20" dur="1" fill="hold">
-                                          <p:stCondLst>
-                                            <p:cond delay="0"/>
-                                          </p:stCondLst>
-                                        </p:cTn>
-                                        <p:tgtEl>
-                                          <p:spTgt spid="2">
-                                            <p:txEl>
-                                              <p:pRg st="8" end="8"/>
-                                            </p:txEl>
-                                          </p:spTgt>
-                                        </p:tgtEl>
-                                        <p:attrNameLst>
-                                          <p:attrName>style.visibility</p:attrName>
-                                        </p:attrNameLst>
-                                      </p:cBhvr>
-                                      <p:to>
-                                        <p:strVal val="visible"/>
-                                      </p:to>
-                                    </p:set>
-                                    <p:animEffect transition="in" filter="wipe(down)">
-                                      <p:cBhvr>
-                                        <p:cTn id="21" dur="500"/>
-                                        <p:tgtEl>
-                                          <p:spTgt spid="2">
-                                            <p:txEl>
-                                              <p:pRg st="8" end="8"/>
                                             </p:txEl>
                                           </p:spTgt>
                                         </p:tgtEl>
@@ -5166,7 +7194,7 @@
                                         <p:tgtEl>
                                           <p:spTgt spid="2">
                                             <p:txEl>
-                                              <p:pRg st="9" end="9"/>
+                                              <p:pRg st="7" end="7"/>
                                             </p:txEl>
                                           </p:spTgt>
                                         </p:tgtEl>
@@ -5184,7 +7212,7 @@
                                         <p:tgtEl>
                                           <p:spTgt spid="2">
                                             <p:txEl>
-                                              <p:pRg st="9" end="9"/>
+                                              <p:pRg st="7" end="7"/>
                                             </p:txEl>
                                           </p:spTgt>
                                         </p:tgtEl>
@@ -5193,15 +7221,33 @@
                                   </p:childTnLst>
                                 </p:cTn>
                               </p:par>
+                            </p:childTnLst>
+                          </p:cTn>
+                        </p:par>
+                      </p:childTnLst>
+                    </p:cTn>
+                  </p:par>
+                  <p:par>
+                    <p:cTn id="25" fill="hold">
+                      <p:stCondLst>
+                        <p:cond delay="indefinite"/>
+                      </p:stCondLst>
+                      <p:childTnLst>
+                        <p:par>
+                          <p:cTn id="26" fill="hold">
+                            <p:stCondLst>
+                              <p:cond delay="0"/>
+                            </p:stCondLst>
+                            <p:childTnLst>
                               <p:par>
-                                <p:cTn id="25" presetID="22" presetClass="entr" presetSubtype="4" fill="hold" grpId="0" nodeType="withEffect">
+                                <p:cTn id="27" presetID="22" presetClass="entr" presetSubtype="4" fill="hold" grpId="0" nodeType="clickEffect">
                                   <p:stCondLst>
                                     <p:cond delay="0"/>
                                   </p:stCondLst>
                                   <p:childTnLst>
                                     <p:set>
                                       <p:cBhvr>
-                                        <p:cTn id="26" dur="1" fill="hold">
+                                        <p:cTn id="28" dur="1" fill="hold">
                                           <p:stCondLst>
                                             <p:cond delay="0"/>
                                           </p:stCondLst>
@@ -5209,7 +7255,7 @@
                                         <p:tgtEl>
                                           <p:spTgt spid="2">
                                             <p:txEl>
-                                              <p:pRg st="10" end="10"/>
+                                              <p:pRg st="8" end="8"/>
                                             </p:txEl>
                                           </p:spTgt>
                                         </p:tgtEl>
@@ -5223,11 +7269,54 @@
                                     </p:set>
                                     <p:animEffect transition="in" filter="wipe(down)">
                                       <p:cBhvr>
-                                        <p:cTn id="27" dur="500"/>
+                                        <p:cTn id="29" dur="500"/>
                                         <p:tgtEl>
                                           <p:spTgt spid="2">
                                             <p:txEl>
-                                              <p:pRg st="10" end="10"/>
+                                              <p:pRg st="8" end="8"/>
+                                            </p:txEl>
+                                          </p:spTgt>
+                                        </p:tgtEl>
+                                      </p:cBhvr>
+                                    </p:animEffect>
+                                  </p:childTnLst>
+                                </p:cTn>
+                              </p:par>
+                              <p:par>
+                                <p:cTn id="30" presetID="22" presetClass="entr" presetSubtype="4" fill="hold" grpId="0" nodeType="withEffect">
+                                  <p:stCondLst>
+                                    <p:cond delay="0"/>
+                                  </p:stCondLst>
+                                  <p:childTnLst>
+                                    <p:set>
+                                      <p:cBhvr>
+                                        <p:cTn id="31" dur="1" fill="hold">
+                                          <p:stCondLst>
+                                            <p:cond delay="0"/>
+                                          </p:stCondLst>
+                                        </p:cTn>
+                                        <p:tgtEl>
+                                          <p:spTgt spid="2">
+                                            <p:txEl>
+                                              <p:pRg st="9" end="9"/>
+                                            </p:txEl>
+                                          </p:spTgt>
+                                        </p:tgtEl>
+                                        <p:attrNameLst>
+                                          <p:attrName>style.visibility</p:attrName>
+                                        </p:attrNameLst>
+                                      </p:cBhvr>
+                                      <p:to>
+                                        <p:strVal val="visible"/>
+                                      </p:to>
+                                    </p:set>
+                                    <p:animEffect transition="in" filter="wipe(down)">
+                                      <p:cBhvr>
+                                        <p:cTn id="32" dur="500"/>
+                                        <p:tgtEl>
+                                          <p:spTgt spid="2">
+                                            <p:txEl>
+                                              <p:pRg st="9" end="9"/>
                                             </p:txEl>
                                           </p:spTgt>
                                         </p:tgtEl>
@@ -5266,6 +7355,7 @@
     <p:bldLst>
       <p:bldP spid="2" grpId="0" uiExpand="1" build="p"/>
       <p:bldP spid="7" grpId="0" animBg="1"/>
+      <p:bldP spid="11" grpId="0" build="allAtOnce" animBg="1"/>
     </p:bldLst>
   </p:timing>
 </p:sld>
@@ -5300,59 +7390,170 @@
         </p:nvSpPr>
         <p:spPr/>
         <p:txBody>
-          <a:bodyPr/>
-          <a:lstStyle/>
-          <a:p>
-            <a:r>
-              <a:rPr lang="nl-BE" dirty="0" smtClean="0"/>
-              <a:t>Component </a:t>
-            </a:r>
-            <a:r>
-              <a:rPr lang="nl-BE" dirty="0" err="1" smtClean="0"/>
-              <a:t>mapping</a:t>
+          <a:bodyPr>
+            <a:normAutofit/>
+          </a:bodyPr>
+          <a:lstStyle/>
+          <a:p>
+            <a:r>
+              <a:rPr lang="nl-BE" dirty="0" smtClean="0"/>
+              <a:t>Welke opties hebben we?</a:t>
             </a:r>
             <a:endParaRPr lang="nl-BE" dirty="0" smtClean="0"/>
           </a:p>
           <a:p>
             <a:pPr lvl="1"/>
             <a:r>
-              <a:rPr lang="nl-BE" dirty="0" smtClean="0"/>
-              <a:t>Tegenovergestelde van een </a:t>
-            </a:r>
-            <a:r>
-              <a:rPr lang="nl-BE" dirty="0" err="1" smtClean="0"/>
-              <a:t>join</a:t>
+              <a:rPr lang="nl-BE" dirty="0" err="1" smtClean="0"/>
+              <a:t>Guid.comb</a:t>
+            </a:r>
+            <a:r>
+              <a:rPr lang="nl-BE" dirty="0" smtClean="0"/>
+              <a:t>: </a:t>
+            </a:r>
+            <a:r>
+              <a:rPr lang="nl-BE" dirty="0" err="1" smtClean="0"/>
+              <a:t>sequenciële</a:t>
+            </a:r>
+            <a:r>
+              <a:rPr lang="nl-BE" dirty="0" smtClean="0"/>
+              <a:t> </a:t>
+            </a:r>
+            <a:r>
+              <a:rPr lang="nl-BE" dirty="0" err="1" smtClean="0"/>
+              <a:t>guid</a:t>
             </a:r>
             <a:endParaRPr lang="nl-BE" dirty="0" smtClean="0"/>
           </a:p>
           <a:p>
+            <a:pPr lvl="1"/>
+            <a:r>
+              <a:rPr lang="nl-BE" dirty="0" err="1" smtClean="0"/>
+              <a:t>HiLo</a:t>
+            </a:r>
+            <a:r>
+              <a:rPr lang="nl-BE" dirty="0" smtClean="0"/>
+              <a:t>: ranges van </a:t>
+            </a:r>
+            <a:r>
+              <a:rPr lang="nl-BE" dirty="0" err="1" smtClean="0"/>
+              <a:t>sequenciële</a:t>
+            </a:r>
+            <a:r>
+              <a:rPr lang="nl-BE" dirty="0" smtClean="0"/>
+              <a:t> </a:t>
+            </a:r>
+            <a:r>
+              <a:rPr lang="nl-BE" dirty="0" smtClean="0"/>
+              <a:t>integers </a:t>
+            </a:r>
+            <a:r>
+              <a:rPr lang="nl-BE" dirty="0" smtClean="0"/>
+              <a:t>per </a:t>
+            </a:r>
+            <a:r>
+              <a:rPr lang="nl-BE" dirty="0" err="1" smtClean="0"/>
+              <a:t>session</a:t>
+            </a:r>
+            <a:r>
+              <a:rPr lang="nl-BE" dirty="0" smtClean="0"/>
+              <a:t> </a:t>
+            </a:r>
+            <a:r>
+              <a:rPr lang="nl-BE" dirty="0" err="1" smtClean="0"/>
+              <a:t>factory</a:t>
+            </a:r>
+            <a:endParaRPr lang="nl-BE" dirty="0" smtClean="0"/>
+          </a:p>
+          <a:p>
             <a:pPr lvl="2"/>
             <a:r>
-              <a:rPr lang="nl-BE" dirty="0" err="1" smtClean="0"/>
-              <a:t>Join</a:t>
-            </a:r>
-            <a:r>
-              <a:rPr lang="nl-BE" dirty="0" smtClean="0"/>
-              <a:t> = data uit meerdere tabellen in 1 entiteit</a:t>
+              <a:rPr lang="nl-BE" dirty="0" smtClean="0"/>
+              <a:t>High: </a:t>
+            </a:r>
+            <a:r>
+              <a:rPr lang="nl-BE" dirty="0" err="1" smtClean="0"/>
+              <a:t>incrementeel</a:t>
+            </a:r>
+            <a:r>
+              <a:rPr lang="nl-BE" dirty="0" smtClean="0"/>
+              <a:t> nummer in database</a:t>
             </a:r>
           </a:p>
           <a:p>
             <a:pPr lvl="2"/>
             <a:r>
               <a:rPr lang="nl-BE" dirty="0" smtClean="0"/>
-              <a:t>Component = data uit 1 tabel splitsten in meerdere </a:t>
-            </a:r>
-            <a:r>
-              <a:rPr lang="nl-BE" dirty="0" smtClean="0"/>
-              <a:t>entiteiten</a:t>
-            </a:r>
-            <a:endParaRPr lang="nl-BE" dirty="0" smtClean="0"/>
+              <a:t>Low: hoeveel nummers per range</a:t>
+            </a:r>
+          </a:p>
+          <a:p>
+            <a:pPr lvl="2"/>
+            <a:r>
+              <a:rPr lang="nl-BE" dirty="0" smtClean="0"/>
+              <a:t>Algoritme:</a:t>
+            </a:r>
+          </a:p>
+          <a:p>
+            <a:pPr lvl="3"/>
+            <a:r>
+              <a:rPr lang="nl-BE" dirty="0" smtClean="0"/>
+              <a:t>Voorbeeld:</a:t>
+            </a:r>
+          </a:p>
+          <a:p>
+            <a:pPr lvl="4"/>
+            <a:r>
+              <a:rPr lang="nl-BE" dirty="0" err="1" smtClean="0"/>
+              <a:t>Current</a:t>
+            </a:r>
+            <a:r>
+              <a:rPr lang="nl-BE" dirty="0" smtClean="0"/>
+              <a:t> High: 4</a:t>
+            </a:r>
+          </a:p>
+          <a:p>
+            <a:pPr lvl="4"/>
+            <a:r>
+              <a:rPr lang="nl-BE" dirty="0" smtClean="0"/>
+              <a:t>Max Low: 5</a:t>
+            </a:r>
+          </a:p>
+          <a:p>
+            <a:pPr lvl="4"/>
+            <a:r>
+              <a:rPr lang="nl-BE" dirty="0" smtClean="0"/>
+              <a:t>Eerste ID (</a:t>
+            </a:r>
+            <a:r>
+              <a:rPr lang="nl-BE" dirty="0" err="1" smtClean="0"/>
+              <a:t>Current</a:t>
+            </a:r>
+            <a:r>
+              <a:rPr lang="nl-BE" dirty="0" smtClean="0"/>
+              <a:t> High * Max Low + 1): 4 * 5 + 1 = 21</a:t>
+            </a:r>
+          </a:p>
+          <a:p>
+            <a:pPr lvl="4"/>
+            <a:r>
+              <a:rPr lang="nl-BE" dirty="0" smtClean="0"/>
+              <a:t>Laatste ID (</a:t>
+            </a:r>
+            <a:r>
+              <a:rPr lang="nl-BE" dirty="0" err="1" smtClean="0"/>
+              <a:t>Current</a:t>
+            </a:r>
+            <a:r>
+              <a:rPr lang="nl-BE" dirty="0" smtClean="0"/>
+              <a:t> High * Max Low + Max Low): 4 * 5 + 5 = 25</a:t>
+            </a:r>
           </a:p>
           <a:p>
             <a:pPr lvl="1"/>
             <a:r>
               <a:rPr lang="nl-BE" dirty="0" smtClean="0"/>
-              <a:t>Demo 4</a:t>
+              <a:t>Demo 3</a:t>
             </a:r>
           </a:p>
         </p:txBody>
@@ -5375,7 +7576,7 @@
             <a:fld id="{DBF0DA3E-2D0E-44FA-B999-D46FE1732693}" type="datetime2">
               <a:rPr lang="nl-BE" smtClean="0"/>
               <a:pPr/>
-              <a:t>donderdag 14 juni 2012</a:t>
+              <a:t>donderdag 21 juni 2012</a:t>
             </a:fld>
             <a:endParaRPr lang="en-US" dirty="0"/>
           </a:p>
@@ -5470,9 +7671,544 @@
   <p:timing>
     <p:tnLst>
       <p:par>
-        <p:cTn id="1" dur="indefinite" restart="never" nodeType="tmRoot"/>
+        <p:cTn id="1" dur="indefinite" restart="never" nodeType="tmRoot">
+          <p:childTnLst>
+            <p:seq concurrent="1" nextAc="seek">
+              <p:cTn id="2" dur="indefinite" nodeType="mainSeq">
+                <p:childTnLst>
+                  <p:par>
+                    <p:cTn id="3" fill="hold">
+                      <p:stCondLst>
+                        <p:cond delay="indefinite"/>
+                      </p:stCondLst>
+                      <p:childTnLst>
+                        <p:par>
+                          <p:cTn id="4" fill="hold">
+                            <p:stCondLst>
+                              <p:cond delay="0"/>
+                            </p:stCondLst>
+                            <p:childTnLst>
+                              <p:par>
+                                <p:cTn id="5" presetID="22" presetClass="entr" presetSubtype="4" fill="hold" grpId="0" nodeType="clickEffect">
+                                  <p:stCondLst>
+                                    <p:cond delay="0"/>
+                                  </p:stCondLst>
+                                  <p:childTnLst>
+                                    <p:set>
+                                      <p:cBhvr>
+                                        <p:cTn id="6" dur="1" fill="hold">
+                                          <p:stCondLst>
+                                            <p:cond delay="0"/>
+                                          </p:stCondLst>
+                                        </p:cTn>
+                                        <p:tgtEl>
+                                          <p:spTgt spid="2">
+                                            <p:txEl>
+                                              <p:pRg st="1" end="1"/>
+                                            </p:txEl>
+                                          </p:spTgt>
+                                        </p:tgtEl>
+                                        <p:attrNameLst>
+                                          <p:attrName>style.visibility</p:attrName>
+                                        </p:attrNameLst>
+                                      </p:cBhvr>
+                                      <p:to>
+                                        <p:strVal val="visible"/>
+                                      </p:to>
+                                    </p:set>
+                                    <p:animEffect transition="in" filter="wipe(down)">
+                                      <p:cBhvr>
+                                        <p:cTn id="7" dur="500"/>
+                                        <p:tgtEl>
+                                          <p:spTgt spid="2">
+                                            <p:txEl>
+                                              <p:pRg st="1" end="1"/>
+                                            </p:txEl>
+                                          </p:spTgt>
+                                        </p:tgtEl>
+                                      </p:cBhvr>
+                                    </p:animEffect>
+                                  </p:childTnLst>
+                                </p:cTn>
+                              </p:par>
+                            </p:childTnLst>
+                          </p:cTn>
+                        </p:par>
+                      </p:childTnLst>
+                    </p:cTn>
+                  </p:par>
+                  <p:par>
+                    <p:cTn id="8" fill="hold">
+                      <p:stCondLst>
+                        <p:cond delay="indefinite"/>
+                      </p:stCondLst>
+                      <p:childTnLst>
+                        <p:par>
+                          <p:cTn id="9" fill="hold">
+                            <p:stCondLst>
+                              <p:cond delay="0"/>
+                            </p:stCondLst>
+                            <p:childTnLst>
+                              <p:par>
+                                <p:cTn id="10" presetID="22" presetClass="entr" presetSubtype="4" fill="hold" grpId="0" nodeType="clickEffect">
+                                  <p:stCondLst>
+                                    <p:cond delay="0"/>
+                                  </p:stCondLst>
+                                  <p:childTnLst>
+                                    <p:set>
+                                      <p:cBhvr>
+                                        <p:cTn id="11" dur="1" fill="hold">
+                                          <p:stCondLst>
+                                            <p:cond delay="0"/>
+                                          </p:stCondLst>
+                                        </p:cTn>
+                                        <p:tgtEl>
+                                          <p:spTgt spid="2">
+                                            <p:txEl>
+                                              <p:pRg st="2" end="2"/>
+                                            </p:txEl>
+                                          </p:spTgt>
+                                        </p:tgtEl>
+                                        <p:attrNameLst>
+                                          <p:attrName>style.visibility</p:attrName>
+                                        </p:attrNameLst>
+                                      </p:cBhvr>
+                                      <p:to>
+                                        <p:strVal val="visible"/>
+                                      </p:to>
+                                    </p:set>
+                                    <p:animEffect transition="in" filter="wipe(down)">
+                                      <p:cBhvr>
+                                        <p:cTn id="12" dur="500"/>
+                                        <p:tgtEl>
+                                          <p:spTgt spid="2">
+                                            <p:txEl>
+                                              <p:pRg st="2" end="2"/>
+                                            </p:txEl>
+                                          </p:spTgt>
+                                        </p:tgtEl>
+                                      </p:cBhvr>
+                                    </p:animEffect>
+                                  </p:childTnLst>
+                                </p:cTn>
+                              </p:par>
+                              <p:par>
+                                <p:cTn id="13" presetID="22" presetClass="entr" presetSubtype="4" fill="hold" grpId="0" nodeType="withEffect">
+                                  <p:stCondLst>
+                                    <p:cond delay="0"/>
+                                  </p:stCondLst>
+                                  <p:childTnLst>
+                                    <p:set>
+                                      <p:cBhvr>
+                                        <p:cTn id="14" dur="1" fill="hold">
+                                          <p:stCondLst>
+                                            <p:cond delay="0"/>
+                                          </p:stCondLst>
+                                        </p:cTn>
+                                        <p:tgtEl>
+                                          <p:spTgt spid="2">
+                                            <p:txEl>
+                                              <p:pRg st="3" end="3"/>
+                                            </p:txEl>
+                                          </p:spTgt>
+                                        </p:tgtEl>
+                                        <p:attrNameLst>
+                                          <p:attrName>style.visibility</p:attrName>
+                                        </p:attrNameLst>
+                                      </p:cBhvr>
+                                      <p:to>
+                                        <p:strVal val="visible"/>
+                                      </p:to>
+                                    </p:set>
+                                    <p:animEffect transition="in" filter="wipe(down)">
+                                      <p:cBhvr>
+                                        <p:cTn id="15" dur="500"/>
+                                        <p:tgtEl>
+                                          <p:spTgt spid="2">
+                                            <p:txEl>
+                                              <p:pRg st="3" end="3"/>
+                                            </p:txEl>
+                                          </p:spTgt>
+                                        </p:tgtEl>
+                                      </p:cBhvr>
+                                    </p:animEffect>
+                                  </p:childTnLst>
+                                </p:cTn>
+                              </p:par>
+                              <p:par>
+                                <p:cTn id="16" presetID="22" presetClass="entr" presetSubtype="4" fill="hold" grpId="0" nodeType="withEffect">
+                                  <p:stCondLst>
+                                    <p:cond delay="0"/>
+                                  </p:stCondLst>
+                                  <p:childTnLst>
+                                    <p:set>
+                                      <p:cBhvr>
+                                        <p:cTn id="17" dur="1" fill="hold">
+                                          <p:stCondLst>
+                                            <p:cond delay="0"/>
+                                          </p:stCondLst>
+                                        </p:cTn>
+                                        <p:tgtEl>
+                                          <p:spTgt spid="2">
+                                            <p:txEl>
+                                              <p:pRg st="4" end="4"/>
+                                            </p:txEl>
+                                          </p:spTgt>
+                                        </p:tgtEl>
+                                        <p:attrNameLst>
+                                          <p:attrName>style.visibility</p:attrName>
+                                        </p:attrNameLst>
+                                      </p:cBhvr>
+                                      <p:to>
+                                        <p:strVal val="visible"/>
+                                      </p:to>
+                                    </p:set>
+                                    <p:animEffect transition="in" filter="wipe(down)">
+                                      <p:cBhvr>
+                                        <p:cTn id="18" dur="500"/>
+                                        <p:tgtEl>
+                                          <p:spTgt spid="2">
+                                            <p:txEl>
+                                              <p:pRg st="4" end="4"/>
+                                            </p:txEl>
+                                          </p:spTgt>
+                                        </p:tgtEl>
+                                      </p:cBhvr>
+                                    </p:animEffect>
+                                  </p:childTnLst>
+                                </p:cTn>
+                              </p:par>
+                              <p:par>
+                                <p:cTn id="19" presetID="22" presetClass="entr" presetSubtype="4" fill="hold" grpId="0" nodeType="withEffect">
+                                  <p:stCondLst>
+                                    <p:cond delay="0"/>
+                                  </p:stCondLst>
+                                  <p:childTnLst>
+                                    <p:set>
+                                      <p:cBhvr>
+                                        <p:cTn id="20" dur="1" fill="hold">
+                                          <p:stCondLst>
+                                            <p:cond delay="0"/>
+                                          </p:stCondLst>
+                                        </p:cTn>
+                                        <p:tgtEl>
+                                          <p:spTgt spid="2">
+                                            <p:txEl>
+                                              <p:pRg st="5" end="5"/>
+                                            </p:txEl>
+                                          </p:spTgt>
+                                        </p:tgtEl>
+                                        <p:attrNameLst>
+                                          <p:attrName>style.visibility</p:attrName>
+                                        </p:attrNameLst>
+                                      </p:cBhvr>
+                                      <p:to>
+                                        <p:strVal val="visible"/>
+                                      </p:to>
+                                    </p:set>
+                                    <p:animEffect transition="in" filter="wipe(down)">
+                                      <p:cBhvr>
+                                        <p:cTn id="21" dur="500"/>
+                                        <p:tgtEl>
+                                          <p:spTgt spid="2">
+                                            <p:txEl>
+                                              <p:pRg st="5" end="5"/>
+                                            </p:txEl>
+                                          </p:spTgt>
+                                        </p:tgtEl>
+                                      </p:cBhvr>
+                                    </p:animEffect>
+                                  </p:childTnLst>
+                                </p:cTn>
+                              </p:par>
+                              <p:par>
+                                <p:cTn id="22" presetID="22" presetClass="entr" presetSubtype="4" fill="hold" grpId="0" nodeType="withEffect">
+                                  <p:stCondLst>
+                                    <p:cond delay="0"/>
+                                  </p:stCondLst>
+                                  <p:childTnLst>
+                                    <p:set>
+                                      <p:cBhvr>
+                                        <p:cTn id="23" dur="1" fill="hold">
+                                          <p:stCondLst>
+                                            <p:cond delay="0"/>
+                                          </p:stCondLst>
+                                        </p:cTn>
+                                        <p:tgtEl>
+                                          <p:spTgt spid="2">
+                                            <p:txEl>
+                                              <p:pRg st="6" end="6"/>
+                                            </p:txEl>
+                                          </p:spTgt>
+                                        </p:tgtEl>
+                                        <p:attrNameLst>
+                                          <p:attrName>style.visibility</p:attrName>
+                                        </p:attrNameLst>
+                                      </p:cBhvr>
+                                      <p:to>
+                                        <p:strVal val="visible"/>
+                                      </p:to>
+                                    </p:set>
+                                    <p:animEffect transition="in" filter="wipe(down)">
+                                      <p:cBhvr>
+                                        <p:cTn id="24" dur="500"/>
+                                        <p:tgtEl>
+                                          <p:spTgt spid="2">
+                                            <p:txEl>
+                                              <p:pRg st="6" end="6"/>
+                                            </p:txEl>
+                                          </p:spTgt>
+                                        </p:tgtEl>
+                                      </p:cBhvr>
+                                    </p:animEffect>
+                                  </p:childTnLst>
+                                </p:cTn>
+                              </p:par>
+                              <p:par>
+                                <p:cTn id="25" presetID="22" presetClass="entr" presetSubtype="4" fill="hold" grpId="0" nodeType="withEffect">
+                                  <p:stCondLst>
+                                    <p:cond delay="0"/>
+                                  </p:stCondLst>
+                                  <p:childTnLst>
+                                    <p:set>
+                                      <p:cBhvr>
+                                        <p:cTn id="26" dur="1" fill="hold">
+                                          <p:stCondLst>
+                                            <p:cond delay="0"/>
+                                          </p:stCondLst>
+                                        </p:cTn>
+                                        <p:tgtEl>
+                                          <p:spTgt spid="2">
+                                            <p:txEl>
+                                              <p:pRg st="7" end="7"/>
+                                            </p:txEl>
+                                          </p:spTgt>
+                                        </p:tgtEl>
+                                        <p:attrNameLst>
+                                          <p:attrName>style.visibility</p:attrName>
+                                        </p:attrNameLst>
+                                      </p:cBhvr>
+                                      <p:to>
+                                        <p:strVal val="visible"/>
+                                      </p:to>
+                                    </p:set>
+                                    <p:animEffect transition="in" filter="wipe(down)">
+                                      <p:cBhvr>
+                                        <p:cTn id="27" dur="500"/>
+                                        <p:tgtEl>
+                                          <p:spTgt spid="2">
+                                            <p:txEl>
+                                              <p:pRg st="7" end="7"/>
+                                            </p:txEl>
+                                          </p:spTgt>
+                                        </p:tgtEl>
+                                      </p:cBhvr>
+                                    </p:animEffect>
+                                  </p:childTnLst>
+                                </p:cTn>
+                              </p:par>
+                              <p:par>
+                                <p:cTn id="28" presetID="22" presetClass="entr" presetSubtype="4" fill="hold" grpId="0" nodeType="withEffect">
+                                  <p:stCondLst>
+                                    <p:cond delay="0"/>
+                                  </p:stCondLst>
+                                  <p:childTnLst>
+                                    <p:set>
+                                      <p:cBhvr>
+                                        <p:cTn id="29" dur="1" fill="hold">
+                                          <p:stCondLst>
+                                            <p:cond delay="0"/>
+                                          </p:stCondLst>
+                                        </p:cTn>
+                                        <p:tgtEl>
+                                          <p:spTgt spid="2">
+                                            <p:txEl>
+                                              <p:pRg st="8" end="8"/>
+                                            </p:txEl>
+                                          </p:spTgt>
+                                        </p:tgtEl>
+                                        <p:attrNameLst>
+                                          <p:attrName>style.visibility</p:attrName>
+                                        </p:attrNameLst>
+                                      </p:cBhvr>
+                                      <p:to>
+                                        <p:strVal val="visible"/>
+                                      </p:to>
+                                    </p:set>
+                                    <p:animEffect transition="in" filter="wipe(down)">
+                                      <p:cBhvr>
+                                        <p:cTn id="30" dur="500"/>
+                                        <p:tgtEl>
+                                          <p:spTgt spid="2">
+                                            <p:txEl>
+                                              <p:pRg st="8" end="8"/>
+                                            </p:txEl>
+                                          </p:spTgt>
+                                        </p:tgtEl>
+                                      </p:cBhvr>
+                                    </p:animEffect>
+                                  </p:childTnLst>
+                                </p:cTn>
+                              </p:par>
+                              <p:par>
+                                <p:cTn id="31" presetID="22" presetClass="entr" presetSubtype="4" fill="hold" grpId="0" nodeType="withEffect">
+                                  <p:stCondLst>
+                                    <p:cond delay="0"/>
+                                  </p:stCondLst>
+                                  <p:childTnLst>
+                                    <p:set>
+                                      <p:cBhvr>
+                                        <p:cTn id="32" dur="1" fill="hold">
+                                          <p:stCondLst>
+                                            <p:cond delay="0"/>
+                                          </p:stCondLst>
+                                        </p:cTn>
+                                        <p:tgtEl>
+                                          <p:spTgt spid="2">
+                                            <p:txEl>
+                                              <p:pRg st="9" end="9"/>
+                                            </p:txEl>
+                                          </p:spTgt>
+                                        </p:tgtEl>
+                                        <p:attrNameLst>
+                                          <p:attrName>style.visibility</p:attrName>
+                                        </p:attrNameLst>
+                                      </p:cBhvr>
+                                      <p:to>
+                                        <p:strVal val="visible"/>
+                                      </p:to>
+                                    </p:set>
+                                    <p:animEffect transition="in" filter="wipe(down)">
+                                      <p:cBhvr>
+                                        <p:cTn id="33" dur="500"/>
+                                        <p:tgtEl>
+                                          <p:spTgt spid="2">
+                                            <p:txEl>
+                                              <p:pRg st="9" end="9"/>
+                                            </p:txEl>
+                                          </p:spTgt>
+                                        </p:tgtEl>
+                                      </p:cBhvr>
+                                    </p:animEffect>
+                                  </p:childTnLst>
+                                </p:cTn>
+                              </p:par>
+                              <p:par>
+                                <p:cTn id="34" presetID="22" presetClass="entr" presetSubtype="4" fill="hold" grpId="0" nodeType="withEffect">
+                                  <p:stCondLst>
+                                    <p:cond delay="0"/>
+                                  </p:stCondLst>
+                                  <p:childTnLst>
+                                    <p:set>
+                                      <p:cBhvr>
+                                        <p:cTn id="35" dur="1" fill="hold">
+                                          <p:stCondLst>
+                                            <p:cond delay="0"/>
+                                          </p:stCondLst>
+                                        </p:cTn>
+                                        <p:tgtEl>
+                                          <p:spTgt spid="2">
+                                            <p:txEl>
+                                              <p:pRg st="10" end="10"/>
+                                            </p:txEl>
+                                          </p:spTgt>
+                                        </p:tgtEl>
+                                        <p:attrNameLst>
+                                          <p:attrName>style.visibility</p:attrName>
+                                        </p:attrNameLst>
+                                      </p:cBhvr>
+                                      <p:to>
+                                        <p:strVal val="visible"/>
+                                      </p:to>
+                                    </p:set>
+                                    <p:animEffect transition="in" filter="wipe(down)">
+                                      <p:cBhvr>
+                                        <p:cTn id="36" dur="500"/>
+                                        <p:tgtEl>
+                                          <p:spTgt spid="2">
+                                            <p:txEl>
+                                              <p:pRg st="10" end="10"/>
+                                            </p:txEl>
+                                          </p:spTgt>
+                                        </p:tgtEl>
+                                      </p:cBhvr>
+                                    </p:animEffect>
+                                  </p:childTnLst>
+                                </p:cTn>
+                              </p:par>
+                              <p:par>
+                                <p:cTn id="37" presetID="22" presetClass="entr" presetSubtype="4" fill="hold" grpId="0" nodeType="withEffect">
+                                  <p:stCondLst>
+                                    <p:cond delay="0"/>
+                                  </p:stCondLst>
+                                  <p:childTnLst>
+                                    <p:set>
+                                      <p:cBhvr>
+                                        <p:cTn id="38" dur="1" fill="hold">
+                                          <p:stCondLst>
+                                            <p:cond delay="0"/>
+                                          </p:stCondLst>
+                                        </p:cTn>
+                                        <p:tgtEl>
+                                          <p:spTgt spid="2">
+                                            <p:txEl>
+                                              <p:pRg st="11" end="11"/>
+                                            </p:txEl>
+                                          </p:spTgt>
+                                        </p:tgtEl>
+                                        <p:attrNameLst>
+                                          <p:attrName>style.visibility</p:attrName>
+                                        </p:attrNameLst>
+                                      </p:cBhvr>
+                                      <p:to>
+                                        <p:strVal val="visible"/>
+                                      </p:to>
+                                    </p:set>
+                                    <p:animEffect transition="in" filter="wipe(down)">
+                                      <p:cBhvr>
+                                        <p:cTn id="39" dur="500"/>
+                                        <p:tgtEl>
+                                          <p:spTgt spid="2">
+                                            <p:txEl>
+                                              <p:pRg st="11" end="11"/>
+                                            </p:txEl>
+                                          </p:spTgt>
+                                        </p:tgtEl>
+                                      </p:cBhvr>
+                                    </p:animEffect>
+                                  </p:childTnLst>
+                                </p:cTn>
+                              </p:par>
+                            </p:childTnLst>
+                          </p:cTn>
+                        </p:par>
+                      </p:childTnLst>
+                    </p:cTn>
+                  </p:par>
+                </p:childTnLst>
+              </p:cTn>
+              <p:prevCondLst>
+                <p:cond evt="onPrev" delay="0">
+                  <p:tgtEl>
+                    <p:sldTgt/>
+                  </p:tgtEl>
+                </p:cond>
+              </p:prevCondLst>
+              <p:nextCondLst>
+                <p:cond evt="onNext" delay="0">
+                  <p:tgtEl>
+                    <p:sldTgt/>
+                  </p:tgtEl>
+                </p:cond>
+              </p:nextCondLst>
+            </p:seq>
+          </p:childTnLst>
+        </p:cTn>
       </p:par>
     </p:tnLst>
+    <p:bldLst>
+      <p:bldP spid="2" grpId="0" build="p"/>
+    </p:bldLst>
   </p:timing>
 </p:sld>
 </file>
@@ -5510,171 +8246,71 @@
           <a:lstStyle/>
           <a:p>
             <a:r>
-              <a:rPr lang="nl-BE" dirty="0" err="1" smtClean="0"/>
-              <a:t>Various</a:t>
-            </a:r>
-            <a:r>
-              <a:rPr lang="nl-BE" dirty="0" smtClean="0"/>
-              <a:t>: demo 5</a:t>
-            </a:r>
+              <a:rPr lang="nl-BE" dirty="0" smtClean="0"/>
+              <a:t>Component </a:t>
+            </a:r>
+            <a:r>
+              <a:rPr lang="nl-BE" dirty="0" err="1" smtClean="0"/>
+              <a:t>mapping</a:t>
+            </a:r>
+            <a:endParaRPr lang="nl-BE" dirty="0" smtClean="0"/>
           </a:p>
           <a:p>
             <a:pPr lvl="1"/>
             <a:r>
-              <a:rPr lang="nl-BE" dirty="0" err="1" smtClean="0"/>
-              <a:t>Mapping</a:t>
-            </a:r>
-            <a:r>
-              <a:rPr lang="nl-BE" dirty="0" smtClean="0"/>
-              <a:t> </a:t>
-            </a:r>
-            <a:r>
-              <a:rPr lang="nl-BE" dirty="0" err="1" smtClean="0"/>
-              <a:t>intellisense</a:t>
+              <a:rPr lang="nl-BE" dirty="0" smtClean="0"/>
+              <a:t>Tegenovergestelde van een </a:t>
+            </a:r>
+            <a:r>
+              <a:rPr lang="nl-BE" dirty="0" err="1" smtClean="0"/>
+              <a:t>join</a:t>
             </a:r>
             <a:endParaRPr lang="nl-BE" dirty="0" smtClean="0"/>
           </a:p>
           <a:p>
             <a:pPr lvl="2"/>
             <a:r>
-              <a:rPr lang="nl-BE" dirty="0" smtClean="0"/>
-              <a:t>Voeg NH </a:t>
-            </a:r>
-            <a:r>
-              <a:rPr lang="nl-BE" dirty="0" err="1" smtClean="0"/>
-              <a:t>XSDs</a:t>
-            </a:r>
-            <a:r>
-              <a:rPr lang="nl-BE" dirty="0" smtClean="0"/>
-              <a:t> toe aan je </a:t>
-            </a:r>
-            <a:r>
-              <a:rPr lang="nl-BE" dirty="0" err="1" smtClean="0"/>
-              <a:t>solution</a:t>
+              <a:rPr lang="nl-BE" dirty="0" err="1" smtClean="0"/>
+              <a:t>Join</a:t>
+            </a:r>
+            <a:r>
+              <a:rPr lang="nl-BE" dirty="0" smtClean="0"/>
+              <a:t> = data uit meerdere tabellen in 1 entiteit</a:t>
+            </a:r>
+          </a:p>
+          <a:p>
+            <a:pPr lvl="2"/>
+            <a:r>
+              <a:rPr lang="nl-BE" dirty="0" smtClean="0"/>
+              <a:t>Component = data uit 1 tabel splitsten in meerdere </a:t>
+            </a:r>
+            <a:r>
+              <a:rPr lang="nl-BE" dirty="0" smtClean="0"/>
+              <a:t>objecten</a:t>
+            </a:r>
+          </a:p>
+          <a:p>
+            <a:pPr lvl="1"/>
+            <a:r>
+              <a:rPr lang="nl-BE" dirty="0" err="1" smtClean="0"/>
+              <a:t>Value</a:t>
+            </a:r>
+            <a:r>
+              <a:rPr lang="nl-BE" dirty="0" smtClean="0"/>
+              <a:t> object: geen </a:t>
+            </a:r>
+            <a:r>
+              <a:rPr lang="nl-BE" dirty="0" err="1" smtClean="0"/>
+              <a:t>identity</a:t>
             </a:r>
             <a:endParaRPr lang="nl-BE" dirty="0" smtClean="0"/>
           </a:p>
           <a:p>
             <a:pPr lvl="1"/>
             <a:r>
-              <a:rPr lang="nl-BE" dirty="0" err="1" smtClean="0"/>
-              <a:t>Dynamic</a:t>
-            </a:r>
-            <a:r>
-              <a:rPr lang="nl-BE" dirty="0" smtClean="0"/>
-              <a:t> update</a:t>
-            </a:r>
-          </a:p>
-          <a:p>
-            <a:pPr lvl="2"/>
-            <a:r>
-              <a:rPr lang="nl-BE" dirty="0" smtClean="0"/>
-              <a:t>Update enkel </a:t>
-            </a:r>
-            <a:r>
-              <a:rPr lang="nl-BE" dirty="0" err="1" smtClean="0"/>
-              <a:t>dirty</a:t>
-            </a:r>
-            <a:r>
-              <a:rPr lang="nl-BE" dirty="0" smtClean="0"/>
-              <a:t> </a:t>
-            </a:r>
-            <a:r>
-              <a:rPr lang="nl-BE" dirty="0" err="1" smtClean="0"/>
-              <a:t>fields</a:t>
-            </a:r>
-            <a:endParaRPr lang="nl-BE" dirty="0" smtClean="0"/>
-          </a:p>
-          <a:p>
-            <a:pPr lvl="2"/>
-            <a:r>
-              <a:rPr lang="nl-BE" dirty="0" smtClean="0"/>
-              <a:t>Veel </a:t>
-            </a:r>
-            <a:r>
-              <a:rPr lang="nl-BE" dirty="0" err="1" smtClean="0"/>
-              <a:t>performanter</a:t>
-            </a:r>
-            <a:r>
-              <a:rPr lang="nl-BE" dirty="0" smtClean="0"/>
-              <a:t> voor de DB</a:t>
-            </a:r>
-          </a:p>
-          <a:p>
-            <a:pPr lvl="2"/>
-            <a:r>
-              <a:rPr lang="nl-BE" dirty="0" smtClean="0"/>
-              <a:t>Veel minder onnodige data in de </a:t>
-            </a:r>
-            <a:r>
-              <a:rPr lang="nl-BE" dirty="0" err="1" smtClean="0"/>
-              <a:t>transaction</a:t>
-            </a:r>
-            <a:r>
-              <a:rPr lang="nl-BE" dirty="0" smtClean="0"/>
-              <a:t> log</a:t>
-            </a:r>
-          </a:p>
-          <a:p>
-            <a:pPr lvl="2"/>
-            <a:r>
-              <a:rPr lang="nl-BE" dirty="0" smtClean="0"/>
-              <a:t>Nadeel: single </a:t>
-            </a:r>
-            <a:r>
-              <a:rPr lang="nl-BE" dirty="0" err="1" smtClean="0"/>
-              <a:t>use</a:t>
-            </a:r>
-            <a:r>
-              <a:rPr lang="nl-BE" dirty="0" smtClean="0"/>
-              <a:t> </a:t>
-            </a:r>
-            <a:r>
-              <a:rPr lang="nl-BE" dirty="0" err="1" smtClean="0"/>
-              <a:t>execution</a:t>
-            </a:r>
-            <a:r>
-              <a:rPr lang="nl-BE" dirty="0" smtClean="0"/>
-              <a:t> plans =&gt; SQL job</a:t>
-            </a:r>
-          </a:p>
-          <a:p>
-            <a:pPr lvl="1"/>
-            <a:r>
-              <a:rPr lang="nl-BE" dirty="0" smtClean="0"/>
-              <a:t>Log4Net integratie</a:t>
-            </a:r>
-          </a:p>
-          <a:p>
-            <a:pPr lvl="2"/>
-            <a:r>
-              <a:rPr lang="nl-BE" dirty="0" err="1" smtClean="0"/>
-              <a:t>NHibernate</a:t>
-            </a:r>
-            <a:r>
-              <a:rPr lang="nl-BE" dirty="0" smtClean="0"/>
-              <a:t> </a:t>
-            </a:r>
-            <a:r>
-              <a:rPr lang="nl-BE" dirty="0" err="1" smtClean="0"/>
-              <a:t>profiler</a:t>
-            </a:r>
-            <a:r>
-              <a:rPr lang="nl-BE" dirty="0" smtClean="0"/>
-              <a:t> plugt hierop in</a:t>
-            </a:r>
-          </a:p>
-          <a:p>
-            <a:pPr lvl="1"/>
-            <a:endParaRPr lang="nl-BE" dirty="0" smtClean="0"/>
-          </a:p>
-          <a:p>
-            <a:pPr lvl="1"/>
-            <a:endParaRPr lang="nl-BE" dirty="0" smtClean="0"/>
-          </a:p>
-          <a:p>
-            <a:pPr lvl="1"/>
-            <a:endParaRPr lang="nl-BE" dirty="0" smtClean="0"/>
+              <a:rPr lang="nl-BE" dirty="0" smtClean="0"/>
+              <a:t>Demo 4</a:t>
+            </a:r>
           </a:p>
         </p:txBody>
       </p:sp>
@@ -5696,7 +8332,7 @@
             <a:fld id="{DBF0DA3E-2D0E-44FA-B999-D46FE1732693}" type="datetime2">
               <a:rPr lang="nl-BE" smtClean="0"/>
               <a:pPr/>
-              <a:t>donderdag 14 juni 2012</a:t>
+              <a:t>donderdag 21 juni 2012</a:t>
             </a:fld>
             <a:endParaRPr lang="en-US" dirty="0"/>
           </a:p>
@@ -5740,6 +8376,327 @@
               <a:rPr lang="en-US" smtClean="0"/>
               <a:pPr/>
               <a:t>8</a:t>
+            </a:fld>
+            <a:endParaRPr lang="en-US" dirty="0"/>
+          </a:p>
+        </p:txBody>
+      </p:sp>
+      <p:sp>
+        <p:nvSpPr>
+          <p:cNvPr id="6" name="Title 5"/>
+          <p:cNvSpPr>
+            <a:spLocks noGrp="1"/>
+          </p:cNvSpPr>
+          <p:nvPr>
+            <p:ph type="title"/>
+          </p:nvPr>
+        </p:nvSpPr>
+        <p:spPr/>
+        <p:txBody>
+          <a:bodyPr>
+            <a:normAutofit fontScale="90000"/>
+          </a:bodyPr>
+          <a:lstStyle/>
+          <a:p>
+            <a:r>
+              <a:rPr lang="nl-BE" dirty="0" smtClean="0"/>
+              <a:t>Tips &amp; </a:t>
+            </a:r>
+            <a:r>
+              <a:rPr lang="nl-BE" dirty="0" err="1" smtClean="0"/>
+              <a:t>tricks</a:t>
+            </a:r>
+            <a:r>
+              <a:rPr lang="nl-BE" dirty="0" smtClean="0"/>
+              <a:t> / best </a:t>
+            </a:r>
+            <a:r>
+              <a:rPr lang="nl-BE" dirty="0" err="1" smtClean="0"/>
+              <a:t>practices</a:t>
+            </a:r>
+            <a:endParaRPr lang="nl-BE" dirty="0"/>
+          </a:p>
+        </p:txBody>
+      </p:sp>
+    </p:spTree>
+  </p:cSld>
+  <p:clrMapOvr>
+    <a:masterClrMapping/>
+  </p:clrMapOvr>
+  <p:transition/>
+  <p:timing>
+    <p:tnLst>
+      <p:par>
+        <p:cTn id="1" dur="indefinite" restart="never" nodeType="tmRoot"/>
+      </p:par>
+    </p:tnLst>
+  </p:timing>
+</p:sld>
+</file>
+
+<file path=ppt/slides/slide9.xml><?xml version="1.0" encoding="utf-8"?>
+<p:sld xmlns:a="http://schemas.openxmlformats.org/drawingml/2006/main" xmlns:r="http://schemas.openxmlformats.org/officeDocument/2006/relationships" xmlns:p="http://schemas.openxmlformats.org/presentationml/2006/main">
+  <p:cSld>
+    <p:spTree>
+      <p:nvGrpSpPr>
+        <p:cNvPr id="1" name=""/>
+        <p:cNvGrpSpPr/>
+        <p:nvPr/>
+      </p:nvGrpSpPr>
+      <p:grpSpPr>
+        <a:xfrm>
+          <a:off x="0" y="0"/>
+          <a:ext cx="0" cy="0"/>
+          <a:chOff x="0" y="0"/>
+          <a:chExt cx="0" cy="0"/>
+        </a:xfrm>
+      </p:grpSpPr>
+      <p:sp>
+        <p:nvSpPr>
+          <p:cNvPr id="2" name="Content Placeholder 1"/>
+          <p:cNvSpPr>
+            <a:spLocks noGrp="1"/>
+          </p:cNvSpPr>
+          <p:nvPr>
+            <p:ph idx="1"/>
+          </p:nvPr>
+        </p:nvSpPr>
+        <p:spPr/>
+        <p:txBody>
+          <a:bodyPr/>
+          <a:lstStyle/>
+          <a:p>
+            <a:r>
+              <a:rPr lang="nl-BE" dirty="0" err="1" smtClean="0"/>
+              <a:t>Various</a:t>
+            </a:r>
+            <a:r>
+              <a:rPr lang="nl-BE" dirty="0" smtClean="0"/>
+              <a:t>: demo 5</a:t>
+            </a:r>
+          </a:p>
+          <a:p>
+            <a:pPr lvl="1"/>
+            <a:r>
+              <a:rPr lang="nl-BE" dirty="0" err="1" smtClean="0"/>
+              <a:t>Mapping</a:t>
+            </a:r>
+            <a:r>
+              <a:rPr lang="nl-BE" dirty="0" smtClean="0"/>
+              <a:t> </a:t>
+            </a:r>
+            <a:r>
+              <a:rPr lang="nl-BE" dirty="0" err="1" smtClean="0"/>
+              <a:t>intellisense</a:t>
+            </a:r>
+            <a:endParaRPr lang="nl-BE" dirty="0" smtClean="0"/>
+          </a:p>
+          <a:p>
+            <a:pPr lvl="2"/>
+            <a:r>
+              <a:rPr lang="nl-BE" dirty="0" smtClean="0"/>
+              <a:t>Voeg NH </a:t>
+            </a:r>
+            <a:r>
+              <a:rPr lang="nl-BE" dirty="0" err="1" smtClean="0"/>
+              <a:t>XSDs</a:t>
+            </a:r>
+            <a:r>
+              <a:rPr lang="nl-BE" dirty="0" smtClean="0"/>
+              <a:t> toe aan je </a:t>
+            </a:r>
+            <a:r>
+              <a:rPr lang="nl-BE" dirty="0" err="1" smtClean="0"/>
+              <a:t>solution</a:t>
+            </a:r>
+            <a:endParaRPr lang="nl-BE" dirty="0" smtClean="0"/>
+          </a:p>
+          <a:p>
+            <a:pPr lvl="1"/>
+            <a:r>
+              <a:rPr lang="nl-BE" dirty="0" err="1" smtClean="0"/>
+              <a:t>Dynamic</a:t>
+            </a:r>
+            <a:r>
+              <a:rPr lang="nl-BE" dirty="0" smtClean="0"/>
+              <a:t> update</a:t>
+            </a:r>
+          </a:p>
+          <a:p>
+            <a:pPr lvl="2"/>
+            <a:r>
+              <a:rPr lang="nl-BE" dirty="0" smtClean="0"/>
+              <a:t>Update enkel </a:t>
+            </a:r>
+            <a:r>
+              <a:rPr lang="nl-BE" dirty="0" err="1" smtClean="0"/>
+              <a:t>dirty</a:t>
+            </a:r>
+            <a:r>
+              <a:rPr lang="nl-BE" dirty="0" smtClean="0"/>
+              <a:t> </a:t>
+            </a:r>
+            <a:r>
+              <a:rPr lang="nl-BE" dirty="0" err="1" smtClean="0"/>
+              <a:t>fields</a:t>
+            </a:r>
+            <a:endParaRPr lang="nl-BE" dirty="0" smtClean="0"/>
+          </a:p>
+          <a:p>
+            <a:pPr lvl="2"/>
+            <a:r>
+              <a:rPr lang="nl-BE" dirty="0" smtClean="0"/>
+              <a:t>Veel </a:t>
+            </a:r>
+            <a:r>
+              <a:rPr lang="nl-BE" dirty="0" err="1" smtClean="0"/>
+              <a:t>performanter</a:t>
+            </a:r>
+            <a:r>
+              <a:rPr lang="nl-BE" dirty="0" smtClean="0"/>
+              <a:t> voor de DB</a:t>
+            </a:r>
+          </a:p>
+          <a:p>
+            <a:pPr lvl="2"/>
+            <a:r>
+              <a:rPr lang="nl-BE" dirty="0" smtClean="0"/>
+              <a:t>Veel minder onnodige data in de </a:t>
+            </a:r>
+            <a:r>
+              <a:rPr lang="nl-BE" dirty="0" err="1" smtClean="0"/>
+              <a:t>transaction</a:t>
+            </a:r>
+            <a:r>
+              <a:rPr lang="nl-BE" dirty="0" smtClean="0"/>
+              <a:t> log</a:t>
+            </a:r>
+          </a:p>
+          <a:p>
+            <a:pPr lvl="2"/>
+            <a:r>
+              <a:rPr lang="nl-BE" dirty="0" smtClean="0"/>
+              <a:t>Nadeel: single </a:t>
+            </a:r>
+            <a:r>
+              <a:rPr lang="nl-BE" dirty="0" err="1" smtClean="0"/>
+              <a:t>use</a:t>
+            </a:r>
+            <a:r>
+              <a:rPr lang="nl-BE" dirty="0" smtClean="0"/>
+              <a:t> </a:t>
+            </a:r>
+            <a:r>
+              <a:rPr lang="nl-BE" dirty="0" err="1" smtClean="0"/>
+              <a:t>execution</a:t>
+            </a:r>
+            <a:r>
+              <a:rPr lang="nl-BE" dirty="0" smtClean="0"/>
+              <a:t> plans =&gt; SQL job</a:t>
+            </a:r>
+          </a:p>
+          <a:p>
+            <a:pPr lvl="1"/>
+            <a:r>
+              <a:rPr lang="nl-BE" dirty="0" smtClean="0"/>
+              <a:t>Log4Net integratie</a:t>
+            </a:r>
+          </a:p>
+          <a:p>
+            <a:pPr lvl="2"/>
+            <a:r>
+              <a:rPr lang="nl-BE" dirty="0" err="1" smtClean="0"/>
+              <a:t>NHibernate</a:t>
+            </a:r>
+            <a:r>
+              <a:rPr lang="nl-BE" dirty="0" smtClean="0"/>
+              <a:t> </a:t>
+            </a:r>
+            <a:r>
+              <a:rPr lang="nl-BE" dirty="0" err="1" smtClean="0"/>
+              <a:t>profiler</a:t>
+            </a:r>
+            <a:r>
+              <a:rPr lang="nl-BE" dirty="0" smtClean="0"/>
+              <a:t> plugt hierop in</a:t>
+            </a:r>
+          </a:p>
+          <a:p>
+            <a:pPr lvl="1"/>
+            <a:endParaRPr lang="nl-BE" dirty="0" smtClean="0"/>
+          </a:p>
+          <a:p>
+            <a:pPr lvl="1"/>
+            <a:endParaRPr lang="nl-BE" dirty="0" smtClean="0"/>
+          </a:p>
+          <a:p>
+            <a:pPr lvl="1"/>
+            <a:endParaRPr lang="nl-BE" dirty="0" smtClean="0"/>
+          </a:p>
+        </p:txBody>
+      </p:sp>
+      <p:sp>
+        <p:nvSpPr>
+          <p:cNvPr id="3" name="Date Placeholder 2"/>
+          <p:cNvSpPr>
+            <a:spLocks noGrp="1"/>
+          </p:cNvSpPr>
+          <p:nvPr>
+            <p:ph type="dt" sz="half" idx="10"/>
+          </p:nvPr>
+        </p:nvSpPr>
+        <p:spPr/>
+        <p:txBody>
+          <a:bodyPr/>
+          <a:lstStyle/>
+          <a:p>
+            <a:fld id="{DBF0DA3E-2D0E-44FA-B999-D46FE1732693}" type="datetime2">
+              <a:rPr lang="nl-BE" smtClean="0"/>
+              <a:pPr/>
+              <a:t>donderdag 21 juni 2012</a:t>
+            </a:fld>
+            <a:endParaRPr lang="en-US" dirty="0"/>
+          </a:p>
+        </p:txBody>
+      </p:sp>
+      <p:sp>
+        <p:nvSpPr>
+          <p:cNvPr id="4" name="Footer Placeholder 3"/>
+          <p:cNvSpPr>
+            <a:spLocks noGrp="1"/>
+          </p:cNvSpPr>
+          <p:nvPr>
+            <p:ph type="ftr" sz="quarter" idx="11"/>
+          </p:nvPr>
+        </p:nvSpPr>
+        <p:spPr/>
+        <p:txBody>
+          <a:bodyPr/>
+          <a:lstStyle/>
+          <a:p>
+            <a:endParaRPr lang="en-US" dirty="0"/>
+          </a:p>
+        </p:txBody>
+      </p:sp>
+      <p:sp>
+        <p:nvSpPr>
+          <p:cNvPr id="5" name="Slide Number Placeholder 4"/>
+          <p:cNvSpPr>
+            <a:spLocks noGrp="1"/>
+          </p:cNvSpPr>
+          <p:nvPr>
+            <p:ph type="sldNum" sz="quarter" idx="12"/>
+          </p:nvPr>
+        </p:nvSpPr>
+        <p:spPr/>
+        <p:txBody>
+          <a:bodyPr/>
+          <a:lstStyle/>
+          <a:p>
+            <a:fld id="{B6F15528-21DE-4FAA-801E-634DDDAF4B2B}" type="slidenum">
+              <a:rPr lang="en-US" smtClean="0"/>
+              <a:pPr/>
+              <a:t>9</a:t>
             </a:fld>
             <a:endParaRPr lang="en-US" dirty="0"/>
           </a:p>
@@ -6157,253 +9114,6 @@
     <p:bldLst>
       <p:bldP spid="2" grpId="0" uiExpand="1" build="p"/>
     </p:bldLst>
-  </p:timing>
-</p:sld>
-</file>
-
-<file path=ppt/slides/slide9.xml><?xml version="1.0" encoding="utf-8"?>
-<p:sld xmlns:a="http://schemas.openxmlformats.org/drawingml/2006/main" xmlns:r="http://schemas.openxmlformats.org/officeDocument/2006/relationships" xmlns:p="http://schemas.openxmlformats.org/presentationml/2006/main">
-  <p:cSld>
-    <p:spTree>
-      <p:nvGrpSpPr>
-        <p:cNvPr id="1" name=""/>
-        <p:cNvGrpSpPr/>
-        <p:nvPr/>
-      </p:nvGrpSpPr>
-      <p:grpSpPr>
-        <a:xfrm>
-          <a:off x="0" y="0"/>
-          <a:ext cx="0" cy="0"/>
-          <a:chOff x="0" y="0"/>
-          <a:chExt cx="0" cy="0"/>
-        </a:xfrm>
-      </p:grpSpPr>
-      <p:sp>
-        <p:nvSpPr>
-          <p:cNvPr id="2" name="Content Placeholder 1"/>
-          <p:cNvSpPr>
-            <a:spLocks noGrp="1"/>
-          </p:cNvSpPr>
-          <p:nvPr>
-            <p:ph idx="1"/>
-          </p:nvPr>
-        </p:nvSpPr>
-        <p:spPr/>
-        <p:txBody>
-          <a:bodyPr/>
-          <a:lstStyle/>
-          <a:p>
-            <a:r>
-              <a:rPr lang="nl-BE" dirty="0" smtClean="0"/>
-              <a:t>Wat is een goede applicatie architectuur met NH?</a:t>
-            </a:r>
-          </a:p>
-          <a:p>
-            <a:r>
-              <a:rPr lang="nl-BE" dirty="0" smtClean="0"/>
-              <a:t>De ORM abstraheren met het </a:t>
-            </a:r>
-            <a:r>
-              <a:rPr lang="nl-BE" dirty="0" err="1" smtClean="0"/>
-              <a:t>repository</a:t>
-            </a:r>
-            <a:r>
-              <a:rPr lang="nl-BE" dirty="0" smtClean="0"/>
-              <a:t> </a:t>
-            </a:r>
-            <a:r>
-              <a:rPr lang="nl-BE" dirty="0" err="1" smtClean="0"/>
-              <a:t>pattern</a:t>
-            </a:r>
-            <a:endParaRPr lang="nl-BE" dirty="0" smtClean="0"/>
-          </a:p>
-          <a:p>
-            <a:pPr lvl="1"/>
-            <a:endParaRPr lang="nl-BE" dirty="0" smtClean="0"/>
-          </a:p>
-          <a:p>
-            <a:pPr lvl="1"/>
-            <a:endParaRPr lang="nl-BE" dirty="0" smtClean="0"/>
-          </a:p>
-          <a:p>
-            <a:pPr lvl="1"/>
-            <a:endParaRPr lang="nl-BE" dirty="0" smtClean="0"/>
-          </a:p>
-          <a:p>
-            <a:pPr lvl="1"/>
-            <a:endParaRPr lang="nl-BE" dirty="0" smtClean="0"/>
-          </a:p>
-          <a:p>
-            <a:endParaRPr lang="nl-BE" dirty="0" smtClean="0"/>
-          </a:p>
-          <a:p>
-            <a:endParaRPr lang="nl-BE" dirty="0" smtClean="0"/>
-          </a:p>
-          <a:p>
-            <a:r>
-              <a:rPr lang="nl-BE" dirty="0" smtClean="0"/>
-              <a:t>Demo 6</a:t>
-            </a:r>
-          </a:p>
-        </p:txBody>
-      </p:sp>
-      <p:sp>
-        <p:nvSpPr>
-          <p:cNvPr id="3" name="Date Placeholder 2"/>
-          <p:cNvSpPr>
-            <a:spLocks noGrp="1"/>
-          </p:cNvSpPr>
-          <p:nvPr>
-            <p:ph type="dt" sz="half" idx="10"/>
-          </p:nvPr>
-        </p:nvSpPr>
-        <p:spPr/>
-        <p:txBody>
-          <a:bodyPr/>
-          <a:lstStyle/>
-          <a:p>
-            <a:fld id="{DBF0DA3E-2D0E-44FA-B999-D46FE1732693}" type="datetime2">
-              <a:rPr lang="nl-BE" smtClean="0"/>
-              <a:pPr/>
-              <a:t>donderdag 14 juni 2012</a:t>
-            </a:fld>
-            <a:endParaRPr lang="en-US" dirty="0"/>
-          </a:p>
-        </p:txBody>
-      </p:sp>
-      <p:sp>
-        <p:nvSpPr>
-          <p:cNvPr id="4" name="Footer Placeholder 3"/>
-          <p:cNvSpPr>
-            <a:spLocks noGrp="1"/>
-          </p:cNvSpPr>
-          <p:nvPr>
-            <p:ph type="ftr" sz="quarter" idx="11"/>
-          </p:nvPr>
-        </p:nvSpPr>
-        <p:spPr/>
-        <p:txBody>
-          <a:bodyPr/>
-          <a:lstStyle/>
-          <a:p>
-            <a:endParaRPr lang="en-US" dirty="0"/>
-          </a:p>
-        </p:txBody>
-      </p:sp>
-      <p:sp>
-        <p:nvSpPr>
-          <p:cNvPr id="5" name="Slide Number Placeholder 4"/>
-          <p:cNvSpPr>
-            <a:spLocks noGrp="1"/>
-          </p:cNvSpPr>
-          <p:nvPr>
-            <p:ph type="sldNum" sz="quarter" idx="12"/>
-          </p:nvPr>
-        </p:nvSpPr>
-        <p:spPr/>
-        <p:txBody>
-          <a:bodyPr/>
-          <a:lstStyle/>
-          <a:p>
-            <a:fld id="{B6F15528-21DE-4FAA-801E-634DDDAF4B2B}" type="slidenum">
-              <a:rPr lang="en-US" smtClean="0"/>
-              <a:pPr/>
-              <a:t>9</a:t>
-            </a:fld>
-            <a:endParaRPr lang="en-US" dirty="0"/>
-          </a:p>
-        </p:txBody>
-      </p:sp>
-      <p:sp>
-        <p:nvSpPr>
-          <p:cNvPr id="6" name="Title 5"/>
-          <p:cNvSpPr>
-            <a:spLocks noGrp="1"/>
-          </p:cNvSpPr>
-          <p:nvPr>
-            <p:ph type="title"/>
-          </p:nvPr>
-        </p:nvSpPr>
-        <p:spPr/>
-        <p:txBody>
-          <a:bodyPr>
-            <a:normAutofit fontScale="90000"/>
-          </a:bodyPr>
-          <a:lstStyle/>
-          <a:p>
-            <a:r>
-              <a:rPr lang="nl-BE" dirty="0" smtClean="0"/>
-              <a:t>NH applicaties </a:t>
-            </a:r>
-            <a:r>
-              <a:rPr lang="nl-BE" dirty="0" err="1" smtClean="0"/>
-              <a:t>designen</a:t>
-            </a:r>
-            <a:endParaRPr lang="nl-BE" dirty="0"/>
-          </a:p>
-        </p:txBody>
-      </p:sp>
-      <p:sp>
-        <p:nvSpPr>
-          <p:cNvPr id="7" name="TextBox 6"/>
-          <p:cNvSpPr txBox="1"/>
-          <p:nvPr/>
-        </p:nvSpPr>
-        <p:spPr>
-          <a:xfrm>
-            <a:off x="2267744" y="2780928"/>
-            <a:ext cx="4176464" cy="2031325"/>
-          </a:xfrm>
-          <a:prstGeom prst="rect">
-            <a:avLst/>
-          </a:prstGeom>
-          <a:noFill/>
-        </p:spPr>
-        <p:txBody>
-          <a:bodyPr wrap="square" rtlCol="0">
-            <a:spAutoFit/>
-          </a:bodyPr>
-          <a:lstStyle/>
-          <a:p>
-            <a:r>
-              <a:rPr lang="en-US" i="1" dirty="0" smtClean="0"/>
-              <a:t>I would like to design an application using </a:t>
-            </a:r>
-            <a:r>
-              <a:rPr lang="en-US" i="1" dirty="0" err="1" smtClean="0"/>
-              <a:t>NHibernate</a:t>
-            </a:r>
-            <a:r>
-              <a:rPr lang="en-US" i="1" dirty="0" smtClean="0"/>
-              <a:t>. But I also want to so flexible that in future ,if I unplug </a:t>
-            </a:r>
-            <a:r>
-              <a:rPr lang="en-US" i="1" dirty="0" err="1" smtClean="0"/>
-              <a:t>NHibernate</a:t>
-            </a:r>
-            <a:r>
-              <a:rPr lang="en-US" i="1" dirty="0" smtClean="0"/>
-              <a:t> and use Entity framework or another framework then my application should not crash.</a:t>
-            </a:r>
-            <a:endParaRPr lang="nl-BE" i="1" dirty="0" smtClean="0"/>
-          </a:p>
-          <a:p>
-            <a:endParaRPr lang="nl-BE" dirty="0"/>
-          </a:p>
-        </p:txBody>
-      </p:sp>
-    </p:spTree>
-  </p:cSld>
-  <p:clrMapOvr>
-    <a:masterClrMapping/>
-  </p:clrMapOvr>
-  <p:transition/>
-  <p:timing>
-    <p:tnLst>
-      <p:par>
-        <p:cTn id="1" dur="indefinite" restart="never" nodeType="tmRoot"/>
-      </p:par>
-    </p:tnLst>
   </p:timing>
 </p:sld>
 </file>
@@ -6975,21 +9685,6 @@
 </file>
 
 <file path=customXml/item1.xml><?xml version="1.0" encoding="utf-8"?>
-<p:properties xmlns:p="http://schemas.microsoft.com/office/2006/metadata/properties" xmlns:xsi="http://www.w3.org/2001/XMLSchema-instance" xmlns:pc="http://schemas.microsoft.com/office/infopath/2007/PartnerControls">
-  <documentManagement/>
-</p:properties>
-</file>
-
-<file path=customXml/item2.xml><?xml version="1.0" encoding="utf-8"?>
-<?mso-contentType ?>
-<FormTemplates xmlns="http://schemas.microsoft.com/sharepoint/v3/contenttype/forms">
-  <Display>DocumentLibraryForm</Display>
-  <Edit>DocumentLibraryForm</Edit>
-  <New>DocumentLibraryForm</New>
-</FormTemplates>
-</file>
-
-<file path=customXml/item3.xml><?xml version="1.0" encoding="utf-8"?>
 <ct:contentTypeSchema xmlns:ct="http://schemas.microsoft.com/office/2006/metadata/contentType" xmlns:ma="http://schemas.microsoft.com/office/2006/metadata/properties/metaAttributes" ct:_="" ma:_="" ma:contentTypeName="Document" ma:contentTypeID="0x010100E38A22C3A72A5C41AD5BCCFBCF9BC258" ma:contentTypeVersion="0" ma:contentTypeDescription="Create a new document." ma:contentTypeScope="" ma:versionID="47b5a05ff17c9f87f17ba393f078e50e">
   <xsd:schema xmlns:xsd="http://www.w3.org/2001/XMLSchema" xmlns:xs="http://www.w3.org/2001/XMLSchema" xmlns:p="http://schemas.microsoft.com/office/2006/metadata/properties" targetNamespace="http://schemas.microsoft.com/office/2006/metadata/properties" ma:root="true" ma:fieldsID="c64490b4aec6201516c3a874156f37b2">
     <xsd:element name="properties">
@@ -7103,10 +9798,32 @@
 </ct:contentTypeSchema>
 </file>
 
+<file path=customXml/item2.xml><?xml version="1.0" encoding="utf-8"?>
+<?mso-contentType ?>
+<FormTemplates xmlns="http://schemas.microsoft.com/sharepoint/v3/contenttype/forms">
+  <Display>DocumentLibraryForm</Display>
+  <Edit>DocumentLibraryForm</Edit>
+  <New>DocumentLibraryForm</New>
+</FormTemplates>
+</file>
+
+<file path=customXml/item3.xml><?xml version="1.0" encoding="utf-8"?>
+<p:properties xmlns:p="http://schemas.microsoft.com/office/2006/metadata/properties" xmlns:xsi="http://www.w3.org/2001/XMLSchema-instance" xmlns:pc="http://schemas.microsoft.com/office/infopath/2007/PartnerControls">
+  <documentManagement/>
+</p:properties>
+</file>
+
 <file path=customXml/itemProps1.xml><?xml version="1.0" encoding="utf-8"?>
-<ds:datastoreItem xmlns:ds="http://schemas.openxmlformats.org/officeDocument/2006/customXml" ds:itemID="{99174808-9C2B-4902-8C9D-44348A1FD8BB}">
+<ds:datastoreItem xmlns:ds="http://schemas.openxmlformats.org/officeDocument/2006/customXml" ds:itemID="{DD63C643-5D3F-445B-B1D2-93AE57167F43}">
   <ds:schemaRefs>
+    <ds:schemaRef ds:uri="http://schemas.microsoft.com/office/2006/metadata/contentType"/>
+    <ds:schemaRef ds:uri="http://schemas.microsoft.com/office/2006/metadata/properties/metaAttributes"/>
+    <ds:schemaRef ds:uri="http://www.w3.org/2001/XMLSchema"/>
     <ds:schemaRef ds:uri="http://schemas.microsoft.com/office/2006/metadata/properties"/>
+    <ds:schemaRef ds:uri="http://schemas.openxmlformats.org/package/2006/metadata/core-properties"/>
+    <ds:schemaRef ds:uri="http://purl.org/dc/elements/1.1/"/>
+    <ds:schemaRef ds:uri="http://purl.org/dc/terms/"/>
+    <ds:schemaRef ds:uri="http://schemas.microsoft.com/internal/obd"/>
     <ds:schemaRef ds:uri="http://schemas.microsoft.com/office/infopath/2007/PartnerControls"/>
   </ds:schemaRefs>
 </ds:datastoreItem>
@@ -7121,16 +9838,9 @@
 </file>
 
 <file path=customXml/itemProps3.xml><?xml version="1.0" encoding="utf-8"?>
-<ds:datastoreItem xmlns:ds="http://schemas.openxmlformats.org/officeDocument/2006/customXml" ds:itemID="{DD63C643-5D3F-445B-B1D2-93AE57167F43}">
+<ds:datastoreItem xmlns:ds="http://schemas.openxmlformats.org/officeDocument/2006/customXml" ds:itemID="{99174808-9C2B-4902-8C9D-44348A1FD8BB}">
   <ds:schemaRefs>
-    <ds:schemaRef ds:uri="http://schemas.microsoft.com/office/2006/metadata/contentType"/>
-    <ds:schemaRef ds:uri="http://schemas.microsoft.com/office/2006/metadata/properties/metaAttributes"/>
-    <ds:schemaRef ds:uri="http://www.w3.org/2001/XMLSchema"/>
     <ds:schemaRef ds:uri="http://schemas.microsoft.com/office/2006/metadata/properties"/>
-    <ds:schemaRef ds:uri="http://schemas.openxmlformats.org/package/2006/metadata/core-properties"/>
-    <ds:schemaRef ds:uri="http://purl.org/dc/elements/1.1/"/>
-    <ds:schemaRef ds:uri="http://purl.org/dc/terms/"/>
-    <ds:schemaRef ds:uri="http://schemas.microsoft.com/internal/obd"/>
     <ds:schemaRef ds:uri="http://schemas.microsoft.com/office/infopath/2007/PartnerControls"/>
   </ds:schemaRefs>
 </ds:datastoreItem>

--- a/NHibernateCourse.pptx
+++ b/NHibernateCourse.pptx
@@ -209,7 +209,7 @@
             <a:fld id="{EB0EBD4C-DAF9-4E72-A1A4-1160C8AA0ED9}" type="datetimeFigureOut">
               <a:rPr lang="nl-BE" smtClean="0"/>
               <a:pPr/>
-              <a:t>21/06/2012</a:t>
+              <a:t>27/06/2012</a:t>
             </a:fld>
             <a:endParaRPr lang="nl-BE"/>
           </a:p>
@@ -380,7 +380,7 @@
     </p:spTree>
     <p:extLst>
       <p:ext uri="{BB962C8B-B14F-4D97-AF65-F5344CB8AC3E}">
-        <p14:creationId xmlns="" xmlns:p14="http://schemas.microsoft.com/office/powerpoint/2010/main" val="3581364128"/>
+        <p14:creationId xmlns:p14="http://schemas.microsoft.com/office/powerpoint/2010/main" xmlns="" val="3581364128"/>
       </p:ext>
     </p:extLst>
   </p:cSld>
@@ -978,7 +978,7 @@
             <a:fld id="{DBF0DA3E-2D0E-44FA-B999-D46FE1732693}" type="datetime2">
               <a:rPr lang="nl-BE" smtClean="0"/>
               <a:pPr/>
-              <a:t>donderdag 21 juni 2012</a:t>
+              <a:t>woensdag 27 juni 2012</a:t>
             </a:fld>
             <a:endParaRPr lang="en-US" dirty="0"/>
           </a:p>
@@ -1655,7 +1655,7 @@
             <a:fld id="{03C47FF0-850A-426D-8B6B-B6C8BFE71E7B}" type="datetime2">
               <a:rPr lang="nl-BE" smtClean="0"/>
               <a:pPr/>
-              <a:t>donderdag 21 juni 2012</a:t>
+              <a:t>woensdag 27 juni 2012</a:t>
             </a:fld>
             <a:endParaRPr lang="en-US" dirty="0"/>
           </a:p>
@@ -2183,7 +2183,6 @@
               <a:rPr lang="nl-BE" dirty="0" smtClean="0"/>
               <a:t>?</a:t>
             </a:r>
-            <a:endParaRPr lang="nl-BE" dirty="0" smtClean="0"/>
           </a:p>
           <a:p>
             <a:pPr lvl="1"/>
@@ -2233,7 +2232,7 @@
             <a:fld id="{DBF0DA3E-2D0E-44FA-B999-D46FE1732693}" type="datetime2">
               <a:rPr lang="nl-BE" smtClean="0"/>
               <a:pPr/>
-              <a:t>donderdag 21 juni 2012</a:t>
+              <a:t>woensdag 27 juni 2012</a:t>
             </a:fld>
             <a:endParaRPr lang="en-US" dirty="0"/>
           </a:p>
@@ -2534,7 +2533,7 @@
             <a:fld id="{DBF0DA3E-2D0E-44FA-B999-D46FE1732693}" type="datetime2">
               <a:rPr lang="nl-BE" smtClean="0"/>
               <a:pPr/>
-              <a:t>donderdag 21 juni 2012</a:t>
+              <a:t>woensdag 27 juni 2012</a:t>
             </a:fld>
             <a:endParaRPr lang="en-US" dirty="0"/>
           </a:p>
@@ -2681,15 +2680,33 @@
                                   </p:childTnLst>
                                 </p:cTn>
                               </p:par>
+                            </p:childTnLst>
+                          </p:cTn>
+                        </p:par>
+                      </p:childTnLst>
+                    </p:cTn>
+                  </p:par>
+                  <p:par>
+                    <p:cTn id="8" fill="hold">
+                      <p:stCondLst>
+                        <p:cond delay="indefinite"/>
+                      </p:stCondLst>
+                      <p:childTnLst>
+                        <p:par>
+                          <p:cTn id="9" fill="hold">
+                            <p:stCondLst>
+                              <p:cond delay="0"/>
+                            </p:stCondLst>
+                            <p:childTnLst>
                               <p:par>
-                                <p:cTn id="8" presetID="22" presetClass="entr" presetSubtype="4" fill="hold" grpId="0" nodeType="withEffect">
+                                <p:cTn id="10" presetID="22" presetClass="entr" presetSubtype="4" fill="hold" grpId="0" nodeType="clickEffect">
                                   <p:stCondLst>
                                     <p:cond delay="0"/>
                                   </p:stCondLst>
                                   <p:childTnLst>
                                     <p:set>
                                       <p:cBhvr>
-                                        <p:cTn id="9" dur="1" fill="hold">
+                                        <p:cTn id="11" dur="1" fill="hold">
                                           <p:stCondLst>
                                             <p:cond delay="0"/>
                                           </p:stCondLst>
@@ -2711,7 +2728,7 @@
                                     </p:set>
                                     <p:animEffect transition="in" filter="wipe(down)">
                                       <p:cBhvr>
-                                        <p:cTn id="10" dur="500"/>
+                                        <p:cTn id="12" dur="500"/>
                                         <p:tgtEl>
                                           <p:spTgt spid="2">
                                             <p:txEl>
@@ -2867,7 +2884,7 @@
             <a:fld id="{DBF0DA3E-2D0E-44FA-B999-D46FE1732693}" type="datetime2">
               <a:rPr lang="nl-BE" smtClean="0"/>
               <a:pPr/>
-              <a:t>donderdag 21 juni 2012</a:t>
+              <a:t>woensdag 27 juni 2012</a:t>
             </a:fld>
             <a:endParaRPr lang="en-US" dirty="0"/>
           </a:p>
@@ -3162,7 +3179,6 @@
               <a:rPr lang="nl-BE" dirty="0" smtClean="0"/>
               <a:t> vanuit view niet mogelijk</a:t>
             </a:r>
-            <a:endParaRPr lang="nl-BE" dirty="0" smtClean="0"/>
           </a:p>
         </p:txBody>
       </p:sp>
@@ -3184,7 +3200,7 @@
             <a:fld id="{DBF0DA3E-2D0E-44FA-B999-D46FE1732693}" type="datetime2">
               <a:rPr lang="nl-BE" smtClean="0"/>
               <a:pPr/>
-              <a:t>donderdag 21 juni 2012</a:t>
+              <a:t>woensdag 27 juni 2012</a:t>
             </a:fld>
             <a:endParaRPr lang="en-US" dirty="0"/>
           </a:p>
@@ -3313,7 +3329,7 @@
             <a:fld id="{DBF0DA3E-2D0E-44FA-B999-D46FE1732693}" type="datetime2">
               <a:rPr lang="nl-BE" smtClean="0"/>
               <a:pPr/>
-              <a:t>donderdag 21 juni 2012</a:t>
+              <a:t>woensdag 27 juni 2012</a:t>
             </a:fld>
             <a:endParaRPr lang="en-US" dirty="0"/>
           </a:p>
@@ -4799,7 +4815,7 @@
             <a:fld id="{DBF0DA3E-2D0E-44FA-B999-D46FE1732693}" type="datetime2">
               <a:rPr lang="nl-BE" smtClean="0"/>
               <a:pPr/>
-              <a:t>donderdag 21 juni 2012</a:t>
+              <a:t>woensdag 27 juni 2012</a:t>
             </a:fld>
             <a:endParaRPr lang="en-US" dirty="0"/>
           </a:p>
@@ -5163,7 +5179,7 @@
             <a:fld id="{DBF0DA3E-2D0E-44FA-B999-D46FE1732693}" type="datetime2">
               <a:rPr lang="nl-BE" smtClean="0"/>
               <a:pPr/>
-              <a:t>donderdag 21 juni 2012</a:t>
+              <a:t>woensdag 27 juni 2012</a:t>
             </a:fld>
             <a:endParaRPr lang="en-US" dirty="0"/>
           </a:p>
@@ -5415,7 +5431,7 @@
             <a:fld id="{DBF0DA3E-2D0E-44FA-B999-D46FE1732693}" type="datetime2">
               <a:rPr lang="nl-BE" smtClean="0"/>
               <a:pPr/>
-              <a:t>donderdag 21 juni 2012</a:t>
+              <a:t>woensdag 27 juni 2012</a:t>
             </a:fld>
             <a:endParaRPr lang="en-US" dirty="0"/>
           </a:p>
@@ -5834,7 +5850,7 @@
             <a:fld id="{DBF0DA3E-2D0E-44FA-B999-D46FE1732693}" type="datetime2">
               <a:rPr lang="nl-BE" smtClean="0"/>
               <a:pPr/>
-              <a:t>donderdag 21 juni 2012</a:t>
+              <a:t>woensdag 27 juni 2012</a:t>
             </a:fld>
             <a:endParaRPr lang="en-US" dirty="0"/>
           </a:p>
@@ -5973,11 +5989,7 @@
             </a:r>
             <a:r>
               <a:rPr lang="nl-BE" dirty="0" smtClean="0"/>
-              <a:t>. NH</a:t>
-            </a:r>
-            <a:r>
-              <a:rPr lang="nl-BE" dirty="0" smtClean="0"/>
-              <a:t>?</a:t>
+              <a:t>. NH?</a:t>
             </a:r>
           </a:p>
           <a:p>
@@ -5986,26 +5998,14 @@
           <a:p>
             <a:r>
               <a:rPr lang="nl-BE" dirty="0" smtClean="0"/>
-              <a:t>Meestal gevolg van SELECT </a:t>
-            </a:r>
-            <a:r>
-              <a:rPr lang="nl-BE" dirty="0" smtClean="0"/>
-              <a:t>N+1</a:t>
+              <a:t>Meestal gevolg van SELECT N+1</a:t>
             </a:r>
           </a:p>
           <a:p>
             <a:pPr lvl="1"/>
             <a:r>
               <a:rPr lang="nl-BE" dirty="0" smtClean="0"/>
-              <a:t>Veruit het meest </a:t>
-            </a:r>
-            <a:r>
-              <a:rPr lang="nl-BE" dirty="0" smtClean="0"/>
-              <a:t>voorkomende </a:t>
-            </a:r>
-            <a:r>
-              <a:rPr lang="nl-BE" dirty="0" smtClean="0"/>
-              <a:t>probleem</a:t>
+              <a:t>Veruit het meest voorkomende probleem</a:t>
             </a:r>
           </a:p>
           <a:p>
@@ -6056,7 +6056,7 @@
             <a:fld id="{DBF0DA3E-2D0E-44FA-B999-D46FE1732693}" type="datetime2">
               <a:rPr lang="nl-BE" smtClean="0"/>
               <a:pPr/>
-              <a:t>donderdag 21 juni 2012</a:t>
+              <a:t>woensdag 27 juni 2012</a:t>
             </a:fld>
             <a:endParaRPr lang="en-US" dirty="0"/>
           </a:p>
@@ -6397,7 +6397,7 @@
             <a:fld id="{DBF0DA3E-2D0E-44FA-B999-D46FE1732693}" type="datetime2">
               <a:rPr lang="nl-BE" smtClean="0"/>
               <a:pPr/>
-              <a:t>donderdag 21 juni 2012</a:t>
+              <a:t>woensdag 27 juni 2012</a:t>
             </a:fld>
             <a:endParaRPr lang="en-US" dirty="0"/>
           </a:p>
@@ -6656,11 +6656,7 @@
             </a:r>
             <a:r>
               <a:rPr lang="nl-BE" dirty="0" smtClean="0"/>
-              <a:t> </a:t>
-            </a:r>
-            <a:r>
-              <a:rPr lang="nl-BE" dirty="0" smtClean="0"/>
-              <a:t>index</a:t>
+              <a:t> index</a:t>
             </a:r>
           </a:p>
           <a:p>
@@ -6669,25 +6665,16 @@
               <a:rPr lang="nl-BE" dirty="0" smtClean="0"/>
               <a:t>Records worden bewaard volgens volgorde van deze index</a:t>
             </a:r>
-            <a:endParaRPr lang="nl-BE" dirty="0" smtClean="0"/>
           </a:p>
           <a:p>
             <a:pPr lvl="1"/>
             <a:r>
               <a:rPr lang="nl-BE" dirty="0" err="1" smtClean="0"/>
-              <a:t>F</a:t>
-            </a:r>
-            <a:r>
-              <a:rPr lang="nl-BE" dirty="0" err="1" smtClean="0"/>
-              <a:t>ragmentation</a:t>
-            </a:r>
-            <a:r>
-              <a:rPr lang="nl-BE" dirty="0" smtClean="0"/>
-              <a:t> </a:t>
-            </a:r>
-            <a:r>
-              <a:rPr lang="nl-BE" dirty="0" smtClean="0"/>
-              <a:t>beperken</a:t>
+              <a:t>Fragmentation</a:t>
+            </a:r>
+            <a:r>
+              <a:rPr lang="nl-BE" dirty="0" smtClean="0"/>
+              <a:t> beperken</a:t>
             </a:r>
           </a:p>
           <a:p>
@@ -6730,7 +6717,7 @@
             <a:fld id="{DBF0DA3E-2D0E-44FA-B999-D46FE1732693}" type="datetime2">
               <a:rPr lang="nl-BE" smtClean="0"/>
               <a:pPr/>
-              <a:t>donderdag 21 juni 2012</a:t>
+              <a:t>woensdag 27 juni 2012</a:t>
             </a:fld>
             <a:endParaRPr lang="en-US" dirty="0"/>
           </a:p>
@@ -7151,7 +7138,7 @@
                                         <p:tgtEl>
                                           <p:spTgt spid="2">
                                             <p:txEl>
-                                              <p:pRg st="6" end="6"/>
+                                              <p:pRg st="5" end="5"/>
                                             </p:txEl>
                                           </p:spTgt>
                                         </p:tgtEl>
@@ -7169,6 +7156,67 @@
                                         <p:tgtEl>
                                           <p:spTgt spid="2">
                                             <p:txEl>
+                                              <p:pRg st="5" end="5"/>
+                                            </p:txEl>
+                                          </p:spTgt>
+                                        </p:tgtEl>
+                                      </p:cBhvr>
+                                    </p:animEffect>
+                                  </p:childTnLst>
+                                </p:cTn>
+                              </p:par>
+                            </p:childTnLst>
+                          </p:cTn>
+                        </p:par>
+                      </p:childTnLst>
+                    </p:cTn>
+                  </p:par>
+                  <p:par>
+                    <p:cTn id="22" fill="hold">
+                      <p:stCondLst>
+                        <p:cond delay="indefinite"/>
+                      </p:stCondLst>
+                      <p:childTnLst>
+                        <p:par>
+                          <p:cTn id="23" fill="hold">
+                            <p:stCondLst>
+                              <p:cond delay="0"/>
+                            </p:stCondLst>
+                            <p:childTnLst>
+                              <p:par>
+                                <p:cTn id="24" presetID="22" presetClass="entr" presetSubtype="4" fill="hold" grpId="0" nodeType="clickEffect">
+                                  <p:stCondLst>
+                                    <p:cond delay="0"/>
+                                  </p:stCondLst>
+                                  <p:childTnLst>
+                                    <p:set>
+                                      <p:cBhvr>
+                                        <p:cTn id="25" dur="1" fill="hold">
+                                          <p:stCondLst>
+                                            <p:cond delay="0"/>
+                                          </p:stCondLst>
+                                        </p:cTn>
+                                        <p:tgtEl>
+                                          <p:spTgt spid="2">
+                                            <p:txEl>
+                                              <p:pRg st="6" end="6"/>
+                                            </p:txEl>
+                                          </p:spTgt>
+                                        </p:tgtEl>
+                                        <p:attrNameLst>
+                                          <p:attrName>style.visibility</p:attrName>
+                                        </p:attrNameLst>
+                                      </p:cBhvr>
+                                      <p:to>
+                                        <p:strVal val="visible"/>
+                                      </p:to>
+                                    </p:set>
+                                    <p:animEffect transition="in" filter="wipe(down)">
+                                      <p:cBhvr>
+                                        <p:cTn id="26" dur="500"/>
+                                        <p:tgtEl>
+                                          <p:spTgt spid="2">
+                                            <p:txEl>
                                               <p:pRg st="6" end="6"/>
                                             </p:txEl>
                                           </p:spTgt>
@@ -7179,14 +7227,14 @@
                                 </p:cTn>
                               </p:par>
                               <p:par>
-                                <p:cTn id="22" presetID="22" presetClass="entr" presetSubtype="4" fill="hold" grpId="0" nodeType="withEffect">
+                                <p:cTn id="27" presetID="22" presetClass="entr" presetSubtype="4" fill="hold" grpId="0" nodeType="withEffect">
                                   <p:stCondLst>
                                     <p:cond delay="0"/>
                                   </p:stCondLst>
                                   <p:childTnLst>
                                     <p:set>
                                       <p:cBhvr>
-                                        <p:cTn id="23" dur="1" fill="hold">
+                                        <p:cTn id="28" dur="1" fill="hold">
                                           <p:stCondLst>
                                             <p:cond delay="0"/>
                                           </p:stCondLst>
@@ -7208,7 +7256,7 @@
                                     </p:set>
                                     <p:animEffect transition="in" filter="wipe(down)">
                                       <p:cBhvr>
-                                        <p:cTn id="24" dur="500"/>
+                                        <p:cTn id="29" dur="500"/>
                                         <p:tgtEl>
                                           <p:spTgt spid="2">
                                             <p:txEl>
@@ -7228,26 +7276,26 @@
                     </p:cTn>
                   </p:par>
                   <p:par>
-                    <p:cTn id="25" fill="hold">
+                    <p:cTn id="30" fill="hold">
                       <p:stCondLst>
                         <p:cond delay="indefinite"/>
                       </p:stCondLst>
                       <p:childTnLst>
                         <p:par>
-                          <p:cTn id="26" fill="hold">
+                          <p:cTn id="31" fill="hold">
                             <p:stCondLst>
                               <p:cond delay="0"/>
                             </p:stCondLst>
                             <p:childTnLst>
                               <p:par>
-                                <p:cTn id="27" presetID="22" presetClass="entr" presetSubtype="4" fill="hold" grpId="0" nodeType="clickEffect">
+                                <p:cTn id="32" presetID="22" presetClass="entr" presetSubtype="4" fill="hold" grpId="0" nodeType="clickEffect">
                                   <p:stCondLst>
                                     <p:cond delay="0"/>
                                   </p:stCondLst>
                                   <p:childTnLst>
                                     <p:set>
                                       <p:cBhvr>
-                                        <p:cTn id="28" dur="1" fill="hold">
+                                        <p:cTn id="33" dur="1" fill="hold">
                                           <p:stCondLst>
                                             <p:cond delay="0"/>
                                           </p:stCondLst>
@@ -7269,7 +7317,7 @@
                                     </p:set>
                                     <p:animEffect transition="in" filter="wipe(down)">
                                       <p:cBhvr>
-                                        <p:cTn id="29" dur="500"/>
+                                        <p:cTn id="34" dur="500"/>
                                         <p:tgtEl>
                                           <p:spTgt spid="2">
                                             <p:txEl>
@@ -7283,14 +7331,14 @@
                                 </p:cTn>
                               </p:par>
                               <p:par>
-                                <p:cTn id="30" presetID="22" presetClass="entr" presetSubtype="4" fill="hold" grpId="0" nodeType="withEffect">
+                                <p:cTn id="35" presetID="22" presetClass="entr" presetSubtype="4" fill="hold" grpId="0" nodeType="withEffect">
                                   <p:stCondLst>
                                     <p:cond delay="0"/>
                                   </p:stCondLst>
                                   <p:childTnLst>
                                     <p:set>
                                       <p:cBhvr>
-                                        <p:cTn id="31" dur="1" fill="hold">
+                                        <p:cTn id="36" dur="1" fill="hold">
                                           <p:stCondLst>
                                             <p:cond delay="0"/>
                                           </p:stCondLst>
@@ -7312,7 +7360,7 @@
                                     </p:set>
                                     <p:animEffect transition="in" filter="wipe(down)">
                                       <p:cBhvr>
-                                        <p:cTn id="32" dur="500"/>
+                                        <p:cTn id="37" dur="500"/>
                                         <p:tgtEl>
                                           <p:spTgt spid="2">
                                             <p:txEl>
@@ -7353,9 +7401,9 @@
       </p:par>
     </p:tnLst>
     <p:bldLst>
-      <p:bldP spid="2" grpId="0" uiExpand="1" build="p"/>
+      <p:bldP spid="2" grpId="0" uiExpand="1" build="allAtOnce"/>
       <p:bldP spid="7" grpId="0" animBg="1"/>
-      <p:bldP spid="11" grpId="0" build="allAtOnce" animBg="1"/>
+      <p:bldP spid="11" grpId="0" uiExpand="1" build="allAtOnce" animBg="1"/>
     </p:bldLst>
   </p:timing>
 </p:sld>
@@ -7399,17 +7447,40 @@
               <a:rPr lang="nl-BE" dirty="0" smtClean="0"/>
               <a:t>Welke opties hebben we?</a:t>
             </a:r>
+          </a:p>
+          <a:p>
+            <a:pPr lvl="1"/>
+            <a:r>
+              <a:rPr lang="nl-BE" dirty="0" err="1" smtClean="0"/>
+              <a:t>Guid.comb</a:t>
+            </a:r>
+            <a:r>
+              <a:rPr lang="nl-BE" dirty="0" smtClean="0"/>
+              <a:t>: </a:t>
+            </a:r>
+            <a:r>
+              <a:rPr lang="nl-BE" dirty="0" err="1" smtClean="0"/>
+              <a:t>sequenciële</a:t>
+            </a:r>
+            <a:r>
+              <a:rPr lang="nl-BE" dirty="0" smtClean="0"/>
+              <a:t> </a:t>
+            </a:r>
+            <a:r>
+              <a:rPr lang="nl-BE" dirty="0" err="1" smtClean="0"/>
+              <a:t>guid</a:t>
+            </a:r>
             <a:endParaRPr lang="nl-BE" dirty="0" smtClean="0"/>
           </a:p>
           <a:p>
             <a:pPr lvl="1"/>
             <a:r>
               <a:rPr lang="nl-BE" dirty="0" err="1" smtClean="0"/>
-              <a:t>Guid.comb</a:t>
-            </a:r>
-            <a:r>
-              <a:rPr lang="nl-BE" dirty="0" smtClean="0"/>
-              <a:t>: </a:t>
+              <a:t>HiLo</a:t>
+            </a:r>
+            <a:r>
+              <a:rPr lang="nl-BE" dirty="0" smtClean="0"/>
+              <a:t>: ranges van </a:t>
             </a:r>
             <a:r>
               <a:rPr lang="nl-BE" dirty="0" err="1" smtClean="0"/>
@@ -7417,39 +7488,7 @@
             </a:r>
             <a:r>
               <a:rPr lang="nl-BE" dirty="0" smtClean="0"/>
-              <a:t> </a:t>
-            </a:r>
-            <a:r>
-              <a:rPr lang="nl-BE" dirty="0" err="1" smtClean="0"/>
-              <a:t>guid</a:t>
-            </a:r>
-            <a:endParaRPr lang="nl-BE" dirty="0" smtClean="0"/>
-          </a:p>
-          <a:p>
-            <a:pPr lvl="1"/>
-            <a:r>
-              <a:rPr lang="nl-BE" dirty="0" err="1" smtClean="0"/>
-              <a:t>HiLo</a:t>
-            </a:r>
-            <a:r>
-              <a:rPr lang="nl-BE" dirty="0" smtClean="0"/>
-              <a:t>: ranges van </a:t>
-            </a:r>
-            <a:r>
-              <a:rPr lang="nl-BE" dirty="0" err="1" smtClean="0"/>
-              <a:t>sequenciële</a:t>
-            </a:r>
-            <a:r>
-              <a:rPr lang="nl-BE" dirty="0" smtClean="0"/>
-              <a:t> </a:t>
-            </a:r>
-            <a:r>
-              <a:rPr lang="nl-BE" dirty="0" smtClean="0"/>
-              <a:t>integers </a:t>
-            </a:r>
-            <a:r>
-              <a:rPr lang="nl-BE" dirty="0" smtClean="0"/>
-              <a:t>per </a:t>
+              <a:t> integers per </a:t>
             </a:r>
             <a:r>
               <a:rPr lang="nl-BE" dirty="0" err="1" smtClean="0"/>
@@ -7576,7 +7615,7 @@
             <a:fld id="{DBF0DA3E-2D0E-44FA-B999-D46FE1732693}" type="datetime2">
               <a:rPr lang="nl-BE" smtClean="0"/>
               <a:pPr/>
-              <a:t>donderdag 21 juni 2012</a:t>
+              <a:t>woensdag 27 juni 2012</a:t>
             </a:fld>
             <a:endParaRPr lang="en-US" dirty="0"/>
           </a:p>
@@ -8136,15 +8175,33 @@
                                   </p:childTnLst>
                                 </p:cTn>
                               </p:par>
+                            </p:childTnLst>
+                          </p:cTn>
+                        </p:par>
+                      </p:childTnLst>
+                    </p:cTn>
+                  </p:par>
+                  <p:par>
+                    <p:cTn id="37" fill="hold">
+                      <p:stCondLst>
+                        <p:cond delay="indefinite"/>
+                      </p:stCondLst>
+                      <p:childTnLst>
+                        <p:par>
+                          <p:cTn id="38" fill="hold">
+                            <p:stCondLst>
+                              <p:cond delay="0"/>
+                            </p:stCondLst>
+                            <p:childTnLst>
                               <p:par>
-                                <p:cTn id="37" presetID="22" presetClass="entr" presetSubtype="4" fill="hold" grpId="0" nodeType="withEffect">
+                                <p:cTn id="39" presetID="22" presetClass="entr" presetSubtype="4" fill="hold" grpId="0" nodeType="clickEffect">
                                   <p:stCondLst>
                                     <p:cond delay="0"/>
                                   </p:stCondLst>
                                   <p:childTnLst>
                                     <p:set>
                                       <p:cBhvr>
-                                        <p:cTn id="38" dur="1" fill="hold">
+                                        <p:cTn id="40" dur="1" fill="hold">
                                           <p:stCondLst>
                                             <p:cond delay="0"/>
                                           </p:stCondLst>
@@ -8166,7 +8223,7 @@
                                     </p:set>
                                     <p:animEffect transition="in" filter="wipe(down)">
                                       <p:cBhvr>
-                                        <p:cTn id="39" dur="500"/>
+                                        <p:cTn id="41" dur="500"/>
                                         <p:tgtEl>
                                           <p:spTgt spid="2">
                                             <p:txEl>
@@ -8207,7 +8264,7 @@
       </p:par>
     </p:tnLst>
     <p:bldLst>
-      <p:bldP spid="2" grpId="0" build="p"/>
+      <p:bldP spid="2" grpId="0" uiExpand="1" build="p"/>
     </p:bldLst>
   </p:timing>
 </p:sld>
@@ -8282,11 +8339,7 @@
             <a:pPr lvl="2"/>
             <a:r>
               <a:rPr lang="nl-BE" dirty="0" smtClean="0"/>
-              <a:t>Component = data uit 1 tabel splitsten in meerdere </a:t>
-            </a:r>
-            <a:r>
-              <a:rPr lang="nl-BE" dirty="0" smtClean="0"/>
-              <a:t>objecten</a:t>
+              <a:t>Component = data uit 1 tabel splitsten in meerdere objecten</a:t>
             </a:r>
           </a:p>
           <a:p>
@@ -8332,7 +8385,7 @@
             <a:fld id="{DBF0DA3E-2D0E-44FA-B999-D46FE1732693}" type="datetime2">
               <a:rPr lang="nl-BE" smtClean="0"/>
               <a:pPr/>
-              <a:t>donderdag 21 juni 2012</a:t>
+              <a:t>woensdag 27 juni 2012</a:t>
             </a:fld>
             <a:endParaRPr lang="en-US" dirty="0"/>
           </a:p>
@@ -8653,7 +8706,7 @@
             <a:fld id="{DBF0DA3E-2D0E-44FA-B999-D46FE1732693}" type="datetime2">
               <a:rPr lang="nl-BE" smtClean="0"/>
               <a:pPr/>
-              <a:t>donderdag 21 juni 2012</a:t>
+              <a:t>woensdag 27 juni 2012</a:t>
             </a:fld>
             <a:endParaRPr lang="en-US" dirty="0"/>
           </a:p>
@@ -9685,6 +9738,21 @@
 </file>
 
 <file path=customXml/item1.xml><?xml version="1.0" encoding="utf-8"?>
+<p:properties xmlns:p="http://schemas.microsoft.com/office/2006/metadata/properties" xmlns:xsi="http://www.w3.org/2001/XMLSchema-instance" xmlns:pc="http://schemas.microsoft.com/office/infopath/2007/PartnerControls">
+  <documentManagement/>
+</p:properties>
+</file>
+
+<file path=customXml/item2.xml><?xml version="1.0" encoding="utf-8"?>
+<?mso-contentType ?>
+<FormTemplates xmlns="http://schemas.microsoft.com/sharepoint/v3/contenttype/forms">
+  <Display>DocumentLibraryForm</Display>
+  <Edit>DocumentLibraryForm</Edit>
+  <New>DocumentLibraryForm</New>
+</FormTemplates>
+</file>
+
+<file path=customXml/item3.xml><?xml version="1.0" encoding="utf-8"?>
 <ct:contentTypeSchema xmlns:ct="http://schemas.microsoft.com/office/2006/metadata/contentType" xmlns:ma="http://schemas.microsoft.com/office/2006/metadata/properties/metaAttributes" ct:_="" ma:_="" ma:contentTypeName="Document" ma:contentTypeID="0x010100E38A22C3A72A5C41AD5BCCFBCF9BC258" ma:contentTypeVersion="0" ma:contentTypeDescription="Create a new document." ma:contentTypeScope="" ma:versionID="47b5a05ff17c9f87f17ba393f078e50e">
   <xsd:schema xmlns:xsd="http://www.w3.org/2001/XMLSchema" xmlns:xs="http://www.w3.org/2001/XMLSchema" xmlns:p="http://schemas.microsoft.com/office/2006/metadata/properties" targetNamespace="http://schemas.microsoft.com/office/2006/metadata/properties" ma:root="true" ma:fieldsID="c64490b4aec6201516c3a874156f37b2">
     <xsd:element name="properties">
@@ -9798,32 +9866,10 @@
 </ct:contentTypeSchema>
 </file>
 
-<file path=customXml/item2.xml><?xml version="1.0" encoding="utf-8"?>
-<?mso-contentType ?>
-<FormTemplates xmlns="http://schemas.microsoft.com/sharepoint/v3/contenttype/forms">
-  <Display>DocumentLibraryForm</Display>
-  <Edit>DocumentLibraryForm</Edit>
-  <New>DocumentLibraryForm</New>
-</FormTemplates>
-</file>
-
-<file path=customXml/item3.xml><?xml version="1.0" encoding="utf-8"?>
-<p:properties xmlns:p="http://schemas.microsoft.com/office/2006/metadata/properties" xmlns:xsi="http://www.w3.org/2001/XMLSchema-instance" xmlns:pc="http://schemas.microsoft.com/office/infopath/2007/PartnerControls">
-  <documentManagement/>
-</p:properties>
-</file>
-
 <file path=customXml/itemProps1.xml><?xml version="1.0" encoding="utf-8"?>
-<ds:datastoreItem xmlns:ds="http://schemas.openxmlformats.org/officeDocument/2006/customXml" ds:itemID="{DD63C643-5D3F-445B-B1D2-93AE57167F43}">
+<ds:datastoreItem xmlns:ds="http://schemas.openxmlformats.org/officeDocument/2006/customXml" ds:itemID="{99174808-9C2B-4902-8C9D-44348A1FD8BB}">
   <ds:schemaRefs>
-    <ds:schemaRef ds:uri="http://schemas.microsoft.com/office/2006/metadata/contentType"/>
-    <ds:schemaRef ds:uri="http://schemas.microsoft.com/office/2006/metadata/properties/metaAttributes"/>
-    <ds:schemaRef ds:uri="http://www.w3.org/2001/XMLSchema"/>
     <ds:schemaRef ds:uri="http://schemas.microsoft.com/office/2006/metadata/properties"/>
-    <ds:schemaRef ds:uri="http://schemas.openxmlformats.org/package/2006/metadata/core-properties"/>
-    <ds:schemaRef ds:uri="http://purl.org/dc/elements/1.1/"/>
-    <ds:schemaRef ds:uri="http://purl.org/dc/terms/"/>
-    <ds:schemaRef ds:uri="http://schemas.microsoft.com/internal/obd"/>
     <ds:schemaRef ds:uri="http://schemas.microsoft.com/office/infopath/2007/PartnerControls"/>
   </ds:schemaRefs>
 </ds:datastoreItem>
@@ -9838,9 +9884,16 @@
 </file>
 
 <file path=customXml/itemProps3.xml><?xml version="1.0" encoding="utf-8"?>
-<ds:datastoreItem xmlns:ds="http://schemas.openxmlformats.org/officeDocument/2006/customXml" ds:itemID="{99174808-9C2B-4902-8C9D-44348A1FD8BB}">
+<ds:datastoreItem xmlns:ds="http://schemas.openxmlformats.org/officeDocument/2006/customXml" ds:itemID="{DD63C643-5D3F-445B-B1D2-93AE57167F43}">
   <ds:schemaRefs>
+    <ds:schemaRef ds:uri="http://schemas.microsoft.com/office/2006/metadata/contentType"/>
+    <ds:schemaRef ds:uri="http://schemas.microsoft.com/office/2006/metadata/properties/metaAttributes"/>
+    <ds:schemaRef ds:uri="http://www.w3.org/2001/XMLSchema"/>
     <ds:schemaRef ds:uri="http://schemas.microsoft.com/office/2006/metadata/properties"/>
+    <ds:schemaRef ds:uri="http://schemas.openxmlformats.org/package/2006/metadata/core-properties"/>
+    <ds:schemaRef ds:uri="http://purl.org/dc/elements/1.1/"/>
+    <ds:schemaRef ds:uri="http://purl.org/dc/terms/"/>
+    <ds:schemaRef ds:uri="http://schemas.microsoft.com/internal/obd"/>
     <ds:schemaRef ds:uri="http://schemas.microsoft.com/office/infopath/2007/PartnerControls"/>
   </ds:schemaRefs>
 </ds:datastoreItem>
